--- a/slides/pptx/4_relationships-between-words_slides.pptx
+++ b/slides/pptx/4_relationships-between-words_slides.pptx
@@ -5,12 +5,20 @@
     <p:sldMasterId id="2147483648" r:id="rId1"/>
   </p:sldMasterIdLst>
   <p:sldIdLst>
-    <p:sldId id="279" r:id="rId2"/>
-    <p:sldId id="280" r:id="rId3"/>
-    <p:sldId id="281" r:id="rId4"/>
-    <p:sldId id="282" r:id="rId5"/>
-    <p:sldId id="283" r:id="rId6"/>
-    <p:sldId id="284" r:id="rId7"/>
+    <p:sldId id="285" r:id="rId2"/>
+    <p:sldId id="286" r:id="rId3"/>
+    <p:sldId id="287" r:id="rId4"/>
+    <p:sldId id="288" r:id="rId5"/>
+    <p:sldId id="290" r:id="rId6"/>
+    <p:sldId id="289" r:id="rId7"/>
+    <p:sldId id="291" r:id="rId8"/>
+    <p:sldId id="292" r:id="rId9"/>
+    <p:sldId id="293" r:id="rId10"/>
+    <p:sldId id="294" r:id="rId11"/>
+    <p:sldId id="295" r:id="rId12"/>
+    <p:sldId id="296" r:id="rId13"/>
+    <p:sldId id="297" r:id="rId14"/>
+    <p:sldId id="298" r:id="rId15"/>
   </p:sldIdLst>
   <p:sldSz cx="12192000" cy="6858000"/>
   <p:notesSz cx="6858000" cy="9144000"/>
@@ -109,6 +117,11 @@
       </a:defRPr>
     </a:lvl9pPr>
   </p:defaultTextStyle>
+  <p:extLst>
+    <p:ext uri="{EFAFB233-063F-42B5-8137-9DF3F51BA10A}">
+      <p15:sldGuideLst xmlns:p15="http://schemas.microsoft.com/office/powerpoint/2012/main"/>
+    </p:ext>
+  </p:extLst>
 </p:presentation>
 </file>
 
@@ -134,7 +147,7 @@
           <p:cNvPr id="2" name="Title 1">
             <a:extLst>
               <a:ext uri="{FF2B5EF4-FFF2-40B4-BE49-F238E27FC236}">
-                <a16:creationId xmlns:a16="http://schemas.microsoft.com/office/drawing/2014/main" id="{38E64569-6E2F-4B6D-B5BA-0D1BC8E8E8C1}"/>
+                <a16:creationId xmlns:a16="http://schemas.microsoft.com/office/drawing/2014/main" id="{CFA2CA01-0EF9-4380-9A95-B38F3FCAC396}"/>
               </a:ext>
             </a:extLst>
           </p:cNvPr>
@@ -172,7 +185,7 @@
           <p:cNvPr id="3" name="Subtitle 2">
             <a:extLst>
               <a:ext uri="{FF2B5EF4-FFF2-40B4-BE49-F238E27FC236}">
-                <a16:creationId xmlns:a16="http://schemas.microsoft.com/office/drawing/2014/main" id="{8BC30BA7-CE40-444D-B123-F84583F6B2AA}"/>
+                <a16:creationId xmlns:a16="http://schemas.microsoft.com/office/drawing/2014/main" id="{AB140EC1-5A7F-4692-857E-25F491FC0F2E}"/>
               </a:ext>
             </a:extLst>
           </p:cNvPr>
@@ -243,7 +256,7 @@
           <p:cNvPr id="4" name="Date Placeholder 3">
             <a:extLst>
               <a:ext uri="{FF2B5EF4-FFF2-40B4-BE49-F238E27FC236}">
-                <a16:creationId xmlns:a16="http://schemas.microsoft.com/office/drawing/2014/main" id="{8C7F1189-A0CF-4BD5-901B-A9F7E07275EC}"/>
+                <a16:creationId xmlns:a16="http://schemas.microsoft.com/office/drawing/2014/main" id="{01EBB410-134C-4E5A-ADF0-5F8CB4C50E41}"/>
               </a:ext>
             </a:extLst>
           </p:cNvPr>
@@ -259,9 +272,9 @@
           <a:bodyPr/>
           <a:lstStyle/>
           <a:p>
-            <a:fld id="{F10275B0-D545-466B-AAC1-AAED5B975C81}" type="datetimeFigureOut">
+            <a:fld id="{5604F887-4C36-4F72-BAF1-A4451728F99F}" type="datetimeFigureOut">
               <a:rPr lang="nl-NL" smtClean="0"/>
-              <a:t>29-6-2021</a:t>
+              <a:t>28-10-2021</a:t>
             </a:fld>
             <a:endParaRPr lang="nl-NL"/>
           </a:p>
@@ -272,7 +285,7 @@
           <p:cNvPr id="5" name="Footer Placeholder 4">
             <a:extLst>
               <a:ext uri="{FF2B5EF4-FFF2-40B4-BE49-F238E27FC236}">
-                <a16:creationId xmlns:a16="http://schemas.microsoft.com/office/drawing/2014/main" id="{9C451937-1BB3-473B-B3C9-6C85BB6032E6}"/>
+                <a16:creationId xmlns:a16="http://schemas.microsoft.com/office/drawing/2014/main" id="{32D48DC9-513C-4955-A59A-BD629C8BE307}"/>
               </a:ext>
             </a:extLst>
           </p:cNvPr>
@@ -297,7 +310,7 @@
           <p:cNvPr id="6" name="Slide Number Placeholder 5">
             <a:extLst>
               <a:ext uri="{FF2B5EF4-FFF2-40B4-BE49-F238E27FC236}">
-                <a16:creationId xmlns:a16="http://schemas.microsoft.com/office/drawing/2014/main" id="{010622C9-98E8-46D4-9C9E-A517982F0BD1}"/>
+                <a16:creationId xmlns:a16="http://schemas.microsoft.com/office/drawing/2014/main" id="{48827BD7-F6F7-416E-8845-4110C5C23D58}"/>
               </a:ext>
             </a:extLst>
           </p:cNvPr>
@@ -313,7 +326,7 @@
           <a:bodyPr/>
           <a:lstStyle/>
           <a:p>
-            <a:fld id="{24A47475-CC18-4163-9352-A18B0D5219E0}" type="slidenum">
+            <a:fld id="{91FCF05F-4E29-47D8-BD7D-35B24E9BD5DE}" type="slidenum">
               <a:rPr lang="nl-NL" smtClean="0"/>
               <a:t>‹#›</a:t>
             </a:fld>
@@ -324,7 +337,7 @@
     </p:spTree>
     <p:extLst>
       <p:ext uri="{BB962C8B-B14F-4D97-AF65-F5344CB8AC3E}">
-        <p14:creationId xmlns:p14="http://schemas.microsoft.com/office/powerpoint/2010/main" val="1015351683"/>
+        <p14:creationId xmlns:p14="http://schemas.microsoft.com/office/powerpoint/2010/main" val="2152960666"/>
       </p:ext>
     </p:extLst>
   </p:cSld>
@@ -356,7 +369,7 @@
           <p:cNvPr id="2" name="Title 1">
             <a:extLst>
               <a:ext uri="{FF2B5EF4-FFF2-40B4-BE49-F238E27FC236}">
-                <a16:creationId xmlns:a16="http://schemas.microsoft.com/office/drawing/2014/main" id="{CC37E794-20FF-4B1D-969C-832624F7A7BA}"/>
+                <a16:creationId xmlns:a16="http://schemas.microsoft.com/office/drawing/2014/main" id="{F5EC2870-F7B1-4164-8645-9B5D60AFC71E}"/>
               </a:ext>
             </a:extLst>
           </p:cNvPr>
@@ -385,7 +398,7 @@
           <p:cNvPr id="3" name="Vertical Text Placeholder 2">
             <a:extLst>
               <a:ext uri="{FF2B5EF4-FFF2-40B4-BE49-F238E27FC236}">
-                <a16:creationId xmlns:a16="http://schemas.microsoft.com/office/drawing/2014/main" id="{C20F08AE-0016-42EE-A7A9-F7B2BD18E66D}"/>
+                <a16:creationId xmlns:a16="http://schemas.microsoft.com/office/drawing/2014/main" id="{F83CBCFA-B4E8-476F-BC2A-141496FC43A9}"/>
               </a:ext>
             </a:extLst>
           </p:cNvPr>
@@ -443,7 +456,7 @@
           <p:cNvPr id="4" name="Date Placeholder 3">
             <a:extLst>
               <a:ext uri="{FF2B5EF4-FFF2-40B4-BE49-F238E27FC236}">
-                <a16:creationId xmlns:a16="http://schemas.microsoft.com/office/drawing/2014/main" id="{CEB032CA-FAB5-4EB8-B61E-E2A7F8020626}"/>
+                <a16:creationId xmlns:a16="http://schemas.microsoft.com/office/drawing/2014/main" id="{017326C9-6C8C-4B3A-982B-BAD14D80589E}"/>
               </a:ext>
             </a:extLst>
           </p:cNvPr>
@@ -459,9 +472,9 @@
           <a:bodyPr/>
           <a:lstStyle/>
           <a:p>
-            <a:fld id="{F10275B0-D545-466B-AAC1-AAED5B975C81}" type="datetimeFigureOut">
+            <a:fld id="{5604F887-4C36-4F72-BAF1-A4451728F99F}" type="datetimeFigureOut">
               <a:rPr lang="nl-NL" smtClean="0"/>
-              <a:t>29-6-2021</a:t>
+              <a:t>28-10-2021</a:t>
             </a:fld>
             <a:endParaRPr lang="nl-NL"/>
           </a:p>
@@ -472,7 +485,7 @@
           <p:cNvPr id="5" name="Footer Placeholder 4">
             <a:extLst>
               <a:ext uri="{FF2B5EF4-FFF2-40B4-BE49-F238E27FC236}">
-                <a16:creationId xmlns:a16="http://schemas.microsoft.com/office/drawing/2014/main" id="{485316AB-BBD8-4D76-B44E-374B54BB1F29}"/>
+                <a16:creationId xmlns:a16="http://schemas.microsoft.com/office/drawing/2014/main" id="{E4A9E14A-64A8-40AE-A78D-164C6C512A46}"/>
               </a:ext>
             </a:extLst>
           </p:cNvPr>
@@ -497,7 +510,7 @@
           <p:cNvPr id="6" name="Slide Number Placeholder 5">
             <a:extLst>
               <a:ext uri="{FF2B5EF4-FFF2-40B4-BE49-F238E27FC236}">
-                <a16:creationId xmlns:a16="http://schemas.microsoft.com/office/drawing/2014/main" id="{C7913413-4411-40F2-BFB9-B135F17B0E8D}"/>
+                <a16:creationId xmlns:a16="http://schemas.microsoft.com/office/drawing/2014/main" id="{B9A505E4-0ACA-4EE1-A5F4-F06F95A7720D}"/>
               </a:ext>
             </a:extLst>
           </p:cNvPr>
@@ -513,7 +526,7 @@
           <a:bodyPr/>
           <a:lstStyle/>
           <a:p>
-            <a:fld id="{24A47475-CC18-4163-9352-A18B0D5219E0}" type="slidenum">
+            <a:fld id="{91FCF05F-4E29-47D8-BD7D-35B24E9BD5DE}" type="slidenum">
               <a:rPr lang="nl-NL" smtClean="0"/>
               <a:t>‹#›</a:t>
             </a:fld>
@@ -524,7 +537,7 @@
     </p:spTree>
     <p:extLst>
       <p:ext uri="{BB962C8B-B14F-4D97-AF65-F5344CB8AC3E}">
-        <p14:creationId xmlns:p14="http://schemas.microsoft.com/office/powerpoint/2010/main" val="1222216061"/>
+        <p14:creationId xmlns:p14="http://schemas.microsoft.com/office/powerpoint/2010/main" val="2527415962"/>
       </p:ext>
     </p:extLst>
   </p:cSld>
@@ -556,7 +569,7 @@
           <p:cNvPr id="2" name="Vertical Title 1">
             <a:extLst>
               <a:ext uri="{FF2B5EF4-FFF2-40B4-BE49-F238E27FC236}">
-                <a16:creationId xmlns:a16="http://schemas.microsoft.com/office/drawing/2014/main" id="{758A23BA-BE63-4D2B-B1EA-0A5FFEAD175A}"/>
+                <a16:creationId xmlns:a16="http://schemas.microsoft.com/office/drawing/2014/main" id="{21C27FBD-9F4F-4074-9592-08039D9169EB}"/>
               </a:ext>
             </a:extLst>
           </p:cNvPr>
@@ -590,7 +603,7 @@
           <p:cNvPr id="3" name="Vertical Text Placeholder 2">
             <a:extLst>
               <a:ext uri="{FF2B5EF4-FFF2-40B4-BE49-F238E27FC236}">
-                <a16:creationId xmlns:a16="http://schemas.microsoft.com/office/drawing/2014/main" id="{79A6C20A-B4DE-4819-8E05-28BC02E5703A}"/>
+                <a16:creationId xmlns:a16="http://schemas.microsoft.com/office/drawing/2014/main" id="{BE0185CE-265A-41CC-ABAA-90D80CA8ED16}"/>
               </a:ext>
             </a:extLst>
           </p:cNvPr>
@@ -653,7 +666,7 @@
           <p:cNvPr id="4" name="Date Placeholder 3">
             <a:extLst>
               <a:ext uri="{FF2B5EF4-FFF2-40B4-BE49-F238E27FC236}">
-                <a16:creationId xmlns:a16="http://schemas.microsoft.com/office/drawing/2014/main" id="{147BA07C-8F08-4355-8AAB-E2209B5F8253}"/>
+                <a16:creationId xmlns:a16="http://schemas.microsoft.com/office/drawing/2014/main" id="{84A75996-7642-4CDB-AE0F-AE90ECD1710B}"/>
               </a:ext>
             </a:extLst>
           </p:cNvPr>
@@ -669,9 +682,9 @@
           <a:bodyPr/>
           <a:lstStyle/>
           <a:p>
-            <a:fld id="{F10275B0-D545-466B-AAC1-AAED5B975C81}" type="datetimeFigureOut">
+            <a:fld id="{5604F887-4C36-4F72-BAF1-A4451728F99F}" type="datetimeFigureOut">
               <a:rPr lang="nl-NL" smtClean="0"/>
-              <a:t>29-6-2021</a:t>
+              <a:t>28-10-2021</a:t>
             </a:fld>
             <a:endParaRPr lang="nl-NL"/>
           </a:p>
@@ -682,7 +695,7 @@
           <p:cNvPr id="5" name="Footer Placeholder 4">
             <a:extLst>
               <a:ext uri="{FF2B5EF4-FFF2-40B4-BE49-F238E27FC236}">
-                <a16:creationId xmlns:a16="http://schemas.microsoft.com/office/drawing/2014/main" id="{2D622266-466C-4AA9-880F-2BB20BAF368D}"/>
+                <a16:creationId xmlns:a16="http://schemas.microsoft.com/office/drawing/2014/main" id="{525A725E-6E48-44D2-835F-471C027C6A1E}"/>
               </a:ext>
             </a:extLst>
           </p:cNvPr>
@@ -707,7 +720,7 @@
           <p:cNvPr id="6" name="Slide Number Placeholder 5">
             <a:extLst>
               <a:ext uri="{FF2B5EF4-FFF2-40B4-BE49-F238E27FC236}">
-                <a16:creationId xmlns:a16="http://schemas.microsoft.com/office/drawing/2014/main" id="{36D87D06-1647-4271-AE4B-F6F78EB9C784}"/>
+                <a16:creationId xmlns:a16="http://schemas.microsoft.com/office/drawing/2014/main" id="{DF3DBE6E-DCB7-47A7-9363-AE83FAF7F719}"/>
               </a:ext>
             </a:extLst>
           </p:cNvPr>
@@ -723,7 +736,7 @@
           <a:bodyPr/>
           <a:lstStyle/>
           <a:p>
-            <a:fld id="{24A47475-CC18-4163-9352-A18B0D5219E0}" type="slidenum">
+            <a:fld id="{91FCF05F-4E29-47D8-BD7D-35B24E9BD5DE}" type="slidenum">
               <a:rPr lang="nl-NL" smtClean="0"/>
               <a:t>‹#›</a:t>
             </a:fld>
@@ -734,7 +747,7 @@
     </p:spTree>
     <p:extLst>
       <p:ext uri="{BB962C8B-B14F-4D97-AF65-F5344CB8AC3E}">
-        <p14:creationId xmlns:p14="http://schemas.microsoft.com/office/powerpoint/2010/main" val="3521265888"/>
+        <p14:creationId xmlns:p14="http://schemas.microsoft.com/office/powerpoint/2010/main" val="2712371771"/>
       </p:ext>
     </p:extLst>
   </p:cSld>
@@ -766,7 +779,7 @@
           <p:cNvPr id="2" name="Title 1">
             <a:extLst>
               <a:ext uri="{FF2B5EF4-FFF2-40B4-BE49-F238E27FC236}">
-                <a16:creationId xmlns:a16="http://schemas.microsoft.com/office/drawing/2014/main" id="{62D929B7-9629-4EA6-AA5A-F4DC79855469}"/>
+                <a16:creationId xmlns:a16="http://schemas.microsoft.com/office/drawing/2014/main" id="{06381908-9D90-40C0-A947-D310C4224736}"/>
               </a:ext>
             </a:extLst>
           </p:cNvPr>
@@ -795,7 +808,7 @@
           <p:cNvPr id="3" name="Content Placeholder 2">
             <a:extLst>
               <a:ext uri="{FF2B5EF4-FFF2-40B4-BE49-F238E27FC236}">
-                <a16:creationId xmlns:a16="http://schemas.microsoft.com/office/drawing/2014/main" id="{BC58E5C1-EA1A-4FDA-BDC5-74E731EE22D1}"/>
+                <a16:creationId xmlns:a16="http://schemas.microsoft.com/office/drawing/2014/main" id="{FC3226B3-18C6-43C9-97CF-9233246A465B}"/>
               </a:ext>
             </a:extLst>
           </p:cNvPr>
@@ -853,7 +866,7 @@
           <p:cNvPr id="4" name="Date Placeholder 3">
             <a:extLst>
               <a:ext uri="{FF2B5EF4-FFF2-40B4-BE49-F238E27FC236}">
-                <a16:creationId xmlns:a16="http://schemas.microsoft.com/office/drawing/2014/main" id="{D49ECE30-5B85-474A-83BB-877C667A2DFF}"/>
+                <a16:creationId xmlns:a16="http://schemas.microsoft.com/office/drawing/2014/main" id="{3E1FA3EC-EE7C-4C53-9206-FE7F6C0171BA}"/>
               </a:ext>
             </a:extLst>
           </p:cNvPr>
@@ -869,9 +882,9 @@
           <a:bodyPr/>
           <a:lstStyle/>
           <a:p>
-            <a:fld id="{F10275B0-D545-466B-AAC1-AAED5B975C81}" type="datetimeFigureOut">
+            <a:fld id="{5604F887-4C36-4F72-BAF1-A4451728F99F}" type="datetimeFigureOut">
               <a:rPr lang="nl-NL" smtClean="0"/>
-              <a:t>29-6-2021</a:t>
+              <a:t>28-10-2021</a:t>
             </a:fld>
             <a:endParaRPr lang="nl-NL"/>
           </a:p>
@@ -882,7 +895,7 @@
           <p:cNvPr id="5" name="Footer Placeholder 4">
             <a:extLst>
               <a:ext uri="{FF2B5EF4-FFF2-40B4-BE49-F238E27FC236}">
-                <a16:creationId xmlns:a16="http://schemas.microsoft.com/office/drawing/2014/main" id="{5FA15A3B-593C-4785-A5D1-D2E502081CBB}"/>
+                <a16:creationId xmlns:a16="http://schemas.microsoft.com/office/drawing/2014/main" id="{EF7041F3-9673-43F5-9CA0-310ED4677B5B}"/>
               </a:ext>
             </a:extLst>
           </p:cNvPr>
@@ -907,7 +920,7 @@
           <p:cNvPr id="6" name="Slide Number Placeholder 5">
             <a:extLst>
               <a:ext uri="{FF2B5EF4-FFF2-40B4-BE49-F238E27FC236}">
-                <a16:creationId xmlns:a16="http://schemas.microsoft.com/office/drawing/2014/main" id="{85AB622C-5F16-4AB3-BE05-54BF935850AC}"/>
+                <a16:creationId xmlns:a16="http://schemas.microsoft.com/office/drawing/2014/main" id="{468A3C20-6463-4DA7-BBC1-B3C3AED42AD5}"/>
               </a:ext>
             </a:extLst>
           </p:cNvPr>
@@ -923,7 +936,7 @@
           <a:bodyPr/>
           <a:lstStyle/>
           <a:p>
-            <a:fld id="{24A47475-CC18-4163-9352-A18B0D5219E0}" type="slidenum">
+            <a:fld id="{91FCF05F-4E29-47D8-BD7D-35B24E9BD5DE}" type="slidenum">
               <a:rPr lang="nl-NL" smtClean="0"/>
               <a:t>‹#›</a:t>
             </a:fld>
@@ -934,7 +947,7 @@
     </p:spTree>
     <p:extLst>
       <p:ext uri="{BB962C8B-B14F-4D97-AF65-F5344CB8AC3E}">
-        <p14:creationId xmlns:p14="http://schemas.microsoft.com/office/powerpoint/2010/main" val="713784664"/>
+        <p14:creationId xmlns:p14="http://schemas.microsoft.com/office/powerpoint/2010/main" val="4159532329"/>
       </p:ext>
     </p:extLst>
   </p:cSld>
@@ -966,7 +979,7 @@
           <p:cNvPr id="2" name="Title 1">
             <a:extLst>
               <a:ext uri="{FF2B5EF4-FFF2-40B4-BE49-F238E27FC236}">
-                <a16:creationId xmlns:a16="http://schemas.microsoft.com/office/drawing/2014/main" id="{F8B60CD5-B4AE-4175-8246-15EAB869F6F5}"/>
+                <a16:creationId xmlns:a16="http://schemas.microsoft.com/office/drawing/2014/main" id="{06FD154F-AE76-4532-8816-6309A33B31D0}"/>
               </a:ext>
             </a:extLst>
           </p:cNvPr>
@@ -1004,7 +1017,7 @@
           <p:cNvPr id="3" name="Text Placeholder 2">
             <a:extLst>
               <a:ext uri="{FF2B5EF4-FFF2-40B4-BE49-F238E27FC236}">
-                <a16:creationId xmlns:a16="http://schemas.microsoft.com/office/drawing/2014/main" id="{25AD1A0D-A7F2-49C5-8AF4-76D2512C1A22}"/>
+                <a16:creationId xmlns:a16="http://schemas.microsoft.com/office/drawing/2014/main" id="{507BE81B-3706-4F32-A216-25E801079BD7}"/>
               </a:ext>
             </a:extLst>
           </p:cNvPr>
@@ -1129,7 +1142,7 @@
           <p:cNvPr id="4" name="Date Placeholder 3">
             <a:extLst>
               <a:ext uri="{FF2B5EF4-FFF2-40B4-BE49-F238E27FC236}">
-                <a16:creationId xmlns:a16="http://schemas.microsoft.com/office/drawing/2014/main" id="{9B8D3DE6-3522-41A3-9DE8-724926FB3519}"/>
+                <a16:creationId xmlns:a16="http://schemas.microsoft.com/office/drawing/2014/main" id="{C9A97BBD-4035-4EFB-BEA5-B24A5C961CB0}"/>
               </a:ext>
             </a:extLst>
           </p:cNvPr>
@@ -1145,9 +1158,9 @@
           <a:bodyPr/>
           <a:lstStyle/>
           <a:p>
-            <a:fld id="{F10275B0-D545-466B-AAC1-AAED5B975C81}" type="datetimeFigureOut">
+            <a:fld id="{5604F887-4C36-4F72-BAF1-A4451728F99F}" type="datetimeFigureOut">
               <a:rPr lang="nl-NL" smtClean="0"/>
-              <a:t>29-6-2021</a:t>
+              <a:t>28-10-2021</a:t>
             </a:fld>
             <a:endParaRPr lang="nl-NL"/>
           </a:p>
@@ -1158,7 +1171,7 @@
           <p:cNvPr id="5" name="Footer Placeholder 4">
             <a:extLst>
               <a:ext uri="{FF2B5EF4-FFF2-40B4-BE49-F238E27FC236}">
-                <a16:creationId xmlns:a16="http://schemas.microsoft.com/office/drawing/2014/main" id="{DA81F6FD-0716-47F0-A5DF-41060E8C4D4A}"/>
+                <a16:creationId xmlns:a16="http://schemas.microsoft.com/office/drawing/2014/main" id="{1674825E-3F5E-4A8B-B1CC-C5C03EB171FC}"/>
               </a:ext>
             </a:extLst>
           </p:cNvPr>
@@ -1183,7 +1196,7 @@
           <p:cNvPr id="6" name="Slide Number Placeholder 5">
             <a:extLst>
               <a:ext uri="{FF2B5EF4-FFF2-40B4-BE49-F238E27FC236}">
-                <a16:creationId xmlns:a16="http://schemas.microsoft.com/office/drawing/2014/main" id="{C7CC13AC-525D-48F3-846E-2BAF15367E7D}"/>
+                <a16:creationId xmlns:a16="http://schemas.microsoft.com/office/drawing/2014/main" id="{27C8C8DC-DD45-4445-B821-1C8FB7D8E658}"/>
               </a:ext>
             </a:extLst>
           </p:cNvPr>
@@ -1199,7 +1212,7 @@
           <a:bodyPr/>
           <a:lstStyle/>
           <a:p>
-            <a:fld id="{24A47475-CC18-4163-9352-A18B0D5219E0}" type="slidenum">
+            <a:fld id="{91FCF05F-4E29-47D8-BD7D-35B24E9BD5DE}" type="slidenum">
               <a:rPr lang="nl-NL" smtClean="0"/>
               <a:t>‹#›</a:t>
             </a:fld>
@@ -1210,7 +1223,7 @@
     </p:spTree>
     <p:extLst>
       <p:ext uri="{BB962C8B-B14F-4D97-AF65-F5344CB8AC3E}">
-        <p14:creationId xmlns:p14="http://schemas.microsoft.com/office/powerpoint/2010/main" val="1542573467"/>
+        <p14:creationId xmlns:p14="http://schemas.microsoft.com/office/powerpoint/2010/main" val="156057482"/>
       </p:ext>
     </p:extLst>
   </p:cSld>
@@ -1242,7 +1255,7 @@
           <p:cNvPr id="2" name="Title 1">
             <a:extLst>
               <a:ext uri="{FF2B5EF4-FFF2-40B4-BE49-F238E27FC236}">
-                <a16:creationId xmlns:a16="http://schemas.microsoft.com/office/drawing/2014/main" id="{616E26A2-F84F-4DD5-9B21-75399766A14C}"/>
+                <a16:creationId xmlns:a16="http://schemas.microsoft.com/office/drawing/2014/main" id="{88C9D0F3-AD24-469C-9421-2427851D046C}"/>
               </a:ext>
             </a:extLst>
           </p:cNvPr>
@@ -1271,7 +1284,7 @@
           <p:cNvPr id="3" name="Content Placeholder 2">
             <a:extLst>
               <a:ext uri="{FF2B5EF4-FFF2-40B4-BE49-F238E27FC236}">
-                <a16:creationId xmlns:a16="http://schemas.microsoft.com/office/drawing/2014/main" id="{81D9D120-C971-4286-815D-BC9E8B75A159}"/>
+                <a16:creationId xmlns:a16="http://schemas.microsoft.com/office/drawing/2014/main" id="{429B6D1A-43B6-4AAB-A8BE-F2778CCFA67F}"/>
               </a:ext>
             </a:extLst>
           </p:cNvPr>
@@ -1334,7 +1347,7 @@
           <p:cNvPr id="4" name="Content Placeholder 3">
             <a:extLst>
               <a:ext uri="{FF2B5EF4-FFF2-40B4-BE49-F238E27FC236}">
-                <a16:creationId xmlns:a16="http://schemas.microsoft.com/office/drawing/2014/main" id="{A4ACBC78-D7E4-40F2-82E7-BD0B8DB7892F}"/>
+                <a16:creationId xmlns:a16="http://schemas.microsoft.com/office/drawing/2014/main" id="{5C2719F6-F8C3-4081-827D-CFCADB3DF611}"/>
               </a:ext>
             </a:extLst>
           </p:cNvPr>
@@ -1397,7 +1410,7 @@
           <p:cNvPr id="5" name="Date Placeholder 4">
             <a:extLst>
               <a:ext uri="{FF2B5EF4-FFF2-40B4-BE49-F238E27FC236}">
-                <a16:creationId xmlns:a16="http://schemas.microsoft.com/office/drawing/2014/main" id="{26E1172F-24AA-44A9-94ED-62B686A733B4}"/>
+                <a16:creationId xmlns:a16="http://schemas.microsoft.com/office/drawing/2014/main" id="{211B6456-2BBF-49D0-842D-8C203EFF9682}"/>
               </a:ext>
             </a:extLst>
           </p:cNvPr>
@@ -1413,9 +1426,9 @@
           <a:bodyPr/>
           <a:lstStyle/>
           <a:p>
-            <a:fld id="{F10275B0-D545-466B-AAC1-AAED5B975C81}" type="datetimeFigureOut">
+            <a:fld id="{5604F887-4C36-4F72-BAF1-A4451728F99F}" type="datetimeFigureOut">
               <a:rPr lang="nl-NL" smtClean="0"/>
-              <a:t>29-6-2021</a:t>
+              <a:t>28-10-2021</a:t>
             </a:fld>
             <a:endParaRPr lang="nl-NL"/>
           </a:p>
@@ -1426,7 +1439,7 @@
           <p:cNvPr id="6" name="Footer Placeholder 5">
             <a:extLst>
               <a:ext uri="{FF2B5EF4-FFF2-40B4-BE49-F238E27FC236}">
-                <a16:creationId xmlns:a16="http://schemas.microsoft.com/office/drawing/2014/main" id="{79582C48-F058-482E-8716-1DE90D1F664B}"/>
+                <a16:creationId xmlns:a16="http://schemas.microsoft.com/office/drawing/2014/main" id="{68DD670F-463D-49E7-85FA-7E1B22D6B2B9}"/>
               </a:ext>
             </a:extLst>
           </p:cNvPr>
@@ -1451,7 +1464,7 @@
           <p:cNvPr id="7" name="Slide Number Placeholder 6">
             <a:extLst>
               <a:ext uri="{FF2B5EF4-FFF2-40B4-BE49-F238E27FC236}">
-                <a16:creationId xmlns:a16="http://schemas.microsoft.com/office/drawing/2014/main" id="{8B1CB423-F573-4161-B71F-581D44BFA85A}"/>
+                <a16:creationId xmlns:a16="http://schemas.microsoft.com/office/drawing/2014/main" id="{DA8F6D4C-1EEC-46C8-9D60-C41D27882E01}"/>
               </a:ext>
             </a:extLst>
           </p:cNvPr>
@@ -1467,7 +1480,7 @@
           <a:bodyPr/>
           <a:lstStyle/>
           <a:p>
-            <a:fld id="{24A47475-CC18-4163-9352-A18B0D5219E0}" type="slidenum">
+            <a:fld id="{91FCF05F-4E29-47D8-BD7D-35B24E9BD5DE}" type="slidenum">
               <a:rPr lang="nl-NL" smtClean="0"/>
               <a:t>‹#›</a:t>
             </a:fld>
@@ -1478,7 +1491,7 @@
     </p:spTree>
     <p:extLst>
       <p:ext uri="{BB962C8B-B14F-4D97-AF65-F5344CB8AC3E}">
-        <p14:creationId xmlns:p14="http://schemas.microsoft.com/office/powerpoint/2010/main" val="1714775753"/>
+        <p14:creationId xmlns:p14="http://schemas.microsoft.com/office/powerpoint/2010/main" val="1809869956"/>
       </p:ext>
     </p:extLst>
   </p:cSld>
@@ -1510,7 +1523,7 @@
           <p:cNvPr id="2" name="Title 1">
             <a:extLst>
               <a:ext uri="{FF2B5EF4-FFF2-40B4-BE49-F238E27FC236}">
-                <a16:creationId xmlns:a16="http://schemas.microsoft.com/office/drawing/2014/main" id="{A6369D02-8324-4AFD-89EE-82EFBDD44487}"/>
+                <a16:creationId xmlns:a16="http://schemas.microsoft.com/office/drawing/2014/main" id="{9755A4B4-1B58-409A-8357-F19A7CC56F6A}"/>
               </a:ext>
             </a:extLst>
           </p:cNvPr>
@@ -1544,7 +1557,7 @@
           <p:cNvPr id="3" name="Text Placeholder 2">
             <a:extLst>
               <a:ext uri="{FF2B5EF4-FFF2-40B4-BE49-F238E27FC236}">
-                <a16:creationId xmlns:a16="http://schemas.microsoft.com/office/drawing/2014/main" id="{AC35F394-2531-491E-B8DE-2CE859A92D8A}"/>
+                <a16:creationId xmlns:a16="http://schemas.microsoft.com/office/drawing/2014/main" id="{9F793C81-FAB9-448F-A080-4D56675EB140}"/>
               </a:ext>
             </a:extLst>
           </p:cNvPr>
@@ -1615,7 +1628,7 @@
           <p:cNvPr id="4" name="Content Placeholder 3">
             <a:extLst>
               <a:ext uri="{FF2B5EF4-FFF2-40B4-BE49-F238E27FC236}">
-                <a16:creationId xmlns:a16="http://schemas.microsoft.com/office/drawing/2014/main" id="{A1F1D2D4-E2AB-4178-8603-DC9220E2F3A8}"/>
+                <a16:creationId xmlns:a16="http://schemas.microsoft.com/office/drawing/2014/main" id="{84046837-A9CE-40B1-A742-FD26E6A878CD}"/>
               </a:ext>
             </a:extLst>
           </p:cNvPr>
@@ -1678,7 +1691,7 @@
           <p:cNvPr id="5" name="Text Placeholder 4">
             <a:extLst>
               <a:ext uri="{FF2B5EF4-FFF2-40B4-BE49-F238E27FC236}">
-                <a16:creationId xmlns:a16="http://schemas.microsoft.com/office/drawing/2014/main" id="{C2074409-C33C-4E7B-AF46-901B1FC71711}"/>
+                <a16:creationId xmlns:a16="http://schemas.microsoft.com/office/drawing/2014/main" id="{94687CA2-9D97-4275-9124-2F32E2968485}"/>
               </a:ext>
             </a:extLst>
           </p:cNvPr>
@@ -1749,7 +1762,7 @@
           <p:cNvPr id="6" name="Content Placeholder 5">
             <a:extLst>
               <a:ext uri="{FF2B5EF4-FFF2-40B4-BE49-F238E27FC236}">
-                <a16:creationId xmlns:a16="http://schemas.microsoft.com/office/drawing/2014/main" id="{42E94466-F19F-4BBE-B252-4409AC54F81B}"/>
+                <a16:creationId xmlns:a16="http://schemas.microsoft.com/office/drawing/2014/main" id="{8C0092DE-0C5F-4E1B-922E-7B540A852F59}"/>
               </a:ext>
             </a:extLst>
           </p:cNvPr>
@@ -1812,7 +1825,7 @@
           <p:cNvPr id="7" name="Date Placeholder 6">
             <a:extLst>
               <a:ext uri="{FF2B5EF4-FFF2-40B4-BE49-F238E27FC236}">
-                <a16:creationId xmlns:a16="http://schemas.microsoft.com/office/drawing/2014/main" id="{1379A820-F631-4A55-AF9B-C7F90CEE338C}"/>
+                <a16:creationId xmlns:a16="http://schemas.microsoft.com/office/drawing/2014/main" id="{50EA980B-6C98-4BEF-AC99-2070C3CC5B2F}"/>
               </a:ext>
             </a:extLst>
           </p:cNvPr>
@@ -1828,9 +1841,9 @@
           <a:bodyPr/>
           <a:lstStyle/>
           <a:p>
-            <a:fld id="{F10275B0-D545-466B-AAC1-AAED5B975C81}" type="datetimeFigureOut">
+            <a:fld id="{5604F887-4C36-4F72-BAF1-A4451728F99F}" type="datetimeFigureOut">
               <a:rPr lang="nl-NL" smtClean="0"/>
-              <a:t>29-6-2021</a:t>
+              <a:t>28-10-2021</a:t>
             </a:fld>
             <a:endParaRPr lang="nl-NL"/>
           </a:p>
@@ -1841,7 +1854,7 @@
           <p:cNvPr id="8" name="Footer Placeholder 7">
             <a:extLst>
               <a:ext uri="{FF2B5EF4-FFF2-40B4-BE49-F238E27FC236}">
-                <a16:creationId xmlns:a16="http://schemas.microsoft.com/office/drawing/2014/main" id="{48FC24EF-A1A3-4906-BFDA-62604849BFDC}"/>
+                <a16:creationId xmlns:a16="http://schemas.microsoft.com/office/drawing/2014/main" id="{2A337BBD-938C-4119-9D80-873AAD687919}"/>
               </a:ext>
             </a:extLst>
           </p:cNvPr>
@@ -1866,7 +1879,7 @@
           <p:cNvPr id="9" name="Slide Number Placeholder 8">
             <a:extLst>
               <a:ext uri="{FF2B5EF4-FFF2-40B4-BE49-F238E27FC236}">
-                <a16:creationId xmlns:a16="http://schemas.microsoft.com/office/drawing/2014/main" id="{371B37AF-5210-4E1B-8C33-450BBB4E616B}"/>
+                <a16:creationId xmlns:a16="http://schemas.microsoft.com/office/drawing/2014/main" id="{1DD8C4E9-34E9-4126-919D-7477BFE5469C}"/>
               </a:ext>
             </a:extLst>
           </p:cNvPr>
@@ -1882,7 +1895,7 @@
           <a:bodyPr/>
           <a:lstStyle/>
           <a:p>
-            <a:fld id="{24A47475-CC18-4163-9352-A18B0D5219E0}" type="slidenum">
+            <a:fld id="{91FCF05F-4E29-47D8-BD7D-35B24E9BD5DE}" type="slidenum">
               <a:rPr lang="nl-NL" smtClean="0"/>
               <a:t>‹#›</a:t>
             </a:fld>
@@ -1893,7 +1906,7 @@
     </p:spTree>
     <p:extLst>
       <p:ext uri="{BB962C8B-B14F-4D97-AF65-F5344CB8AC3E}">
-        <p14:creationId xmlns:p14="http://schemas.microsoft.com/office/powerpoint/2010/main" val="147465813"/>
+        <p14:creationId xmlns:p14="http://schemas.microsoft.com/office/powerpoint/2010/main" val="2869797564"/>
       </p:ext>
     </p:extLst>
   </p:cSld>
@@ -1925,7 +1938,7 @@
           <p:cNvPr id="2" name="Title 1">
             <a:extLst>
               <a:ext uri="{FF2B5EF4-FFF2-40B4-BE49-F238E27FC236}">
-                <a16:creationId xmlns:a16="http://schemas.microsoft.com/office/drawing/2014/main" id="{6398438D-0F44-498A-838D-BFDF4FF01473}"/>
+                <a16:creationId xmlns:a16="http://schemas.microsoft.com/office/drawing/2014/main" id="{A002F5F9-B081-4901-9DC0-22602458E016}"/>
               </a:ext>
             </a:extLst>
           </p:cNvPr>
@@ -1954,7 +1967,7 @@
           <p:cNvPr id="3" name="Date Placeholder 2">
             <a:extLst>
               <a:ext uri="{FF2B5EF4-FFF2-40B4-BE49-F238E27FC236}">
-                <a16:creationId xmlns:a16="http://schemas.microsoft.com/office/drawing/2014/main" id="{6D416A5F-F445-401B-9924-89A9FF5F9F8D}"/>
+                <a16:creationId xmlns:a16="http://schemas.microsoft.com/office/drawing/2014/main" id="{93BEEFE4-5FD0-494B-8D33-4D1826BCC6F4}"/>
               </a:ext>
             </a:extLst>
           </p:cNvPr>
@@ -1970,9 +1983,9 @@
           <a:bodyPr/>
           <a:lstStyle/>
           <a:p>
-            <a:fld id="{F10275B0-D545-466B-AAC1-AAED5B975C81}" type="datetimeFigureOut">
+            <a:fld id="{5604F887-4C36-4F72-BAF1-A4451728F99F}" type="datetimeFigureOut">
               <a:rPr lang="nl-NL" smtClean="0"/>
-              <a:t>29-6-2021</a:t>
+              <a:t>28-10-2021</a:t>
             </a:fld>
             <a:endParaRPr lang="nl-NL"/>
           </a:p>
@@ -1983,7 +1996,7 @@
           <p:cNvPr id="4" name="Footer Placeholder 3">
             <a:extLst>
               <a:ext uri="{FF2B5EF4-FFF2-40B4-BE49-F238E27FC236}">
-                <a16:creationId xmlns:a16="http://schemas.microsoft.com/office/drawing/2014/main" id="{C4D525F4-C1B9-4C0E-83DE-D27178BA44EF}"/>
+                <a16:creationId xmlns:a16="http://schemas.microsoft.com/office/drawing/2014/main" id="{55D00E28-9F2D-4060-808B-ADE2CA350033}"/>
               </a:ext>
             </a:extLst>
           </p:cNvPr>
@@ -2008,7 +2021,7 @@
           <p:cNvPr id="5" name="Slide Number Placeholder 4">
             <a:extLst>
               <a:ext uri="{FF2B5EF4-FFF2-40B4-BE49-F238E27FC236}">
-                <a16:creationId xmlns:a16="http://schemas.microsoft.com/office/drawing/2014/main" id="{EAA0F496-3401-4B40-8109-3840C6B93EF5}"/>
+                <a16:creationId xmlns:a16="http://schemas.microsoft.com/office/drawing/2014/main" id="{9ED865B4-497A-4090-8EAC-8E59A16F4CEC}"/>
               </a:ext>
             </a:extLst>
           </p:cNvPr>
@@ -2024,7 +2037,7 @@
           <a:bodyPr/>
           <a:lstStyle/>
           <a:p>
-            <a:fld id="{24A47475-CC18-4163-9352-A18B0D5219E0}" type="slidenum">
+            <a:fld id="{91FCF05F-4E29-47D8-BD7D-35B24E9BD5DE}" type="slidenum">
               <a:rPr lang="nl-NL" smtClean="0"/>
               <a:t>‹#›</a:t>
             </a:fld>
@@ -2035,7 +2048,7 @@
     </p:spTree>
     <p:extLst>
       <p:ext uri="{BB962C8B-B14F-4D97-AF65-F5344CB8AC3E}">
-        <p14:creationId xmlns:p14="http://schemas.microsoft.com/office/powerpoint/2010/main" val="3115315980"/>
+        <p14:creationId xmlns:p14="http://schemas.microsoft.com/office/powerpoint/2010/main" val="2571893335"/>
       </p:ext>
     </p:extLst>
   </p:cSld>
@@ -2067,7 +2080,7 @@
           <p:cNvPr id="2" name="Date Placeholder 1">
             <a:extLst>
               <a:ext uri="{FF2B5EF4-FFF2-40B4-BE49-F238E27FC236}">
-                <a16:creationId xmlns:a16="http://schemas.microsoft.com/office/drawing/2014/main" id="{1D3E2A35-969C-4551-B2AE-04A9D7317841}"/>
+                <a16:creationId xmlns:a16="http://schemas.microsoft.com/office/drawing/2014/main" id="{4423D730-8580-4275-8FAC-EE648F3A58DE}"/>
               </a:ext>
             </a:extLst>
           </p:cNvPr>
@@ -2083,9 +2096,9 @@
           <a:bodyPr/>
           <a:lstStyle/>
           <a:p>
-            <a:fld id="{F10275B0-D545-466B-AAC1-AAED5B975C81}" type="datetimeFigureOut">
+            <a:fld id="{5604F887-4C36-4F72-BAF1-A4451728F99F}" type="datetimeFigureOut">
               <a:rPr lang="nl-NL" smtClean="0"/>
-              <a:t>29-6-2021</a:t>
+              <a:t>28-10-2021</a:t>
             </a:fld>
             <a:endParaRPr lang="nl-NL"/>
           </a:p>
@@ -2096,7 +2109,7 @@
           <p:cNvPr id="3" name="Footer Placeholder 2">
             <a:extLst>
               <a:ext uri="{FF2B5EF4-FFF2-40B4-BE49-F238E27FC236}">
-                <a16:creationId xmlns:a16="http://schemas.microsoft.com/office/drawing/2014/main" id="{0FF2A398-FC28-49AA-B88C-6B2AD4647DE2}"/>
+                <a16:creationId xmlns:a16="http://schemas.microsoft.com/office/drawing/2014/main" id="{3CD8357D-68DF-4FE1-9F62-F9C61F29AD70}"/>
               </a:ext>
             </a:extLst>
           </p:cNvPr>
@@ -2121,7 +2134,7 @@
           <p:cNvPr id="4" name="Slide Number Placeholder 3">
             <a:extLst>
               <a:ext uri="{FF2B5EF4-FFF2-40B4-BE49-F238E27FC236}">
-                <a16:creationId xmlns:a16="http://schemas.microsoft.com/office/drawing/2014/main" id="{D86F8823-4F97-4327-85F4-FEA9138EFC3B}"/>
+                <a16:creationId xmlns:a16="http://schemas.microsoft.com/office/drawing/2014/main" id="{EEEA0CFE-0743-4322-81DA-2496F226BD67}"/>
               </a:ext>
             </a:extLst>
           </p:cNvPr>
@@ -2137,7 +2150,7 @@
           <a:bodyPr/>
           <a:lstStyle/>
           <a:p>
-            <a:fld id="{24A47475-CC18-4163-9352-A18B0D5219E0}" type="slidenum">
+            <a:fld id="{91FCF05F-4E29-47D8-BD7D-35B24E9BD5DE}" type="slidenum">
               <a:rPr lang="nl-NL" smtClean="0"/>
               <a:t>‹#›</a:t>
             </a:fld>
@@ -2148,7 +2161,7 @@
     </p:spTree>
     <p:extLst>
       <p:ext uri="{BB962C8B-B14F-4D97-AF65-F5344CB8AC3E}">
-        <p14:creationId xmlns:p14="http://schemas.microsoft.com/office/powerpoint/2010/main" val="3562749310"/>
+        <p14:creationId xmlns:p14="http://schemas.microsoft.com/office/powerpoint/2010/main" val="4008512684"/>
       </p:ext>
     </p:extLst>
   </p:cSld>
@@ -2180,7 +2193,7 @@
           <p:cNvPr id="2" name="Title 1">
             <a:extLst>
               <a:ext uri="{FF2B5EF4-FFF2-40B4-BE49-F238E27FC236}">
-                <a16:creationId xmlns:a16="http://schemas.microsoft.com/office/drawing/2014/main" id="{AD9128A0-6961-45EA-A8F7-98B5F5DE94FD}"/>
+                <a16:creationId xmlns:a16="http://schemas.microsoft.com/office/drawing/2014/main" id="{2D18CB2C-86AC-4230-B45F-0581AE0D7007}"/>
               </a:ext>
             </a:extLst>
           </p:cNvPr>
@@ -2218,7 +2231,7 @@
           <p:cNvPr id="3" name="Content Placeholder 2">
             <a:extLst>
               <a:ext uri="{FF2B5EF4-FFF2-40B4-BE49-F238E27FC236}">
-                <a16:creationId xmlns:a16="http://schemas.microsoft.com/office/drawing/2014/main" id="{B9C19ABB-9939-4942-B159-40A0682A38FE}"/>
+                <a16:creationId xmlns:a16="http://schemas.microsoft.com/office/drawing/2014/main" id="{54630BBC-EEC2-4517-9FA1-6AC771604A3C}"/>
               </a:ext>
             </a:extLst>
           </p:cNvPr>
@@ -2309,7 +2322,7 @@
           <p:cNvPr id="4" name="Text Placeholder 3">
             <a:extLst>
               <a:ext uri="{FF2B5EF4-FFF2-40B4-BE49-F238E27FC236}">
-                <a16:creationId xmlns:a16="http://schemas.microsoft.com/office/drawing/2014/main" id="{DED01A63-FF96-4E14-9238-C47184E39D74}"/>
+                <a16:creationId xmlns:a16="http://schemas.microsoft.com/office/drawing/2014/main" id="{411BE089-AB92-482B-AA06-615B3BA1D801}"/>
               </a:ext>
             </a:extLst>
           </p:cNvPr>
@@ -2380,7 +2393,7 @@
           <p:cNvPr id="5" name="Date Placeholder 4">
             <a:extLst>
               <a:ext uri="{FF2B5EF4-FFF2-40B4-BE49-F238E27FC236}">
-                <a16:creationId xmlns:a16="http://schemas.microsoft.com/office/drawing/2014/main" id="{A02E4577-AC34-41B7-B8AA-237836EE7937}"/>
+                <a16:creationId xmlns:a16="http://schemas.microsoft.com/office/drawing/2014/main" id="{BAF3053F-2E0D-4D46-A994-90E2C4627A6E}"/>
               </a:ext>
             </a:extLst>
           </p:cNvPr>
@@ -2396,9 +2409,9 @@
           <a:bodyPr/>
           <a:lstStyle/>
           <a:p>
-            <a:fld id="{F10275B0-D545-466B-AAC1-AAED5B975C81}" type="datetimeFigureOut">
+            <a:fld id="{5604F887-4C36-4F72-BAF1-A4451728F99F}" type="datetimeFigureOut">
               <a:rPr lang="nl-NL" smtClean="0"/>
-              <a:t>29-6-2021</a:t>
+              <a:t>28-10-2021</a:t>
             </a:fld>
             <a:endParaRPr lang="nl-NL"/>
           </a:p>
@@ -2409,7 +2422,7 @@
           <p:cNvPr id="6" name="Footer Placeholder 5">
             <a:extLst>
               <a:ext uri="{FF2B5EF4-FFF2-40B4-BE49-F238E27FC236}">
-                <a16:creationId xmlns:a16="http://schemas.microsoft.com/office/drawing/2014/main" id="{7BB168B8-CEE9-4531-9AE3-161F1171A88A}"/>
+                <a16:creationId xmlns:a16="http://schemas.microsoft.com/office/drawing/2014/main" id="{21BC5C1C-9923-4B36-9D18-820AC49432D1}"/>
               </a:ext>
             </a:extLst>
           </p:cNvPr>
@@ -2434,7 +2447,7 @@
           <p:cNvPr id="7" name="Slide Number Placeholder 6">
             <a:extLst>
               <a:ext uri="{FF2B5EF4-FFF2-40B4-BE49-F238E27FC236}">
-                <a16:creationId xmlns:a16="http://schemas.microsoft.com/office/drawing/2014/main" id="{4679A59E-02D1-456C-9D4E-4E1DBAE67F4E}"/>
+                <a16:creationId xmlns:a16="http://schemas.microsoft.com/office/drawing/2014/main" id="{6477BB06-0B5D-4E11-B6B8-BCD4C99B1AA1}"/>
               </a:ext>
             </a:extLst>
           </p:cNvPr>
@@ -2450,7 +2463,7 @@
           <a:bodyPr/>
           <a:lstStyle/>
           <a:p>
-            <a:fld id="{24A47475-CC18-4163-9352-A18B0D5219E0}" type="slidenum">
+            <a:fld id="{91FCF05F-4E29-47D8-BD7D-35B24E9BD5DE}" type="slidenum">
               <a:rPr lang="nl-NL" smtClean="0"/>
               <a:t>‹#›</a:t>
             </a:fld>
@@ -2461,7 +2474,7 @@
     </p:spTree>
     <p:extLst>
       <p:ext uri="{BB962C8B-B14F-4D97-AF65-F5344CB8AC3E}">
-        <p14:creationId xmlns:p14="http://schemas.microsoft.com/office/powerpoint/2010/main" val="1586113482"/>
+        <p14:creationId xmlns:p14="http://schemas.microsoft.com/office/powerpoint/2010/main" val="1137878828"/>
       </p:ext>
     </p:extLst>
   </p:cSld>
@@ -2493,7 +2506,7 @@
           <p:cNvPr id="2" name="Title 1">
             <a:extLst>
               <a:ext uri="{FF2B5EF4-FFF2-40B4-BE49-F238E27FC236}">
-                <a16:creationId xmlns:a16="http://schemas.microsoft.com/office/drawing/2014/main" id="{F0DFC03B-005C-4E32-8A56-34F716199BB7}"/>
+                <a16:creationId xmlns:a16="http://schemas.microsoft.com/office/drawing/2014/main" id="{A39D8482-1857-4BCD-8CA1-54DCD775A0B5}"/>
               </a:ext>
             </a:extLst>
           </p:cNvPr>
@@ -2531,7 +2544,7 @@
           <p:cNvPr id="3" name="Picture Placeholder 2">
             <a:extLst>
               <a:ext uri="{FF2B5EF4-FFF2-40B4-BE49-F238E27FC236}">
-                <a16:creationId xmlns:a16="http://schemas.microsoft.com/office/drawing/2014/main" id="{B1E66EED-2A0D-4632-AA72-BA08E1F76926}"/>
+                <a16:creationId xmlns:a16="http://schemas.microsoft.com/office/drawing/2014/main" id="{8D920774-E3FC-425B-B33E-B36D54FB0AB5}"/>
               </a:ext>
             </a:extLst>
           </p:cNvPr>
@@ -2598,7 +2611,7 @@
           <p:cNvPr id="4" name="Text Placeholder 3">
             <a:extLst>
               <a:ext uri="{FF2B5EF4-FFF2-40B4-BE49-F238E27FC236}">
-                <a16:creationId xmlns:a16="http://schemas.microsoft.com/office/drawing/2014/main" id="{9E6090C9-E590-4C60-9A9D-1600891F3051}"/>
+                <a16:creationId xmlns:a16="http://schemas.microsoft.com/office/drawing/2014/main" id="{5954F62A-2F10-48B6-8301-D4D3520EA2E8}"/>
               </a:ext>
             </a:extLst>
           </p:cNvPr>
@@ -2669,7 +2682,7 @@
           <p:cNvPr id="5" name="Date Placeholder 4">
             <a:extLst>
               <a:ext uri="{FF2B5EF4-FFF2-40B4-BE49-F238E27FC236}">
-                <a16:creationId xmlns:a16="http://schemas.microsoft.com/office/drawing/2014/main" id="{23F8D8B5-7566-4A77-8208-9A5F8A9DBFD4}"/>
+                <a16:creationId xmlns:a16="http://schemas.microsoft.com/office/drawing/2014/main" id="{125A4165-A59A-4556-8865-A23FD1160DAD}"/>
               </a:ext>
             </a:extLst>
           </p:cNvPr>
@@ -2685,9 +2698,9 @@
           <a:bodyPr/>
           <a:lstStyle/>
           <a:p>
-            <a:fld id="{F10275B0-D545-466B-AAC1-AAED5B975C81}" type="datetimeFigureOut">
+            <a:fld id="{5604F887-4C36-4F72-BAF1-A4451728F99F}" type="datetimeFigureOut">
               <a:rPr lang="nl-NL" smtClean="0"/>
-              <a:t>29-6-2021</a:t>
+              <a:t>28-10-2021</a:t>
             </a:fld>
             <a:endParaRPr lang="nl-NL"/>
           </a:p>
@@ -2698,7 +2711,7 @@
           <p:cNvPr id="6" name="Footer Placeholder 5">
             <a:extLst>
               <a:ext uri="{FF2B5EF4-FFF2-40B4-BE49-F238E27FC236}">
-                <a16:creationId xmlns:a16="http://schemas.microsoft.com/office/drawing/2014/main" id="{81AC04AB-0A64-46E5-BFF3-9392994E8CCB}"/>
+                <a16:creationId xmlns:a16="http://schemas.microsoft.com/office/drawing/2014/main" id="{897F57EF-6BD1-45F8-AB91-26202450F8A9}"/>
               </a:ext>
             </a:extLst>
           </p:cNvPr>
@@ -2723,7 +2736,7 @@
           <p:cNvPr id="7" name="Slide Number Placeholder 6">
             <a:extLst>
               <a:ext uri="{FF2B5EF4-FFF2-40B4-BE49-F238E27FC236}">
-                <a16:creationId xmlns:a16="http://schemas.microsoft.com/office/drawing/2014/main" id="{111630A0-3107-4FF3-81BB-4722C1651054}"/>
+                <a16:creationId xmlns:a16="http://schemas.microsoft.com/office/drawing/2014/main" id="{7DE6AC36-1822-489B-BC48-6CD1E696562F}"/>
               </a:ext>
             </a:extLst>
           </p:cNvPr>
@@ -2739,7 +2752,7 @@
           <a:bodyPr/>
           <a:lstStyle/>
           <a:p>
-            <a:fld id="{24A47475-CC18-4163-9352-A18B0D5219E0}" type="slidenum">
+            <a:fld id="{91FCF05F-4E29-47D8-BD7D-35B24E9BD5DE}" type="slidenum">
               <a:rPr lang="nl-NL" smtClean="0"/>
               <a:t>‹#›</a:t>
             </a:fld>
@@ -2750,7 +2763,7 @@
     </p:spTree>
     <p:extLst>
       <p:ext uri="{BB962C8B-B14F-4D97-AF65-F5344CB8AC3E}">
-        <p14:creationId xmlns:p14="http://schemas.microsoft.com/office/powerpoint/2010/main" val="382642227"/>
+        <p14:creationId xmlns:p14="http://schemas.microsoft.com/office/powerpoint/2010/main" val="1789382117"/>
       </p:ext>
     </p:extLst>
   </p:cSld>
@@ -2787,7 +2800,7 @@
           <p:cNvPr id="2" name="Title Placeholder 1">
             <a:extLst>
               <a:ext uri="{FF2B5EF4-FFF2-40B4-BE49-F238E27FC236}">
-                <a16:creationId xmlns:a16="http://schemas.microsoft.com/office/drawing/2014/main" id="{53DD45D8-3E63-47A0-93C2-BA5595F57476}"/>
+                <a16:creationId xmlns:a16="http://schemas.microsoft.com/office/drawing/2014/main" id="{65DC3B66-8971-41A4-A658-7AB99ACE6D57}"/>
               </a:ext>
             </a:extLst>
           </p:cNvPr>
@@ -2826,7 +2839,7 @@
           <p:cNvPr id="3" name="Text Placeholder 2">
             <a:extLst>
               <a:ext uri="{FF2B5EF4-FFF2-40B4-BE49-F238E27FC236}">
-                <a16:creationId xmlns:a16="http://schemas.microsoft.com/office/drawing/2014/main" id="{46F96915-CDEE-4B5E-9210-8133C9AD4060}"/>
+                <a16:creationId xmlns:a16="http://schemas.microsoft.com/office/drawing/2014/main" id="{C7F264FF-F549-41F4-A201-2C1D07C29699}"/>
               </a:ext>
             </a:extLst>
           </p:cNvPr>
@@ -2894,7 +2907,7 @@
           <p:cNvPr id="4" name="Date Placeholder 3">
             <a:extLst>
               <a:ext uri="{FF2B5EF4-FFF2-40B4-BE49-F238E27FC236}">
-                <a16:creationId xmlns:a16="http://schemas.microsoft.com/office/drawing/2014/main" id="{46AFC925-24FE-42F5-9A1A-CAE20F4E7B7F}"/>
+                <a16:creationId xmlns:a16="http://schemas.microsoft.com/office/drawing/2014/main" id="{576723CE-B164-4FD2-9E2E-7C2D570DD371}"/>
               </a:ext>
             </a:extLst>
           </p:cNvPr>
@@ -2928,9 +2941,9 @@
             </a:lvl1pPr>
           </a:lstStyle>
           <a:p>
-            <a:fld id="{F10275B0-D545-466B-AAC1-AAED5B975C81}" type="datetimeFigureOut">
+            <a:fld id="{5604F887-4C36-4F72-BAF1-A4451728F99F}" type="datetimeFigureOut">
               <a:rPr lang="nl-NL" smtClean="0"/>
-              <a:t>29-6-2021</a:t>
+              <a:t>28-10-2021</a:t>
             </a:fld>
             <a:endParaRPr lang="nl-NL"/>
           </a:p>
@@ -2941,7 +2954,7 @@
           <p:cNvPr id="5" name="Footer Placeholder 4">
             <a:extLst>
               <a:ext uri="{FF2B5EF4-FFF2-40B4-BE49-F238E27FC236}">
-                <a16:creationId xmlns:a16="http://schemas.microsoft.com/office/drawing/2014/main" id="{3087E77D-3E72-4D51-AA3A-E64E98F07753}"/>
+                <a16:creationId xmlns:a16="http://schemas.microsoft.com/office/drawing/2014/main" id="{FD591004-C5DE-4042-AB04-6877CAE83478}"/>
               </a:ext>
             </a:extLst>
           </p:cNvPr>
@@ -2984,7 +2997,7 @@
           <p:cNvPr id="6" name="Slide Number Placeholder 5">
             <a:extLst>
               <a:ext uri="{FF2B5EF4-FFF2-40B4-BE49-F238E27FC236}">
-                <a16:creationId xmlns:a16="http://schemas.microsoft.com/office/drawing/2014/main" id="{8194E6B4-ED93-4FA1-968A-2EA8C018F077}"/>
+                <a16:creationId xmlns:a16="http://schemas.microsoft.com/office/drawing/2014/main" id="{04E36E91-79B4-4E43-A798-0E460D0AE305}"/>
               </a:ext>
             </a:extLst>
           </p:cNvPr>
@@ -3018,7 +3031,7 @@
             </a:lvl1pPr>
           </a:lstStyle>
           <a:p>
-            <a:fld id="{24A47475-CC18-4163-9352-A18B0D5219E0}" type="slidenum">
+            <a:fld id="{91FCF05F-4E29-47D8-BD7D-35B24E9BD5DE}" type="slidenum">
               <a:rPr lang="nl-NL" smtClean="0"/>
               <a:t>‹#›</a:t>
             </a:fld>
@@ -3029,7 +3042,7 @@
     </p:spTree>
     <p:extLst>
       <p:ext uri="{BB962C8B-B14F-4D97-AF65-F5344CB8AC3E}">
-        <p14:creationId xmlns:p14="http://schemas.microsoft.com/office/powerpoint/2010/main" val="1719598926"/>
+        <p14:creationId xmlns:p14="http://schemas.microsoft.com/office/powerpoint/2010/main" val="3733173157"/>
       </p:ext>
     </p:extLst>
   </p:cSld>
@@ -3352,7 +3365,7 @@
           <p:cNvPr id="2" name="Title 1">
             <a:extLst>
               <a:ext uri="{FF2B5EF4-FFF2-40B4-BE49-F238E27FC236}">
-                <a16:creationId xmlns:a16="http://schemas.microsoft.com/office/drawing/2014/main" id="{35929A12-CFBD-4DC3-A81E-5293186102DA}"/>
+                <a16:creationId xmlns:a16="http://schemas.microsoft.com/office/drawing/2014/main" id="{35859EA1-3BAD-4147-ACDE-95012D117CA5}"/>
               </a:ext>
             </a:extLst>
           </p:cNvPr>
@@ -3365,17 +3378,18 @@
         </p:nvSpPr>
         <p:spPr/>
         <p:txBody>
-          <a:bodyPr/>
-          <a:lstStyle/>
-          <a:p>
-            <a:r>
-              <a:rPr lang="en-US" dirty="0"/>
-              <a:t>Part 3: Analyzing word and document frequency: </a:t>
-            </a:r>
-            <a:r>
-              <a:rPr lang="en-US" dirty="0" err="1"/>
-              <a:t>tf-idf</a:t>
-            </a:r>
+          <a:bodyPr>
+            <a:normAutofit fontScale="90000"/>
+          </a:bodyPr>
+          <a:lstStyle/>
+          <a:p>
+            <a:r>
+              <a:rPr lang="en-US" dirty="0"/>
+              <a:t>Part 4: Relationships between words: n-grams and correlations</a:t>
+            </a:r>
+            <a:br>
+              <a:rPr lang="en-US" dirty="0"/>
+            </a:br>
             <a:endParaRPr lang="nl-NL" dirty="0"/>
           </a:p>
         </p:txBody>
@@ -3385,7 +3399,7 @@
           <p:cNvPr id="3" name="Content Placeholder 2">
             <a:extLst>
               <a:ext uri="{FF2B5EF4-FFF2-40B4-BE49-F238E27FC236}">
-                <a16:creationId xmlns:a16="http://schemas.microsoft.com/office/drawing/2014/main" id="{537A99C1-38D8-4C0F-ABEF-D8816C60EED7}"/>
+                <a16:creationId xmlns:a16="http://schemas.microsoft.com/office/drawing/2014/main" id="{ECFF4640-9BE0-42B2-BB81-0D2C888EAAFB}"/>
               </a:ext>
             </a:extLst>
           </p:cNvPr>
@@ -3399,7 +3413,7 @@
         <p:spPr>
           <a:xfrm>
             <a:off x="838200" y="1825624"/>
-            <a:ext cx="10515600" cy="4951095"/>
+            <a:ext cx="10515600" cy="4768215"/>
           </a:xfrm>
         </p:spPr>
         <p:txBody>
@@ -3410,90 +3424,57 @@
           <a:p>
             <a:r>
               <a:rPr lang="en-US" dirty="0"/>
-              <a:t>In the previous exercises we looked at </a:t>
-            </a:r>
-            <a:r>
-              <a:rPr lang="en-US" i="1" dirty="0"/>
-              <a:t>term frequency </a:t>
-            </a:r>
-            <a:r>
-              <a:rPr lang="en-US" dirty="0"/>
-              <a:t>(</a:t>
+              <a:t>So far we have considered words as individual units, and considered their relationships to sentiments or to documents</a:t>
+            </a:r>
+          </a:p>
+          <a:p>
+            <a:r>
+              <a:rPr lang="en-US" dirty="0"/>
+              <a:t>We are also interested in the relationships between words. We can, for example, examine which words tend to follow others immediately, or which words tend to co-occur within the same documents</a:t>
+            </a:r>
+          </a:p>
+          <a:p>
+            <a:r>
+              <a:rPr lang="en-US" dirty="0"/>
+              <a:t>In the final exercise, we’ll explore some of the methods </a:t>
             </a:r>
             <a:r>
               <a:rPr lang="en-US" dirty="0" err="1"/>
-              <a:t>tf</a:t>
-            </a:r>
-            <a:r>
-              <a:rPr lang="en-US" dirty="0"/>
-              <a:t>), meaning how frequently a word occurs in a document in a specific way.</a:t>
-            </a:r>
-          </a:p>
-          <a:p>
-            <a:r>
-              <a:rPr lang="en-US" dirty="0"/>
-              <a:t>We removed stop words from our analysis, since they are highly frequent. But we can do better than that! We can actually keep the stop words, since they might be important as well. </a:t>
-            </a:r>
-          </a:p>
-          <a:p>
-            <a:pPr lvl="1"/>
-            <a:r>
-              <a:rPr lang="en-US" dirty="0"/>
-              <a:t>We can then look at the </a:t>
-            </a:r>
-            <a:r>
-              <a:rPr lang="nl-NL" i="1" dirty="0"/>
-              <a:t>inverse document </a:t>
-            </a:r>
-            <a:r>
-              <a:rPr lang="nl-NL" i="1" dirty="0" err="1"/>
-              <a:t>frequency</a:t>
-            </a:r>
-            <a:r>
-              <a:rPr lang="nl-NL" dirty="0"/>
-              <a:t> (</a:t>
-            </a:r>
-            <a:r>
-              <a:rPr lang="nl-NL" dirty="0" err="1"/>
-              <a:t>idf</a:t>
-            </a:r>
-            <a:r>
-              <a:rPr lang="nl-NL" dirty="0"/>
-              <a:t>)</a:t>
-            </a:r>
-            <a:r>
-              <a:rPr lang="en-US" dirty="0"/>
-              <a:t>, which decreases the weight for commonly used words and increases the weight for words that are not used very much in a collection of documents.</a:t>
-            </a:r>
-          </a:p>
-          <a:p>
-            <a:r>
-              <a:rPr lang="en-US" dirty="0"/>
-              <a:t>This can be combined with term frequency to calculate a term’s</a:t>
-            </a:r>
-            <a:r>
-              <a:rPr lang="en-US" i="1" dirty="0"/>
-              <a:t> </a:t>
-            </a:r>
-            <a:r>
-              <a:rPr lang="en-US" i="1" dirty="0" err="1"/>
-              <a:t>tf-idf</a:t>
-            </a:r>
-            <a:r>
-              <a:rPr lang="en-US" i="1" dirty="0"/>
-              <a:t> </a:t>
-            </a:r>
-            <a:r>
-              <a:rPr lang="en-US" dirty="0"/>
-              <a:t>(the two quantities multiplied together), </a:t>
-            </a:r>
-            <a:r>
-              <a:rPr lang="en-US" i="1" dirty="0"/>
-              <a:t>the frequency of a term adjusted for how rarely it is used</a:t>
-            </a:r>
-            <a:r>
-              <a:rPr lang="en-US" dirty="0"/>
-              <a:t>.</a:t>
+              <a:t>tidytext</a:t>
+            </a:r>
+            <a:r>
+              <a:rPr lang="en-US" dirty="0"/>
+              <a:t> offers for calculating and visualizing relationships between words in your text dataset. This includes the </a:t>
+            </a:r>
+            <a:r>
+              <a:rPr lang="en-US" sz="2400" dirty="0"/>
+              <a:t>token = “</a:t>
+            </a:r>
+            <a:r>
+              <a:rPr lang="en-US" sz="2400" dirty="0" err="1"/>
+              <a:t>ngrams</a:t>
+            </a:r>
+            <a:r>
+              <a:rPr lang="en-US" sz="2400" dirty="0"/>
+              <a:t>” </a:t>
+            </a:r>
+            <a:r>
+              <a:rPr lang="en-US" dirty="0"/>
+              <a:t>argument, which tokenizes by pairs of adjacent words rather than by individual ones</a:t>
+            </a:r>
+          </a:p>
+          <a:p>
+            <a:r>
+              <a:rPr lang="en-US" dirty="0"/>
+              <a:t>You will also learn to work with the </a:t>
+            </a:r>
+            <a:r>
+              <a:rPr lang="en-US" sz="2200" dirty="0" err="1"/>
+              <a:t>widyr</a:t>
+            </a:r>
+            <a:r>
+              <a:rPr lang="en-US" dirty="0"/>
+              <a:t> package to calculate pairwise correlations and distances</a:t>
             </a:r>
             <a:endParaRPr lang="nl-NL" dirty="0"/>
           </a:p>
@@ -3502,7 +3483,1166 @@
     </p:spTree>
     <p:extLst>
       <p:ext uri="{BB962C8B-B14F-4D97-AF65-F5344CB8AC3E}">
-        <p14:creationId xmlns:p14="http://schemas.microsoft.com/office/powerpoint/2010/main" val="4039923104"/>
+        <p14:creationId xmlns:p14="http://schemas.microsoft.com/office/powerpoint/2010/main" val="3637846566"/>
+      </p:ext>
+    </p:extLst>
+  </p:cSld>
+  <p:clrMapOvr>
+    <a:masterClrMapping/>
+  </p:clrMapOvr>
+</p:sld>
+</file>
+
+<file path=ppt/slides/slide10.xml><?xml version="1.0" encoding="utf-8"?>
+<p:sld xmlns:a="http://schemas.openxmlformats.org/drawingml/2006/main" xmlns:r="http://schemas.openxmlformats.org/officeDocument/2006/relationships" xmlns:p="http://schemas.openxmlformats.org/presentationml/2006/main">
+  <p:cSld>
+    <p:spTree>
+      <p:nvGrpSpPr>
+        <p:cNvPr id="1" name=""/>
+        <p:cNvGrpSpPr/>
+        <p:nvPr/>
+      </p:nvGrpSpPr>
+      <p:grpSpPr>
+        <a:xfrm>
+          <a:off x="0" y="0"/>
+          <a:ext cx="0" cy="0"/>
+          <a:chOff x="0" y="0"/>
+          <a:chExt cx="0" cy="0"/>
+        </a:xfrm>
+      </p:grpSpPr>
+      <p:sp>
+        <p:nvSpPr>
+          <p:cNvPr id="2" name="Title 1">
+            <a:extLst>
+              <a:ext uri="{FF2B5EF4-FFF2-40B4-BE49-F238E27FC236}">
+                <a16:creationId xmlns:a16="http://schemas.microsoft.com/office/drawing/2014/main" id="{53765623-A8CF-4792-9E03-D6B6F0033CE0}"/>
+              </a:ext>
+            </a:extLst>
+          </p:cNvPr>
+          <p:cNvSpPr>
+            <a:spLocks noGrp="1"/>
+          </p:cNvSpPr>
+          <p:nvPr>
+            <p:ph type="title"/>
+          </p:nvPr>
+        </p:nvSpPr>
+        <p:spPr/>
+        <p:txBody>
+          <a:bodyPr/>
+          <a:lstStyle/>
+          <a:p>
+            <a:r>
+              <a:rPr lang="en-US" dirty="0"/>
+              <a:t>Counting and correlating among sections: </a:t>
+            </a:r>
+            <a:r>
+              <a:rPr lang="en-US" i="1" dirty="0"/>
+              <a:t>Pride and Prejudice </a:t>
+            </a:r>
+            <a:r>
+              <a:rPr lang="en-US" dirty="0"/>
+              <a:t>II</a:t>
+            </a:r>
+            <a:endParaRPr lang="nl-NL" dirty="0"/>
+          </a:p>
+        </p:txBody>
+      </p:sp>
+      <p:sp>
+        <p:nvSpPr>
+          <p:cNvPr id="3" name="Content Placeholder 2">
+            <a:extLst>
+              <a:ext uri="{FF2B5EF4-FFF2-40B4-BE49-F238E27FC236}">
+                <a16:creationId xmlns:a16="http://schemas.microsoft.com/office/drawing/2014/main" id="{A993AD32-B071-4452-A511-48C98331E425}"/>
+              </a:ext>
+            </a:extLst>
+          </p:cNvPr>
+          <p:cNvSpPr>
+            <a:spLocks noGrp="1"/>
+          </p:cNvSpPr>
+          <p:nvPr>
+            <p:ph idx="1"/>
+          </p:nvPr>
+        </p:nvSpPr>
+        <p:spPr/>
+        <p:txBody>
+          <a:bodyPr>
+            <a:normAutofit fontScale="77500" lnSpcReduction="20000"/>
+          </a:bodyPr>
+          <a:lstStyle/>
+          <a:p>
+            <a:pPr marL="0" indent="0">
+              <a:buNone/>
+            </a:pPr>
+            <a:r>
+              <a:rPr lang="en-US" dirty="0"/>
+              <a:t>12b. Let’s use the </a:t>
+            </a:r>
+            <a:r>
+              <a:rPr lang="en-US" sz="2400" dirty="0" err="1"/>
+              <a:t>pairwaise_count</a:t>
+            </a:r>
+            <a:r>
+              <a:rPr lang="en-US" sz="2400" dirty="0"/>
+              <a:t>() </a:t>
+            </a:r>
+            <a:r>
+              <a:rPr lang="en-US" dirty="0"/>
+              <a:t>function from the </a:t>
+            </a:r>
+            <a:r>
+              <a:rPr lang="en-US" sz="2400" dirty="0" err="1"/>
+              <a:t>widyr</a:t>
+            </a:r>
+            <a:r>
+              <a:rPr lang="en-US" dirty="0"/>
+              <a:t> package to let us count common pairs of words co-appearing within the same section. It will result in one row for each pair of words in the </a:t>
+            </a:r>
+            <a:r>
+              <a:rPr lang="en-US" sz="2400" dirty="0"/>
+              <a:t>word</a:t>
+            </a:r>
+            <a:r>
+              <a:rPr lang="en-US" dirty="0"/>
+              <a:t> variable. Can you complete </a:t>
+            </a:r>
+            <a:r>
+              <a:rPr lang="en-US"/>
+              <a:t>the code </a:t>
+            </a:r>
+            <a:r>
+              <a:rPr lang="en-US" dirty="0"/>
+              <a:t>by using the function mentioned above and providing it with the information on what to count?</a:t>
+            </a:r>
+          </a:p>
+          <a:p>
+            <a:pPr marL="0" indent="0">
+              <a:buNone/>
+            </a:pPr>
+            <a:endParaRPr lang="en-US" dirty="0"/>
+          </a:p>
+          <a:p>
+            <a:pPr marL="0" indent="0">
+              <a:buNone/>
+            </a:pPr>
+            <a:r>
+              <a:rPr lang="en-US" dirty="0"/>
+              <a:t>library(</a:t>
+            </a:r>
+            <a:r>
+              <a:rPr lang="en-US" dirty="0" err="1"/>
+              <a:t>widyr</a:t>
+            </a:r>
+            <a:r>
+              <a:rPr lang="en-US" dirty="0"/>
+              <a:t>)</a:t>
+            </a:r>
+          </a:p>
+          <a:p>
+            <a:pPr marL="0" indent="0">
+              <a:buNone/>
+            </a:pPr>
+            <a:endParaRPr lang="en-US" dirty="0"/>
+          </a:p>
+          <a:p>
+            <a:pPr marL="0" indent="0">
+              <a:buNone/>
+            </a:pPr>
+            <a:r>
+              <a:rPr lang="en-US" dirty="0"/>
+              <a:t># count words co-</a:t>
+            </a:r>
+            <a:r>
+              <a:rPr lang="en-US" dirty="0" err="1"/>
+              <a:t>occuring</a:t>
+            </a:r>
+            <a:r>
+              <a:rPr lang="en-US" dirty="0"/>
+              <a:t> within sections</a:t>
+            </a:r>
+          </a:p>
+          <a:p>
+            <a:pPr marL="0" indent="0">
+              <a:buNone/>
+            </a:pPr>
+            <a:r>
+              <a:rPr lang="en-US" dirty="0" err="1"/>
+              <a:t>word_pairs</a:t>
+            </a:r>
+            <a:r>
+              <a:rPr lang="en-US" dirty="0"/>
+              <a:t> &lt;- </a:t>
+            </a:r>
+            <a:r>
+              <a:rPr lang="en-US" dirty="0" err="1"/>
+              <a:t>austen_section_words</a:t>
+            </a:r>
+            <a:r>
+              <a:rPr lang="en-US" dirty="0"/>
+              <a:t> %&gt;%</a:t>
+            </a:r>
+          </a:p>
+          <a:p>
+            <a:pPr marL="0" indent="0">
+              <a:buNone/>
+            </a:pPr>
+            <a:r>
+              <a:rPr lang="en-US" dirty="0"/>
+              <a:t>  </a:t>
+            </a:r>
+            <a:r>
+              <a:rPr lang="en-US" b="1" dirty="0">
+                <a:solidFill>
+                  <a:srgbClr val="FF0000"/>
+                </a:solidFill>
+              </a:rPr>
+              <a:t>???_???</a:t>
+            </a:r>
+            <a:r>
+              <a:rPr lang="en-US" dirty="0"/>
+              <a:t>(section, sort = TRUE)</a:t>
+            </a:r>
+          </a:p>
+          <a:p>
+            <a:pPr marL="0" indent="0">
+              <a:buNone/>
+            </a:pPr>
+            <a:endParaRPr lang="en-US" dirty="0"/>
+          </a:p>
+          <a:p>
+            <a:pPr marL="0" indent="0">
+              <a:buNone/>
+            </a:pPr>
+            <a:r>
+              <a:rPr lang="en-US" dirty="0" err="1"/>
+              <a:t>word_pairs</a:t>
+            </a:r>
+            <a:endParaRPr lang="nl-NL" dirty="0"/>
+          </a:p>
+        </p:txBody>
+      </p:sp>
+    </p:spTree>
+    <p:extLst>
+      <p:ext uri="{BB962C8B-B14F-4D97-AF65-F5344CB8AC3E}">
+        <p14:creationId xmlns:p14="http://schemas.microsoft.com/office/powerpoint/2010/main" val="2230745422"/>
+      </p:ext>
+    </p:extLst>
+  </p:cSld>
+  <p:clrMapOvr>
+    <a:masterClrMapping/>
+  </p:clrMapOvr>
+</p:sld>
+</file>
+
+<file path=ppt/slides/slide11.xml><?xml version="1.0" encoding="utf-8"?>
+<p:sld xmlns:a="http://schemas.openxmlformats.org/drawingml/2006/main" xmlns:r="http://schemas.openxmlformats.org/officeDocument/2006/relationships" xmlns:p="http://schemas.openxmlformats.org/presentationml/2006/main">
+  <p:cSld>
+    <p:spTree>
+      <p:nvGrpSpPr>
+        <p:cNvPr id="1" name=""/>
+        <p:cNvGrpSpPr/>
+        <p:nvPr/>
+      </p:nvGrpSpPr>
+      <p:grpSpPr>
+        <a:xfrm>
+          <a:off x="0" y="0"/>
+          <a:ext cx="0" cy="0"/>
+          <a:chOff x="0" y="0"/>
+          <a:chExt cx="0" cy="0"/>
+        </a:xfrm>
+      </p:grpSpPr>
+      <p:sp>
+        <p:nvSpPr>
+          <p:cNvPr id="2" name="Title 1">
+            <a:extLst>
+              <a:ext uri="{FF2B5EF4-FFF2-40B4-BE49-F238E27FC236}">
+                <a16:creationId xmlns:a16="http://schemas.microsoft.com/office/drawing/2014/main" id="{52E1E397-DB77-45E2-B832-F58DD5775DA6}"/>
+              </a:ext>
+            </a:extLst>
+          </p:cNvPr>
+          <p:cNvSpPr>
+            <a:spLocks noGrp="1"/>
+          </p:cNvSpPr>
+          <p:nvPr>
+            <p:ph type="title"/>
+          </p:nvPr>
+        </p:nvSpPr>
+        <p:spPr/>
+        <p:txBody>
+          <a:bodyPr/>
+          <a:lstStyle/>
+          <a:p>
+            <a:r>
+              <a:rPr lang="en-US" dirty="0"/>
+              <a:t>Counting and correlating among sections: </a:t>
+            </a:r>
+            <a:r>
+              <a:rPr lang="en-US" i="1" dirty="0"/>
+              <a:t>Pride and Prejudice </a:t>
+            </a:r>
+            <a:r>
+              <a:rPr lang="en-US" dirty="0"/>
+              <a:t>III</a:t>
+            </a:r>
+            <a:endParaRPr lang="nl-NL" dirty="0"/>
+          </a:p>
+        </p:txBody>
+      </p:sp>
+      <p:sp>
+        <p:nvSpPr>
+          <p:cNvPr id="3" name="Content Placeholder 2">
+            <a:extLst>
+              <a:ext uri="{FF2B5EF4-FFF2-40B4-BE49-F238E27FC236}">
+                <a16:creationId xmlns:a16="http://schemas.microsoft.com/office/drawing/2014/main" id="{A994C36D-11F2-4C9C-AF6E-9CC661D77453}"/>
+              </a:ext>
+            </a:extLst>
+          </p:cNvPr>
+          <p:cNvSpPr>
+            <a:spLocks noGrp="1"/>
+          </p:cNvSpPr>
+          <p:nvPr>
+            <p:ph idx="1"/>
+          </p:nvPr>
+        </p:nvSpPr>
+        <p:spPr>
+          <a:xfrm>
+            <a:off x="838200" y="1825624"/>
+            <a:ext cx="10515600" cy="4869815"/>
+          </a:xfrm>
+        </p:spPr>
+        <p:txBody>
+          <a:bodyPr>
+            <a:normAutofit lnSpcReduction="10000"/>
+          </a:bodyPr>
+          <a:lstStyle/>
+          <a:p>
+            <a:r>
+              <a:rPr lang="en-US" dirty="0"/>
+              <a:t>Pairs like “Elizabeth” and “Darcy” are the most common co-occurring words, but that’s not particularly meaningful since </a:t>
+            </a:r>
+            <a:r>
+              <a:rPr lang="en-US" i="1" dirty="0"/>
+              <a:t>they’re also the most common individual words.</a:t>
+            </a:r>
+            <a:r>
+              <a:rPr lang="en-US" dirty="0"/>
+              <a:t> We may instead want to examine </a:t>
+            </a:r>
+            <a:r>
+              <a:rPr lang="en-US" b="1" dirty="0"/>
+              <a:t>correlation</a:t>
+            </a:r>
+            <a:r>
+              <a:rPr lang="en-US" dirty="0"/>
+              <a:t> among words, which indicates how often they appear together relative to how often they appear separately.</a:t>
+            </a:r>
+          </a:p>
+          <a:p>
+            <a:r>
+              <a:rPr lang="en-US" dirty="0"/>
+              <a:t>We will now use the </a:t>
+            </a:r>
+            <a:r>
+              <a:rPr lang="en-US" sz="2400" dirty="0" err="1"/>
+              <a:t>pairwise_corr</a:t>
+            </a:r>
+            <a:r>
+              <a:rPr lang="en-US" sz="2400" dirty="0"/>
+              <a:t>() </a:t>
+            </a:r>
+            <a:r>
+              <a:rPr lang="en-US" dirty="0"/>
+              <a:t>function in </a:t>
+            </a:r>
+            <a:r>
+              <a:rPr lang="en-US" sz="2400" dirty="0" err="1"/>
+              <a:t>widyr</a:t>
+            </a:r>
+            <a:r>
+              <a:rPr lang="en-US" dirty="0"/>
+              <a:t> to help us find the </a:t>
+            </a:r>
+            <a:r>
+              <a:rPr lang="en-US" i="1" dirty="0"/>
+              <a:t>phi coefficient </a:t>
+            </a:r>
+            <a:r>
+              <a:rPr lang="en-US" dirty="0"/>
+              <a:t>between words based on how often they appear in the same section.</a:t>
+            </a:r>
+          </a:p>
+          <a:p>
+            <a:pPr marL="0" indent="0">
+              <a:buNone/>
+            </a:pPr>
+            <a:endParaRPr lang="en-US" dirty="0"/>
+          </a:p>
+          <a:p>
+            <a:pPr marL="0" indent="0" algn="ctr">
+              <a:buNone/>
+            </a:pPr>
+            <a:r>
+              <a:rPr lang="en-US" dirty="0"/>
+              <a:t>		</a:t>
+            </a:r>
+            <a:r>
+              <a:rPr lang="en-US" i="1" dirty="0"/>
+              <a:t>The focus of the phi coefficient is how much more likely it is that either </a:t>
+            </a:r>
+            <a:r>
+              <a:rPr lang="en-US" b="1" i="1" dirty="0"/>
+              <a:t>both</a:t>
+            </a:r>
+            <a:r>
+              <a:rPr lang="en-US" i="1" dirty="0"/>
+              <a:t> word X and Y appear, or </a:t>
+            </a:r>
+            <a:r>
+              <a:rPr lang="en-US" b="1" i="1" dirty="0"/>
+              <a:t>neither</a:t>
+            </a:r>
+            <a:r>
+              <a:rPr lang="en-US" i="1" dirty="0"/>
+              <a:t> do, than that one appears without the other.</a:t>
+            </a:r>
+            <a:endParaRPr lang="nl-NL" i="1" dirty="0"/>
+          </a:p>
+        </p:txBody>
+      </p:sp>
+    </p:spTree>
+    <p:extLst>
+      <p:ext uri="{BB962C8B-B14F-4D97-AF65-F5344CB8AC3E}">
+        <p14:creationId xmlns:p14="http://schemas.microsoft.com/office/powerpoint/2010/main" val="1040695615"/>
+      </p:ext>
+    </p:extLst>
+  </p:cSld>
+  <p:clrMapOvr>
+    <a:masterClrMapping/>
+  </p:clrMapOvr>
+</p:sld>
+</file>
+
+<file path=ppt/slides/slide12.xml><?xml version="1.0" encoding="utf-8"?>
+<p:sld xmlns:a="http://schemas.openxmlformats.org/drawingml/2006/main" xmlns:r="http://schemas.openxmlformats.org/officeDocument/2006/relationships" xmlns:p="http://schemas.openxmlformats.org/presentationml/2006/main">
+  <p:cSld>
+    <p:spTree>
+      <p:nvGrpSpPr>
+        <p:cNvPr id="1" name=""/>
+        <p:cNvGrpSpPr/>
+        <p:nvPr/>
+      </p:nvGrpSpPr>
+      <p:grpSpPr>
+        <a:xfrm>
+          <a:off x="0" y="0"/>
+          <a:ext cx="0" cy="0"/>
+          <a:chOff x="0" y="0"/>
+          <a:chExt cx="0" cy="0"/>
+        </a:xfrm>
+      </p:grpSpPr>
+      <p:sp>
+        <p:nvSpPr>
+          <p:cNvPr id="2" name="Title 1">
+            <a:extLst>
+              <a:ext uri="{FF2B5EF4-FFF2-40B4-BE49-F238E27FC236}">
+                <a16:creationId xmlns:a16="http://schemas.microsoft.com/office/drawing/2014/main" id="{0A367CE5-A2C5-4E13-8AFA-35BA44DD50A2}"/>
+              </a:ext>
+            </a:extLst>
+          </p:cNvPr>
+          <p:cNvSpPr>
+            <a:spLocks noGrp="1"/>
+          </p:cNvSpPr>
+          <p:nvPr>
+            <p:ph type="title"/>
+          </p:nvPr>
+        </p:nvSpPr>
+        <p:spPr/>
+        <p:txBody>
+          <a:bodyPr/>
+          <a:lstStyle/>
+          <a:p>
+            <a:r>
+              <a:rPr lang="en-US" dirty="0"/>
+              <a:t>Counting and correlating among sections: </a:t>
+            </a:r>
+            <a:r>
+              <a:rPr lang="en-US" i="1" dirty="0"/>
+              <a:t>Pride and Prejudice </a:t>
+            </a:r>
+            <a:r>
+              <a:rPr lang="en-US" dirty="0"/>
+              <a:t>IV</a:t>
+            </a:r>
+            <a:endParaRPr lang="nl-NL" dirty="0"/>
+          </a:p>
+        </p:txBody>
+      </p:sp>
+      <p:sp>
+        <p:nvSpPr>
+          <p:cNvPr id="3" name="Content Placeholder 2">
+            <a:extLst>
+              <a:ext uri="{FF2B5EF4-FFF2-40B4-BE49-F238E27FC236}">
+                <a16:creationId xmlns:a16="http://schemas.microsoft.com/office/drawing/2014/main" id="{09B38EEC-C7B5-46CA-9E8D-4F90DE89D2A4}"/>
+              </a:ext>
+            </a:extLst>
+          </p:cNvPr>
+          <p:cNvSpPr>
+            <a:spLocks noGrp="1"/>
+          </p:cNvSpPr>
+          <p:nvPr>
+            <p:ph idx="1"/>
+          </p:nvPr>
+        </p:nvSpPr>
+        <p:spPr/>
+        <p:txBody>
+          <a:bodyPr>
+            <a:normAutofit fontScale="92500" lnSpcReduction="20000"/>
+          </a:bodyPr>
+          <a:lstStyle/>
+          <a:p>
+            <a:pPr marL="0" indent="0">
+              <a:buNone/>
+            </a:pPr>
+            <a:r>
+              <a:rPr lang="en-US" dirty="0"/>
+              <a:t>12c. The syntax of the </a:t>
+            </a:r>
+            <a:r>
+              <a:rPr lang="en-US" sz="2600" dirty="0" err="1"/>
+              <a:t>pairwise_corr</a:t>
+            </a:r>
+            <a:r>
+              <a:rPr lang="en-US" sz="2600" dirty="0"/>
+              <a:t>() </a:t>
+            </a:r>
+            <a:r>
+              <a:rPr lang="en-US" dirty="0"/>
+              <a:t>function is similar to that of </a:t>
+            </a:r>
+            <a:r>
+              <a:rPr lang="en-US" sz="2600" dirty="0" err="1"/>
+              <a:t>pairwise_count</a:t>
+            </a:r>
+            <a:r>
+              <a:rPr lang="en-US" sz="2600" dirty="0"/>
+              <a:t>()</a:t>
+            </a:r>
+            <a:r>
+              <a:rPr lang="en-US" sz="3000" dirty="0"/>
+              <a:t>. </a:t>
+            </a:r>
+            <a:r>
+              <a:rPr lang="en-US" dirty="0"/>
+              <a:t>Just run it!</a:t>
+            </a:r>
+          </a:p>
+          <a:p>
+            <a:pPr marL="0" indent="0">
+              <a:buNone/>
+            </a:pPr>
+            <a:endParaRPr lang="en-US" dirty="0"/>
+          </a:p>
+          <a:p>
+            <a:pPr marL="0" indent="0">
+              <a:buNone/>
+            </a:pPr>
+            <a:endParaRPr lang="en-US" dirty="0"/>
+          </a:p>
+          <a:p>
+            <a:pPr marL="0" indent="0">
+              <a:buNone/>
+            </a:pPr>
+            <a:r>
+              <a:rPr lang="en-US" dirty="0"/>
+              <a:t># we need to filter for at least relatively common words first</a:t>
+            </a:r>
+          </a:p>
+          <a:p>
+            <a:pPr marL="0" indent="0">
+              <a:buNone/>
+            </a:pPr>
+            <a:r>
+              <a:rPr lang="en-US" dirty="0" err="1"/>
+              <a:t>word_cors</a:t>
+            </a:r>
+            <a:r>
+              <a:rPr lang="en-US" dirty="0"/>
+              <a:t> &lt;- </a:t>
+            </a:r>
+            <a:r>
+              <a:rPr lang="en-US" dirty="0" err="1"/>
+              <a:t>austen_section_words</a:t>
+            </a:r>
+            <a:r>
+              <a:rPr lang="en-US" dirty="0"/>
+              <a:t> %&gt;%</a:t>
+            </a:r>
+          </a:p>
+          <a:p>
+            <a:pPr marL="0" indent="0">
+              <a:buNone/>
+            </a:pPr>
+            <a:r>
+              <a:rPr lang="en-US" dirty="0"/>
+              <a:t>  </a:t>
+            </a:r>
+            <a:r>
+              <a:rPr lang="en-US" dirty="0" err="1"/>
+              <a:t>group_by</a:t>
+            </a:r>
+            <a:r>
+              <a:rPr lang="en-US" dirty="0"/>
+              <a:t>(word) %&gt;%</a:t>
+            </a:r>
+          </a:p>
+          <a:p>
+            <a:pPr marL="0" indent="0">
+              <a:buNone/>
+            </a:pPr>
+            <a:r>
+              <a:rPr lang="en-US" dirty="0"/>
+              <a:t>  filter(n() &gt;= 20) %&gt;%</a:t>
+            </a:r>
+          </a:p>
+          <a:p>
+            <a:pPr marL="0" indent="0">
+              <a:buNone/>
+            </a:pPr>
+            <a:r>
+              <a:rPr lang="en-US" dirty="0"/>
+              <a:t>  </a:t>
+            </a:r>
+            <a:r>
+              <a:rPr lang="en-US" dirty="0" err="1"/>
+              <a:t>pairwise_cor</a:t>
+            </a:r>
+            <a:r>
+              <a:rPr lang="en-US" dirty="0"/>
+              <a:t>(word, section, sort = TRUE)</a:t>
+            </a:r>
+          </a:p>
+          <a:p>
+            <a:pPr marL="0" indent="0">
+              <a:buNone/>
+            </a:pPr>
+            <a:endParaRPr lang="en-US" dirty="0"/>
+          </a:p>
+          <a:p>
+            <a:pPr marL="0" indent="0">
+              <a:buNone/>
+            </a:pPr>
+            <a:r>
+              <a:rPr lang="en-US" dirty="0" err="1"/>
+              <a:t>word_cors</a:t>
+            </a:r>
+            <a:endParaRPr lang="nl-NL" dirty="0"/>
+          </a:p>
+        </p:txBody>
+      </p:sp>
+      <p:sp>
+        <p:nvSpPr>
+          <p:cNvPr id="4" name="TextBox 3">
+            <a:extLst>
+              <a:ext uri="{FF2B5EF4-FFF2-40B4-BE49-F238E27FC236}">
+                <a16:creationId xmlns:a16="http://schemas.microsoft.com/office/drawing/2014/main" id="{D1002D2A-17E9-4EA2-9F08-14CF1D6F277B}"/>
+              </a:ext>
+            </a:extLst>
+          </p:cNvPr>
+          <p:cNvSpPr txBox="1"/>
+          <p:nvPr/>
+        </p:nvSpPr>
+        <p:spPr>
+          <a:xfrm>
+            <a:off x="8323580" y="4145638"/>
+            <a:ext cx="2070100" cy="2031325"/>
+          </a:xfrm>
+          <a:prstGeom prst="rect">
+            <a:avLst/>
+          </a:prstGeom>
+          <a:noFill/>
+          <a:ln w="28575">
+            <a:solidFill>
+              <a:srgbClr val="00B0F0"/>
+            </a:solidFill>
+          </a:ln>
+        </p:spPr>
+        <p:txBody>
+          <a:bodyPr wrap="square" rtlCol="0">
+            <a:spAutoFit/>
+          </a:bodyPr>
+          <a:lstStyle/>
+          <a:p>
+            <a:r>
+              <a:rPr lang="en-US" dirty="0">
+                <a:sym typeface="Wingdings" panose="05000000000000000000" pitchFamily="2" charset="2"/>
+              </a:rPr>
+              <a:t> </a:t>
+            </a:r>
+            <a:r>
+              <a:rPr lang="en-US" dirty="0"/>
+              <a:t>The output format is helpful for exploration. For example, we could find the words most correlated with specific words… </a:t>
+            </a:r>
+            <a:endParaRPr lang="nl-NL" dirty="0"/>
+          </a:p>
+        </p:txBody>
+      </p:sp>
+    </p:spTree>
+    <p:extLst>
+      <p:ext uri="{BB962C8B-B14F-4D97-AF65-F5344CB8AC3E}">
+        <p14:creationId xmlns:p14="http://schemas.microsoft.com/office/powerpoint/2010/main" val="2228791115"/>
+      </p:ext>
+    </p:extLst>
+  </p:cSld>
+  <p:clrMapOvr>
+    <a:masterClrMapping/>
+  </p:clrMapOvr>
+</p:sld>
+</file>
+
+<file path=ppt/slides/slide13.xml><?xml version="1.0" encoding="utf-8"?>
+<p:sld xmlns:a="http://schemas.openxmlformats.org/drawingml/2006/main" xmlns:r="http://schemas.openxmlformats.org/officeDocument/2006/relationships" xmlns:p="http://schemas.openxmlformats.org/presentationml/2006/main">
+  <p:cSld>
+    <p:spTree>
+      <p:nvGrpSpPr>
+        <p:cNvPr id="1" name=""/>
+        <p:cNvGrpSpPr/>
+        <p:nvPr/>
+      </p:nvGrpSpPr>
+      <p:grpSpPr>
+        <a:xfrm>
+          <a:off x="0" y="0"/>
+          <a:ext cx="0" cy="0"/>
+          <a:chOff x="0" y="0"/>
+          <a:chExt cx="0" cy="0"/>
+        </a:xfrm>
+      </p:grpSpPr>
+      <p:sp>
+        <p:nvSpPr>
+          <p:cNvPr id="2" name="Title 1">
+            <a:extLst>
+              <a:ext uri="{FF2B5EF4-FFF2-40B4-BE49-F238E27FC236}">
+                <a16:creationId xmlns:a16="http://schemas.microsoft.com/office/drawing/2014/main" id="{ECF96ADC-D436-41B0-919E-981B686D5E53}"/>
+              </a:ext>
+            </a:extLst>
+          </p:cNvPr>
+          <p:cNvSpPr>
+            <a:spLocks noGrp="1"/>
+          </p:cNvSpPr>
+          <p:nvPr>
+            <p:ph type="title"/>
+          </p:nvPr>
+        </p:nvSpPr>
+        <p:spPr/>
+        <p:txBody>
+          <a:bodyPr/>
+          <a:lstStyle/>
+          <a:p>
+            <a:r>
+              <a:rPr lang="en-US" dirty="0"/>
+              <a:t>Counting and correlating among sections: </a:t>
+            </a:r>
+            <a:r>
+              <a:rPr lang="en-US" i="1" dirty="0"/>
+              <a:t>Pride and Prejudice </a:t>
+            </a:r>
+            <a:r>
+              <a:rPr lang="en-US" dirty="0"/>
+              <a:t>V</a:t>
+            </a:r>
+            <a:endParaRPr lang="nl-NL" dirty="0"/>
+          </a:p>
+        </p:txBody>
+      </p:sp>
+      <p:sp>
+        <p:nvSpPr>
+          <p:cNvPr id="3" name="Content Placeholder 2">
+            <a:extLst>
+              <a:ext uri="{FF2B5EF4-FFF2-40B4-BE49-F238E27FC236}">
+                <a16:creationId xmlns:a16="http://schemas.microsoft.com/office/drawing/2014/main" id="{A917CA11-F358-458D-AB62-64DD7E87FE58}"/>
+              </a:ext>
+            </a:extLst>
+          </p:cNvPr>
+          <p:cNvSpPr>
+            <a:spLocks noGrp="1"/>
+          </p:cNvSpPr>
+          <p:nvPr>
+            <p:ph idx="1"/>
+          </p:nvPr>
+        </p:nvSpPr>
+        <p:spPr/>
+        <p:txBody>
+          <a:bodyPr>
+            <a:normAutofit fontScale="47500" lnSpcReduction="20000"/>
+          </a:bodyPr>
+          <a:lstStyle/>
+          <a:p>
+            <a:pPr marL="0" indent="0">
+              <a:buNone/>
+            </a:pPr>
+            <a:r>
+              <a:rPr lang="en-US" sz="5000" dirty="0"/>
+              <a:t>12d. Let’s pick some interesting words and find the other words most associated with them! You can pick your own and add them to the code below. And do you remember the function we have used a few times to plot your results? Fill it in as well!</a:t>
+            </a:r>
+          </a:p>
+          <a:p>
+            <a:pPr marL="0" indent="0">
+              <a:buNone/>
+            </a:pPr>
+            <a:endParaRPr lang="en-US" dirty="0"/>
+          </a:p>
+          <a:p>
+            <a:pPr marL="0" indent="0">
+              <a:buNone/>
+            </a:pPr>
+            <a:endParaRPr lang="en-US" dirty="0"/>
+          </a:p>
+          <a:p>
+            <a:pPr marL="0" indent="0">
+              <a:buNone/>
+            </a:pPr>
+            <a:r>
+              <a:rPr lang="en-US" dirty="0" err="1"/>
+              <a:t>word_cors</a:t>
+            </a:r>
+            <a:r>
+              <a:rPr lang="en-US" dirty="0"/>
+              <a:t> %&gt;%</a:t>
+            </a:r>
+          </a:p>
+          <a:p>
+            <a:pPr marL="0" indent="0">
+              <a:buNone/>
+            </a:pPr>
+            <a:r>
+              <a:rPr lang="en-US" dirty="0"/>
+              <a:t>  filter(item1 %in% c(“</a:t>
+            </a:r>
+            <a:r>
+              <a:rPr lang="en-US" b="1" dirty="0">
+                <a:solidFill>
+                  <a:srgbClr val="FF0000"/>
+                </a:solidFill>
+              </a:rPr>
+              <a:t>???</a:t>
+            </a:r>
+            <a:r>
+              <a:rPr lang="en-US" dirty="0"/>
+              <a:t>", “</a:t>
+            </a:r>
+            <a:r>
+              <a:rPr lang="en-US" b="1" dirty="0">
+                <a:solidFill>
+                  <a:srgbClr val="FF0000"/>
+                </a:solidFill>
+              </a:rPr>
+              <a:t>???</a:t>
+            </a:r>
+            <a:r>
+              <a:rPr lang="en-US" dirty="0"/>
+              <a:t>", “</a:t>
+            </a:r>
+            <a:r>
+              <a:rPr lang="en-US" b="1" dirty="0">
+                <a:solidFill>
+                  <a:srgbClr val="FF0000"/>
+                </a:solidFill>
+              </a:rPr>
+              <a:t>???</a:t>
+            </a:r>
+            <a:r>
+              <a:rPr lang="en-US" dirty="0"/>
+              <a:t>", “</a:t>
+            </a:r>
+            <a:r>
+              <a:rPr lang="en-US" b="1" dirty="0">
+                <a:solidFill>
+                  <a:srgbClr val="FF0000"/>
+                </a:solidFill>
+              </a:rPr>
+              <a:t>???</a:t>
+            </a:r>
+            <a:r>
+              <a:rPr lang="en-US" dirty="0"/>
+              <a:t>")) %&gt;%</a:t>
+            </a:r>
+          </a:p>
+          <a:p>
+            <a:pPr marL="0" indent="0">
+              <a:buNone/>
+            </a:pPr>
+            <a:r>
+              <a:rPr lang="en-US" dirty="0"/>
+              <a:t>  </a:t>
+            </a:r>
+            <a:r>
+              <a:rPr lang="en-US" dirty="0" err="1"/>
+              <a:t>group_by</a:t>
+            </a:r>
+            <a:r>
+              <a:rPr lang="en-US" dirty="0"/>
+              <a:t>(item1) %&gt;%</a:t>
+            </a:r>
+          </a:p>
+          <a:p>
+            <a:pPr marL="0" indent="0">
+              <a:buNone/>
+            </a:pPr>
+            <a:r>
+              <a:rPr lang="en-US" dirty="0"/>
+              <a:t>  </a:t>
+            </a:r>
+            <a:r>
+              <a:rPr lang="en-US" dirty="0" err="1"/>
+              <a:t>slice_max</a:t>
+            </a:r>
+            <a:r>
+              <a:rPr lang="en-US" dirty="0"/>
+              <a:t>(correlation, n = 6) %&gt;%</a:t>
+            </a:r>
+          </a:p>
+          <a:p>
+            <a:pPr marL="0" indent="0">
+              <a:buNone/>
+            </a:pPr>
+            <a:r>
+              <a:rPr lang="en-US" dirty="0"/>
+              <a:t>  ungroup() %&gt;%</a:t>
+            </a:r>
+          </a:p>
+          <a:p>
+            <a:pPr marL="0" indent="0">
+              <a:buNone/>
+            </a:pPr>
+            <a:r>
+              <a:rPr lang="en-US" dirty="0"/>
+              <a:t>  mutate(item2 = reorder(item2, correlation)) %&gt;%</a:t>
+            </a:r>
+          </a:p>
+          <a:p>
+            <a:pPr marL="0" indent="0">
+              <a:buNone/>
+            </a:pPr>
+            <a:r>
+              <a:rPr lang="en-US" dirty="0"/>
+              <a:t>  </a:t>
+            </a:r>
+            <a:r>
+              <a:rPr lang="en-US" b="1" dirty="0">
+                <a:solidFill>
+                  <a:srgbClr val="FF0000"/>
+                </a:solidFill>
+              </a:rPr>
+              <a:t>???</a:t>
+            </a:r>
+            <a:r>
+              <a:rPr lang="en-US" dirty="0"/>
+              <a:t>(</a:t>
+            </a:r>
+            <a:r>
+              <a:rPr lang="en-US" dirty="0" err="1"/>
+              <a:t>aes</a:t>
+            </a:r>
+            <a:r>
+              <a:rPr lang="en-US" dirty="0"/>
+              <a:t>(item2, correlation)) +</a:t>
+            </a:r>
+          </a:p>
+          <a:p>
+            <a:pPr marL="0" indent="0">
+              <a:buNone/>
+            </a:pPr>
+            <a:r>
+              <a:rPr lang="en-US" dirty="0"/>
+              <a:t>  </a:t>
+            </a:r>
+            <a:r>
+              <a:rPr lang="en-US" dirty="0" err="1"/>
+              <a:t>geom_bar</a:t>
+            </a:r>
+            <a:r>
+              <a:rPr lang="en-US" dirty="0"/>
+              <a:t>(stat = "identity") +</a:t>
+            </a:r>
+          </a:p>
+          <a:p>
+            <a:pPr marL="0" indent="0">
+              <a:buNone/>
+            </a:pPr>
+            <a:r>
+              <a:rPr lang="en-US" dirty="0"/>
+              <a:t>  </a:t>
+            </a:r>
+            <a:r>
+              <a:rPr lang="en-US" dirty="0" err="1"/>
+              <a:t>facet_wrap</a:t>
+            </a:r>
+            <a:r>
+              <a:rPr lang="en-US" dirty="0"/>
+              <a:t>(~ item1, scales = "free") +</a:t>
+            </a:r>
+          </a:p>
+          <a:p>
+            <a:pPr marL="0" indent="0">
+              <a:buNone/>
+            </a:pPr>
+            <a:r>
+              <a:rPr lang="en-US" dirty="0"/>
+              <a:t>  </a:t>
+            </a:r>
+            <a:r>
+              <a:rPr lang="en-US" dirty="0" err="1"/>
+              <a:t>coord_flip</a:t>
+            </a:r>
+            <a:r>
+              <a:rPr lang="en-US" dirty="0"/>
+              <a:t>() </a:t>
+            </a:r>
+            <a:endParaRPr lang="nl-NL" dirty="0"/>
+          </a:p>
+        </p:txBody>
+      </p:sp>
+      <p:sp>
+        <p:nvSpPr>
+          <p:cNvPr id="4" name="TextBox 3">
+            <a:extLst>
+              <a:ext uri="{FF2B5EF4-FFF2-40B4-BE49-F238E27FC236}">
+                <a16:creationId xmlns:a16="http://schemas.microsoft.com/office/drawing/2014/main" id="{903A205F-866B-40D3-89AD-3D4017F0E133}"/>
+              </a:ext>
+            </a:extLst>
+          </p:cNvPr>
+          <p:cNvSpPr txBox="1"/>
+          <p:nvPr/>
+        </p:nvSpPr>
+        <p:spPr>
+          <a:xfrm>
+            <a:off x="6573520" y="2946399"/>
+            <a:ext cx="2661920" cy="3139321"/>
+          </a:xfrm>
+          <a:prstGeom prst="rect">
+            <a:avLst/>
+          </a:prstGeom>
+          <a:noFill/>
+          <a:ln w="28575">
+            <a:solidFill>
+              <a:srgbClr val="00B0F0"/>
+            </a:solidFill>
+          </a:ln>
+        </p:spPr>
+        <p:txBody>
+          <a:bodyPr wrap="square" rtlCol="0">
+            <a:spAutoFit/>
+          </a:bodyPr>
+          <a:lstStyle/>
+          <a:p>
+            <a:r>
+              <a:rPr lang="en-US" dirty="0">
+                <a:sym typeface="Wingdings" panose="05000000000000000000" pitchFamily="2" charset="2"/>
+              </a:rPr>
+              <a:t> You can play around with this code, changing the words you want to filter by. In this way, you can perform exploratory analyses by looking at your bar graphs: What word correlations stand out? What is worth looking into in more depth? </a:t>
+            </a:r>
+            <a:endParaRPr lang="nl-NL" dirty="0"/>
+          </a:p>
+        </p:txBody>
+      </p:sp>
+    </p:spTree>
+    <p:extLst>
+      <p:ext uri="{BB962C8B-B14F-4D97-AF65-F5344CB8AC3E}">
+        <p14:creationId xmlns:p14="http://schemas.microsoft.com/office/powerpoint/2010/main" val="3208889356"/>
+      </p:ext>
+    </p:extLst>
+  </p:cSld>
+  <p:clrMapOvr>
+    <a:masterClrMapping/>
+  </p:clrMapOvr>
+</p:sld>
+</file>
+
+<file path=ppt/slides/slide14.xml><?xml version="1.0" encoding="utf-8"?>
+<p:sld xmlns:a="http://schemas.openxmlformats.org/drawingml/2006/main" xmlns:r="http://schemas.openxmlformats.org/officeDocument/2006/relationships" xmlns:p="http://schemas.openxmlformats.org/presentationml/2006/main">
+  <p:cSld>
+    <p:spTree>
+      <p:nvGrpSpPr>
+        <p:cNvPr id="1" name=""/>
+        <p:cNvGrpSpPr/>
+        <p:nvPr/>
+      </p:nvGrpSpPr>
+      <p:grpSpPr>
+        <a:xfrm>
+          <a:off x="0" y="0"/>
+          <a:ext cx="0" cy="0"/>
+          <a:chOff x="0" y="0"/>
+          <a:chExt cx="0" cy="0"/>
+        </a:xfrm>
+      </p:grpSpPr>
+      <p:sp>
+        <p:nvSpPr>
+          <p:cNvPr id="2" name="Title 1">
+            <a:extLst>
+              <a:ext uri="{FF2B5EF4-FFF2-40B4-BE49-F238E27FC236}">
+                <a16:creationId xmlns:a16="http://schemas.microsoft.com/office/drawing/2014/main" id="{79CCF1B1-94DD-4BB7-81F5-5286973400BF}"/>
+              </a:ext>
+            </a:extLst>
+          </p:cNvPr>
+          <p:cNvSpPr>
+            <a:spLocks noGrp="1"/>
+          </p:cNvSpPr>
+          <p:nvPr>
+            <p:ph type="title"/>
+          </p:nvPr>
+        </p:nvSpPr>
+        <p:spPr/>
+        <p:txBody>
+          <a:bodyPr>
+            <a:normAutofit fontScale="90000"/>
+          </a:bodyPr>
+          <a:lstStyle/>
+          <a:p>
+            <a:r>
+              <a:rPr lang="en-US" dirty="0"/>
+              <a:t>Congratulations, you now know the basics of R and Text Mining with R within the </a:t>
+            </a:r>
+            <a:r>
+              <a:rPr lang="en-US" dirty="0" err="1"/>
+              <a:t>Tidyverse</a:t>
+            </a:r>
+            <a:r>
+              <a:rPr lang="en-US" dirty="0"/>
+              <a:t>! </a:t>
+            </a:r>
+            <a:endParaRPr lang="nl-NL" dirty="0"/>
+          </a:p>
+        </p:txBody>
+      </p:sp>
+      <p:sp>
+        <p:nvSpPr>
+          <p:cNvPr id="3" name="Content Placeholder 2">
+            <a:extLst>
+              <a:ext uri="{FF2B5EF4-FFF2-40B4-BE49-F238E27FC236}">
+                <a16:creationId xmlns:a16="http://schemas.microsoft.com/office/drawing/2014/main" id="{416DE830-F535-45F1-ABC1-F822CFCF75E1}"/>
+              </a:ext>
+            </a:extLst>
+          </p:cNvPr>
+          <p:cNvSpPr>
+            <a:spLocks noGrp="1"/>
+          </p:cNvSpPr>
+          <p:nvPr>
+            <p:ph idx="1"/>
+          </p:nvPr>
+        </p:nvSpPr>
+        <p:spPr/>
+        <p:txBody>
+          <a:bodyPr/>
+          <a:lstStyle/>
+          <a:p>
+            <a:pPr marL="0" indent="0">
+              <a:buNone/>
+            </a:pPr>
+            <a:endParaRPr lang="nl-NL" dirty="0"/>
+          </a:p>
+        </p:txBody>
+      </p:sp>
+    </p:spTree>
+    <p:extLst>
+      <p:ext uri="{BB962C8B-B14F-4D97-AF65-F5344CB8AC3E}">
+        <p14:creationId xmlns:p14="http://schemas.microsoft.com/office/powerpoint/2010/main" val="1293985583"/>
       </p:ext>
     </p:extLst>
   </p:cSld>
@@ -3534,7 +4674,7 @@
           <p:cNvPr id="2" name="Title 1">
             <a:extLst>
               <a:ext uri="{FF2B5EF4-FFF2-40B4-BE49-F238E27FC236}">
-                <a16:creationId xmlns:a16="http://schemas.microsoft.com/office/drawing/2014/main" id="{C707E9BD-7C14-453F-8A8F-876B20D33DE8}"/>
+                <a16:creationId xmlns:a16="http://schemas.microsoft.com/office/drawing/2014/main" id="{D5C27BBF-B3F7-4E20-8519-57D334EC3745}"/>
               </a:ext>
             </a:extLst>
           </p:cNvPr>
@@ -3551,9 +4691,40 @@
           <a:lstStyle/>
           <a:p>
             <a:r>
-              <a:rPr lang="en-US" dirty="0"/>
-              <a:t>Term frequency in Austen’s novels I</a:t>
-            </a:r>
+              <a:rPr lang="nl-NL" dirty="0" err="1"/>
+              <a:t>Tokenizing</a:t>
+            </a:r>
+            <a:r>
+              <a:rPr lang="nl-NL" dirty="0"/>
+              <a:t> </a:t>
+            </a:r>
+            <a:r>
+              <a:rPr lang="nl-NL" dirty="0" err="1"/>
+              <a:t>Austen’s</a:t>
+            </a:r>
+            <a:r>
+              <a:rPr lang="nl-NL" dirty="0"/>
+              <a:t> </a:t>
+            </a:r>
+            <a:r>
+              <a:rPr lang="nl-NL" dirty="0" err="1"/>
+              <a:t>novels</a:t>
+            </a:r>
+            <a:r>
+              <a:rPr lang="nl-NL" dirty="0"/>
+              <a:t> </a:t>
+            </a:r>
+            <a:r>
+              <a:rPr lang="nl-NL" dirty="0" err="1"/>
+              <a:t>by</a:t>
+            </a:r>
+            <a:r>
+              <a:rPr lang="nl-NL" dirty="0"/>
+              <a:t> n-gram I</a:t>
+            </a:r>
+            <a:br>
+              <a:rPr lang="nl-NL" dirty="0"/>
+            </a:br>
             <a:endParaRPr lang="nl-NL" dirty="0"/>
           </a:p>
         </p:txBody>
@@ -3563,7 +4734,7 @@
           <p:cNvPr id="3" name="Content Placeholder 2">
             <a:extLst>
               <a:ext uri="{FF2B5EF4-FFF2-40B4-BE49-F238E27FC236}">
-                <a16:creationId xmlns:a16="http://schemas.microsoft.com/office/drawing/2014/main" id="{8CBFD01B-835E-4417-9093-BDFC6ED8E31F}"/>
+                <a16:creationId xmlns:a16="http://schemas.microsoft.com/office/drawing/2014/main" id="{A3DDE627-30BF-4F1D-BFCD-B998178F07C2}"/>
               </a:ext>
             </a:extLst>
           </p:cNvPr>
@@ -3574,99 +4745,122 @@
             <p:ph idx="1"/>
           </p:nvPr>
         </p:nvSpPr>
-        <p:spPr/>
-        <p:txBody>
-          <a:bodyPr/>
-          <a:lstStyle/>
-          <a:p>
-            <a:r>
-              <a:rPr lang="en-US" dirty="0"/>
-              <a:t>So, let’s try and find the important words Austen’s novels. We will use the statistic </a:t>
-            </a:r>
-            <a:r>
-              <a:rPr lang="en-US" dirty="0" err="1"/>
-              <a:t>tf-idf</a:t>
-            </a:r>
-            <a:r>
-              <a:rPr lang="en-US" dirty="0"/>
-              <a:t> to measure this. The inverse document frequency for any given term is defined as</a:t>
-            </a:r>
-          </a:p>
-          <a:p>
-            <a:endParaRPr lang="en-US" dirty="0"/>
-          </a:p>
-          <a:p>
-            <a:endParaRPr lang="en-US" dirty="0"/>
-          </a:p>
-          <a:p>
-            <a:endParaRPr lang="en-US" dirty="0"/>
-          </a:p>
-          <a:p>
-            <a:pPr marL="0" indent="0">
-              <a:buNone/>
-            </a:pPr>
-            <a:endParaRPr lang="en-US" dirty="0"/>
-          </a:p>
-          <a:p>
-            <a:pPr marL="0" indent="0">
-              <a:buNone/>
-            </a:pPr>
-            <a:endParaRPr lang="en-US" dirty="0"/>
-          </a:p>
-          <a:p>
-            <a:r>
-              <a:rPr lang="en-US" dirty="0"/>
-              <a:t>No worries, we have the skills to put this into code!</a:t>
-            </a:r>
-          </a:p>
-          <a:p>
-            <a:endParaRPr lang="en-US" dirty="0"/>
-          </a:p>
-          <a:p>
-            <a:endParaRPr lang="nl-NL" dirty="0"/>
-          </a:p>
-        </p:txBody>
-      </p:sp>
-      <p:pic>
-        <p:nvPicPr>
-          <p:cNvPr id="6" name="Picture 5">
-            <a:extLst>
-              <a:ext uri="{FF2B5EF4-FFF2-40B4-BE49-F238E27FC236}">
-                <a16:creationId xmlns:a16="http://schemas.microsoft.com/office/drawing/2014/main" id="{BA9756AE-8B80-42CA-86D6-7B504864AC70}"/>
-              </a:ext>
-            </a:extLst>
-          </p:cNvPr>
-          <p:cNvPicPr>
-            <a:picLocks noChangeAspect="1"/>
-          </p:cNvPicPr>
-          <p:nvPr/>
-        </p:nvPicPr>
-        <p:blipFill>
-          <a:blip r:embed="rId2">
-            <a:extLst>
-              <a:ext uri="{28A0092B-C50C-407E-A947-70E740481C1C}">
-                <a14:useLocalDpi xmlns:a14="http://schemas.microsoft.com/office/drawing/2010/main" val="0"/>
-              </a:ext>
-            </a:extLst>
-          </a:blip>
-          <a:stretch>
-            <a:fillRect/>
-          </a:stretch>
-        </p:blipFill>
         <p:spPr>
           <a:xfrm>
-            <a:off x="1390714" y="3308067"/>
-            <a:ext cx="9235433" cy="1558335"/>
+            <a:off x="838200" y="1825624"/>
+            <a:ext cx="10515600" cy="4544695"/>
           </a:xfrm>
-          <a:prstGeom prst="rect">
-            <a:avLst/>
-          </a:prstGeom>
         </p:spPr>
-      </p:pic>
+        <p:txBody>
+          <a:bodyPr/>
+          <a:lstStyle/>
+          <a:p>
+            <a:pPr marL="0" indent="0">
+              <a:buNone/>
+            </a:pPr>
+            <a:r>
+              <a:rPr lang="en-US" i="1" dirty="0"/>
+              <a:t>Exercise 11</a:t>
+            </a:r>
+          </a:p>
+          <a:p>
+            <a:pPr marL="0" indent="0">
+              <a:buNone/>
+            </a:pPr>
+            <a:r>
+              <a:rPr lang="en-US" dirty="0"/>
+              <a:t>You already know how to tokenize by word, using the </a:t>
+            </a:r>
+            <a:r>
+              <a:rPr lang="en-US" sz="2400" dirty="0" err="1"/>
+              <a:t>unnest_tokens</a:t>
+            </a:r>
+            <a:r>
+              <a:rPr lang="en-US" sz="2400" dirty="0"/>
+              <a:t> </a:t>
+            </a:r>
+            <a:r>
+              <a:rPr lang="en-US" dirty="0"/>
+              <a:t>function. We can also use the function to tokenize into consecutive sequences of words, called </a:t>
+            </a:r>
+            <a:r>
+              <a:rPr lang="en-US" b="1" dirty="0"/>
+              <a:t>n-grams</a:t>
+            </a:r>
+            <a:r>
+              <a:rPr lang="en-US" dirty="0"/>
+              <a:t>. By seeing how often word X is followed by word Y, we can then build a model of the relationships between them.</a:t>
+            </a:r>
+          </a:p>
+          <a:p>
+            <a:pPr marL="0" indent="0">
+              <a:buNone/>
+            </a:pPr>
+            <a:endParaRPr lang="en-US" dirty="0"/>
+          </a:p>
+          <a:p>
+            <a:pPr marL="0" indent="0">
+              <a:buNone/>
+            </a:pPr>
+            <a:r>
+              <a:rPr lang="en-US" dirty="0"/>
+              <a:t>We do this by adding the </a:t>
+            </a:r>
+            <a:r>
+              <a:rPr lang="en-US" sz="2400" dirty="0"/>
+              <a:t>token = “</a:t>
+            </a:r>
+            <a:r>
+              <a:rPr lang="en-US" sz="2400" dirty="0" err="1"/>
+              <a:t>ngrams</a:t>
+            </a:r>
+            <a:r>
+              <a:rPr lang="en-US" sz="2400" dirty="0"/>
+              <a:t>” </a:t>
+            </a:r>
+            <a:r>
+              <a:rPr lang="en-US" dirty="0"/>
+              <a:t>option to </a:t>
+            </a:r>
+            <a:r>
+              <a:rPr lang="en-US" sz="2400" dirty="0" err="1"/>
+              <a:t>unnest_tokens</a:t>
+            </a:r>
+            <a:r>
+              <a:rPr lang="en-US" sz="2400" dirty="0"/>
+              <a:t>()</a:t>
+            </a:r>
+            <a:r>
+              <a:rPr lang="en-US" dirty="0"/>
+              <a:t>, and setting </a:t>
+            </a:r>
+            <a:r>
+              <a:rPr lang="en-US" sz="2400" dirty="0"/>
+              <a:t>n</a:t>
+            </a:r>
+            <a:r>
+              <a:rPr lang="en-US" dirty="0"/>
+              <a:t> to the number of words we wish to capture in each n-gram.</a:t>
+            </a:r>
+          </a:p>
+          <a:p>
+            <a:pPr marL="0" indent="0" algn="r">
+              <a:buNone/>
+            </a:pPr>
+            <a:r>
+              <a:rPr lang="en-US" dirty="0">
+                <a:sym typeface="Wingdings" panose="05000000000000000000" pitchFamily="2" charset="2"/>
+              </a:rPr>
+              <a:t></a:t>
+            </a:r>
+            <a:endParaRPr lang="nl-NL" dirty="0"/>
+          </a:p>
+        </p:txBody>
+      </p:sp>
     </p:spTree>
     <p:extLst>
       <p:ext uri="{BB962C8B-B14F-4D97-AF65-F5344CB8AC3E}">
-        <p14:creationId xmlns:p14="http://schemas.microsoft.com/office/powerpoint/2010/main" val="1930544376"/>
+        <p14:creationId xmlns:p14="http://schemas.microsoft.com/office/powerpoint/2010/main" val="892798352"/>
       </p:ext>
     </p:extLst>
   </p:cSld>
@@ -3698,7 +4892,7 @@
           <p:cNvPr id="2" name="Title 1">
             <a:extLst>
               <a:ext uri="{FF2B5EF4-FFF2-40B4-BE49-F238E27FC236}">
-                <a16:creationId xmlns:a16="http://schemas.microsoft.com/office/drawing/2014/main" id="{CD93F4D1-F142-4EDF-9D8A-E4FEDE79BE82}"/>
+                <a16:creationId xmlns:a16="http://schemas.microsoft.com/office/drawing/2014/main" id="{2B04D6DE-372C-499E-BEA1-322C3CAF324B}"/>
               </a:ext>
             </a:extLst>
           </p:cNvPr>
@@ -3709,186 +4903,170 @@
             <p:ph type="title"/>
           </p:nvPr>
         </p:nvSpPr>
-        <p:spPr>
-          <a:xfrm>
-            <a:off x="838200" y="0"/>
-            <a:ext cx="10515600" cy="1325563"/>
-          </a:xfrm>
-        </p:spPr>
+        <p:spPr/>
         <p:txBody>
           <a:bodyPr/>
           <a:lstStyle/>
           <a:p>
             <a:r>
-              <a:rPr lang="en-US" dirty="0"/>
-              <a:t>Term frequency in Austen’s novels II</a:t>
-            </a:r>
+              <a:rPr lang="nl-NL" dirty="0" err="1"/>
+              <a:t>Tokenizing</a:t>
+            </a:r>
+            <a:r>
+              <a:rPr lang="nl-NL" dirty="0"/>
+              <a:t> </a:t>
+            </a:r>
+            <a:r>
+              <a:rPr lang="nl-NL" dirty="0" err="1"/>
+              <a:t>Austen’s</a:t>
+            </a:r>
+            <a:r>
+              <a:rPr lang="nl-NL" dirty="0"/>
+              <a:t> </a:t>
+            </a:r>
+            <a:r>
+              <a:rPr lang="nl-NL" dirty="0" err="1"/>
+              <a:t>novels</a:t>
+            </a:r>
+            <a:r>
+              <a:rPr lang="nl-NL" dirty="0"/>
+              <a:t> </a:t>
+            </a:r>
+            <a:r>
+              <a:rPr lang="nl-NL" dirty="0" err="1"/>
+              <a:t>by</a:t>
+            </a:r>
+            <a:r>
+              <a:rPr lang="nl-NL" dirty="0"/>
+              <a:t> n-gram II</a:t>
+            </a:r>
+          </a:p>
+        </p:txBody>
+      </p:sp>
+      <p:sp>
+        <p:nvSpPr>
+          <p:cNvPr id="3" name="Content Placeholder 2">
+            <a:extLst>
+              <a:ext uri="{FF2B5EF4-FFF2-40B4-BE49-F238E27FC236}">
+                <a16:creationId xmlns:a16="http://schemas.microsoft.com/office/drawing/2014/main" id="{161626F1-2DED-4655-89CB-2C2588990139}"/>
+              </a:ext>
+            </a:extLst>
+          </p:cNvPr>
+          <p:cNvSpPr>
+            <a:spLocks noGrp="1"/>
+          </p:cNvSpPr>
+          <p:nvPr>
+            <p:ph idx="1"/>
+          </p:nvPr>
+        </p:nvSpPr>
+        <p:spPr/>
+        <p:txBody>
+          <a:bodyPr>
+            <a:normAutofit fontScale="77500" lnSpcReduction="20000"/>
+          </a:bodyPr>
+          <a:lstStyle/>
+          <a:p>
+            <a:pPr marL="0" indent="0">
+              <a:buNone/>
+            </a:pPr>
+            <a:r>
+              <a:rPr lang="en-US" sz="3600" dirty="0"/>
+              <a:t>11a. Can you set the number of words in each n-gram to 2 in the code below? This allows us to examine pairs of two consecutive words, called ‘bigrams’ in Austen’s novels.</a:t>
+            </a:r>
+          </a:p>
+          <a:p>
+            <a:pPr marL="0" indent="0">
+              <a:buNone/>
+            </a:pPr>
+            <a:endParaRPr lang="en-US" dirty="0"/>
+          </a:p>
+          <a:p>
+            <a:pPr marL="0" indent="0">
+              <a:buNone/>
+            </a:pPr>
+            <a:r>
+              <a:rPr lang="nl-NL" dirty="0" err="1"/>
+              <a:t>library</a:t>
+            </a:r>
+            <a:r>
+              <a:rPr lang="nl-NL" dirty="0"/>
+              <a:t>(</a:t>
+            </a:r>
+            <a:r>
+              <a:rPr lang="nl-NL" dirty="0" err="1"/>
+              <a:t>dplyr</a:t>
+            </a:r>
+            <a:r>
+              <a:rPr lang="nl-NL" dirty="0"/>
+              <a:t>)</a:t>
+            </a:r>
+          </a:p>
+          <a:p>
+            <a:pPr marL="0" indent="0">
+              <a:buNone/>
+            </a:pPr>
+            <a:r>
+              <a:rPr lang="nl-NL" dirty="0" err="1"/>
+              <a:t>library</a:t>
+            </a:r>
+            <a:r>
+              <a:rPr lang="nl-NL" dirty="0"/>
+              <a:t>(</a:t>
+            </a:r>
+            <a:r>
+              <a:rPr lang="nl-NL" dirty="0" err="1"/>
+              <a:t>tidytext</a:t>
+            </a:r>
+            <a:r>
+              <a:rPr lang="nl-NL" dirty="0"/>
+              <a:t>)</a:t>
+            </a:r>
+          </a:p>
+          <a:p>
+            <a:pPr marL="0" indent="0">
+              <a:buNone/>
+            </a:pPr>
+            <a:r>
+              <a:rPr lang="nl-NL" dirty="0" err="1"/>
+              <a:t>library</a:t>
+            </a:r>
+            <a:r>
+              <a:rPr lang="nl-NL" dirty="0"/>
+              <a:t>(</a:t>
+            </a:r>
+            <a:r>
+              <a:rPr lang="nl-NL" dirty="0" err="1"/>
+              <a:t>janeaustenr</a:t>
+            </a:r>
+            <a:r>
+              <a:rPr lang="nl-NL" dirty="0"/>
+              <a:t>)</a:t>
+            </a:r>
+          </a:p>
+          <a:p>
+            <a:pPr marL="0" indent="0">
+              <a:buNone/>
+            </a:pPr>
             <a:endParaRPr lang="nl-NL" dirty="0"/>
           </a:p>
-        </p:txBody>
-      </p:sp>
-      <p:sp>
-        <p:nvSpPr>
-          <p:cNvPr id="3" name="Content Placeholder 2">
-            <a:extLst>
-              <a:ext uri="{FF2B5EF4-FFF2-40B4-BE49-F238E27FC236}">
-                <a16:creationId xmlns:a16="http://schemas.microsoft.com/office/drawing/2014/main" id="{80C450A2-2014-472C-B9EF-71DF8DB9D08A}"/>
-              </a:ext>
-            </a:extLst>
-          </p:cNvPr>
-          <p:cNvSpPr>
-            <a:spLocks noGrp="1"/>
-          </p:cNvSpPr>
-          <p:nvPr>
-            <p:ph idx="1"/>
-          </p:nvPr>
-        </p:nvSpPr>
-        <p:spPr>
-          <a:xfrm>
-            <a:off x="838200" y="1259206"/>
-            <a:ext cx="10515600" cy="5598794"/>
-          </a:xfrm>
-        </p:spPr>
-        <p:txBody>
-          <a:bodyPr>
-            <a:normAutofit fontScale="25000" lnSpcReduction="20000"/>
-          </a:bodyPr>
-          <a:lstStyle/>
-          <a:p>
-            <a:pPr marL="0" indent="0">
-              <a:buNone/>
-            </a:pPr>
-            <a:r>
-              <a:rPr lang="en-US" sz="11200" i="1" dirty="0"/>
-              <a:t>Exercise 10</a:t>
-            </a:r>
-          </a:p>
-          <a:p>
-            <a:pPr marL="0" indent="0">
-              <a:buNone/>
-            </a:pPr>
-            <a:r>
-              <a:rPr lang="en-US" sz="11200" dirty="0"/>
-              <a:t>10a. Let’s start by looking at the novels of Austen and examine first term frequency, then </a:t>
-            </a:r>
-            <a:r>
-              <a:rPr lang="en-US" sz="11200" dirty="0" err="1"/>
-              <a:t>tf-idf</a:t>
-            </a:r>
-            <a:r>
-              <a:rPr lang="en-US" sz="11200" dirty="0"/>
-              <a:t>. We can start just by using </a:t>
-            </a:r>
-            <a:r>
-              <a:rPr lang="en-US" sz="9600" dirty="0" err="1"/>
-              <a:t>dplyr</a:t>
-            </a:r>
-            <a:r>
-              <a:rPr lang="en-US" sz="11200" dirty="0"/>
-              <a:t> verbs such as </a:t>
-            </a:r>
-            <a:r>
-              <a:rPr lang="en-US" sz="9600" dirty="0" err="1"/>
-              <a:t>group_by</a:t>
-            </a:r>
-            <a:r>
-              <a:rPr lang="en-US" sz="9600" dirty="0"/>
-              <a:t>() </a:t>
-            </a:r>
-            <a:r>
-              <a:rPr lang="en-US" sz="11200" dirty="0"/>
-              <a:t>and</a:t>
-            </a:r>
-            <a:r>
-              <a:rPr lang="en-US" sz="9600" dirty="0"/>
-              <a:t> join()</a:t>
-            </a:r>
-            <a:r>
-              <a:rPr lang="en-US" sz="11200" dirty="0"/>
-              <a:t>. Can you fill in the blanks in the code below based on what you have learned so far and determine the most commonly used words in the novels? (Let’s also calculate the total words in each novel here, for later use)</a:t>
-            </a:r>
-          </a:p>
-          <a:p>
-            <a:pPr marL="0" indent="0">
-              <a:buNone/>
-            </a:pPr>
-            <a:endParaRPr lang="en-US" dirty="0"/>
-          </a:p>
-          <a:p>
-            <a:pPr marL="0" indent="0">
-              <a:buNone/>
-            </a:pPr>
-            <a:r>
-              <a:rPr lang="en-US" sz="4000" dirty="0"/>
-              <a:t>library(</a:t>
-            </a:r>
-            <a:r>
-              <a:rPr lang="en-US" sz="4000" dirty="0" err="1"/>
-              <a:t>dplyr</a:t>
-            </a:r>
-            <a:r>
-              <a:rPr lang="en-US" sz="4000" dirty="0"/>
-              <a:t>)</a:t>
-            </a:r>
-          </a:p>
-          <a:p>
-            <a:pPr marL="0" indent="0">
-              <a:buNone/>
-            </a:pPr>
-            <a:r>
-              <a:rPr lang="en-US" sz="4000" dirty="0"/>
-              <a:t>library(</a:t>
-            </a:r>
-            <a:r>
-              <a:rPr lang="en-US" sz="4000" dirty="0" err="1"/>
-              <a:t>janeaustenr</a:t>
-            </a:r>
-            <a:r>
-              <a:rPr lang="en-US" sz="4000" dirty="0"/>
-              <a:t>)</a:t>
-            </a:r>
-          </a:p>
-          <a:p>
-            <a:pPr marL="0" indent="0">
-              <a:buNone/>
-            </a:pPr>
-            <a:r>
-              <a:rPr lang="en-US" sz="4000" dirty="0"/>
-              <a:t>library(</a:t>
-            </a:r>
-            <a:r>
-              <a:rPr lang="en-US" sz="4000" dirty="0" err="1"/>
-              <a:t>tidytext</a:t>
-            </a:r>
-            <a:r>
-              <a:rPr lang="en-US" sz="4000" dirty="0"/>
-              <a:t>)</a:t>
-            </a:r>
-          </a:p>
-          <a:p>
-            <a:pPr marL="0" indent="0">
-              <a:buNone/>
-            </a:pPr>
-            <a:endParaRPr lang="en-US" sz="4000" dirty="0"/>
-          </a:p>
-          <a:p>
-            <a:pPr marL="0" indent="0">
-              <a:buNone/>
-            </a:pPr>
-            <a:r>
-              <a:rPr lang="en-US" sz="4000" dirty="0" err="1"/>
-              <a:t>book_words</a:t>
-            </a:r>
-            <a:r>
-              <a:rPr lang="en-US" sz="4000" dirty="0"/>
+          <a:p>
+            <a:pPr marL="0" indent="0">
+              <a:buNone/>
+            </a:pPr>
+            <a:r>
+              <a:rPr lang="nl-NL" dirty="0" err="1"/>
+              <a:t>austen_bigrams</a:t>
+            </a:r>
+            <a:r>
+              <a:rPr lang="nl-NL" dirty="0"/>
               <a:t> &lt;- </a:t>
             </a:r>
             <a:r>
-              <a:rPr lang="en-US" sz="4000" dirty="0" err="1"/>
+              <a:rPr lang="nl-NL" dirty="0" err="1"/>
               <a:t>austen_books</a:t>
             </a:r>
             <a:r>
-              <a:rPr lang="en-US" sz="4000" dirty="0"/>
+              <a:rPr lang="nl-NL" dirty="0"/>
               <a:t>() %&gt;%</a:t>
             </a:r>
           </a:p>
@@ -3897,84 +5075,27 @@
               <a:buNone/>
             </a:pPr>
             <a:r>
-              <a:rPr lang="en-US" sz="4000" dirty="0"/>
+              <a:rPr lang="nl-NL" dirty="0"/>
               <a:t>  </a:t>
             </a:r>
             <a:r>
-              <a:rPr lang="en-US" sz="4000" dirty="0" err="1"/>
+              <a:rPr lang="nl-NL" dirty="0" err="1"/>
               <a:t>unnest_tokens</a:t>
             </a:r>
             <a:r>
-              <a:rPr lang="en-US" sz="4000" dirty="0"/>
-              <a:t>(</a:t>
-            </a:r>
-            <a:r>
-              <a:rPr lang="en-US" sz="4000" b="1" dirty="0">
-                <a:solidFill>
-                  <a:srgbClr val="FF0000"/>
-                </a:solidFill>
-              </a:rPr>
-              <a:t>???,???</a:t>
-            </a:r>
-            <a:r>
-              <a:rPr lang="en-US" sz="4000" dirty="0"/>
-              <a:t>) %&gt;%</a:t>
-            </a:r>
-          </a:p>
-          <a:p>
-            <a:pPr marL="0" indent="0">
-              <a:buNone/>
-            </a:pPr>
-            <a:r>
-              <a:rPr lang="en-US" sz="4000" dirty="0"/>
-              <a:t>  count(book, word, sort = TRUE)</a:t>
-            </a:r>
-          </a:p>
-          <a:p>
-            <a:pPr marL="0" indent="0">
-              <a:buNone/>
-            </a:pPr>
-            <a:endParaRPr lang="en-US" sz="4000" dirty="0"/>
-          </a:p>
-          <a:p>
-            <a:pPr marL="0" indent="0">
-              <a:buNone/>
-            </a:pPr>
-            <a:r>
-              <a:rPr lang="en-US" sz="4000" dirty="0" err="1"/>
-              <a:t>total_words</a:t>
-            </a:r>
-            <a:r>
-              <a:rPr lang="en-US" sz="4000" dirty="0"/>
-              <a:t> &lt;- </a:t>
-            </a:r>
-            <a:r>
-              <a:rPr lang="en-US" sz="4000" dirty="0" err="1"/>
-              <a:t>book_words</a:t>
-            </a:r>
-            <a:r>
-              <a:rPr lang="en-US" sz="4000" dirty="0"/>
-              <a:t> %&gt;% </a:t>
-            </a:r>
-          </a:p>
-          <a:p>
-            <a:pPr marL="0" indent="0">
-              <a:buNone/>
-            </a:pPr>
-            <a:r>
-              <a:rPr lang="en-US" sz="4000" dirty="0"/>
-              <a:t>  </a:t>
-            </a:r>
-            <a:r>
-              <a:rPr lang="en-US" sz="4000" dirty="0" err="1"/>
-              <a:t>group_by</a:t>
-            </a:r>
-            <a:r>
-              <a:rPr lang="en-US" sz="4000" dirty="0"/>
-              <a:t>(</a:t>
-            </a:r>
-            <a:r>
-              <a:rPr lang="en-US" sz="4000" b="1" dirty="0">
+              <a:rPr lang="nl-NL" dirty="0"/>
+              <a:t>(bigram, </a:t>
+            </a:r>
+            <a:r>
+              <a:rPr lang="nl-NL" dirty="0" err="1"/>
+              <a:t>text</a:t>
+            </a:r>
+            <a:r>
+              <a:rPr lang="nl-NL" dirty="0"/>
+              <a:t>, </a:t>
+            </a:r>
+            <a:r>
+              <a:rPr lang="nl-NL" b="1" dirty="0">
                 <a:solidFill>
                   <a:srgbClr val="FF0000"/>
                 </a:solidFill>
@@ -3982,59 +5103,27 @@
               <a:t>???</a:t>
             </a:r>
             <a:r>
-              <a:rPr lang="en-US" sz="4000" dirty="0"/>
-              <a:t>) %&gt;% </a:t>
-            </a:r>
-          </a:p>
-          <a:p>
-            <a:pPr marL="0" indent="0">
-              <a:buNone/>
-            </a:pPr>
-            <a:r>
-              <a:rPr lang="en-US" sz="4000" dirty="0"/>
-              <a:t>  summarize(total = sum(n))</a:t>
-            </a:r>
-          </a:p>
-          <a:p>
-            <a:pPr marL="0" indent="0">
-              <a:buNone/>
-            </a:pPr>
-            <a:endParaRPr lang="en-US" sz="4000" dirty="0"/>
-          </a:p>
-          <a:p>
-            <a:pPr marL="0" indent="0">
-              <a:buNone/>
-            </a:pPr>
-            <a:r>
-              <a:rPr lang="en-US" sz="4000" dirty="0" err="1"/>
-              <a:t>book_words</a:t>
-            </a:r>
-            <a:r>
-              <a:rPr lang="en-US" sz="4000" dirty="0"/>
-              <a:t> &lt;- </a:t>
-            </a:r>
-            <a:r>
-              <a:rPr lang="en-US" sz="4000" dirty="0" err="1"/>
-              <a:t>left_join</a:t>
-            </a:r>
-            <a:r>
-              <a:rPr lang="en-US" sz="4000" dirty="0"/>
-              <a:t>(</a:t>
-            </a:r>
-            <a:r>
-              <a:rPr lang="en-US" sz="4000" dirty="0" err="1"/>
-              <a:t>book_words</a:t>
-            </a:r>
-            <a:r>
-              <a:rPr lang="en-US" sz="4000" dirty="0"/>
-              <a:t>, </a:t>
-            </a:r>
-            <a:r>
-              <a:rPr lang="en-US" sz="4000" dirty="0" err="1"/>
-              <a:t>total_words</a:t>
-            </a:r>
-            <a:r>
-              <a:rPr lang="en-US" sz="4000" dirty="0"/>
+              <a:rPr lang="nl-NL" dirty="0"/>
+              <a:t> = "</a:t>
+            </a:r>
+            <a:r>
+              <a:rPr lang="nl-NL" dirty="0" err="1"/>
+              <a:t>ngrams</a:t>
+            </a:r>
+            <a:r>
+              <a:rPr lang="nl-NL" dirty="0"/>
+              <a:t>", n = </a:t>
+            </a:r>
+            <a:r>
+              <a:rPr lang="nl-NL" b="1" dirty="0">
+                <a:solidFill>
+                  <a:srgbClr val="FF0000"/>
+                </a:solidFill>
+              </a:rPr>
+              <a:t>?</a:t>
+            </a:r>
+            <a:r>
+              <a:rPr lang="nl-NL" dirty="0"/>
               <a:t>)</a:t>
             </a:r>
           </a:p>
@@ -4042,24 +5131,18 @@
             <a:pPr marL="0" indent="0">
               <a:buNone/>
             </a:pPr>
-            <a:endParaRPr lang="en-US" sz="4000" dirty="0"/>
-          </a:p>
-          <a:p>
-            <a:pPr marL="0" indent="0">
-              <a:buNone/>
-            </a:pPr>
-            <a:r>
-              <a:rPr lang="en-US" sz="4000" dirty="0" err="1"/>
-              <a:t>book_words</a:t>
-            </a:r>
-            <a:endParaRPr lang="en-US" sz="4000" dirty="0"/>
-          </a:p>
-          <a:p>
-            <a:pPr marL="0" indent="0">
-              <a:buNone/>
-            </a:pPr>
             <a:endParaRPr lang="nl-NL" dirty="0"/>
           </a:p>
+          <a:p>
+            <a:pPr marL="0" indent="0">
+              <a:buNone/>
+            </a:pPr>
+            <a:r>
+              <a:rPr lang="nl-NL" dirty="0" err="1"/>
+              <a:t>austen_bigrams</a:t>
+            </a:r>
+            <a:endParaRPr lang="nl-NL" dirty="0"/>
+          </a:p>
         </p:txBody>
       </p:sp>
       <p:sp>
@@ -4067,7 +5150,7 @@
           <p:cNvPr id="4" name="TextBox 3">
             <a:extLst>
               <a:ext uri="{FF2B5EF4-FFF2-40B4-BE49-F238E27FC236}">
-                <a16:creationId xmlns:a16="http://schemas.microsoft.com/office/drawing/2014/main" id="{48411BBE-1A96-4113-AD72-AA748A94ACF6}"/>
+                <a16:creationId xmlns:a16="http://schemas.microsoft.com/office/drawing/2014/main" id="{2CF4C68B-7D5A-4AF1-B0D3-DB0E92E0FD2A}"/>
               </a:ext>
             </a:extLst>
           </p:cNvPr>
@@ -4076,8 +5159,8 @@
         </p:nvSpPr>
         <p:spPr>
           <a:xfrm>
-            <a:off x="4724400" y="4058603"/>
-            <a:ext cx="1910080" cy="1754326"/>
+            <a:off x="7477760" y="3576320"/>
+            <a:ext cx="1442720" cy="1477328"/>
           </a:xfrm>
           <a:prstGeom prst="rect">
             <a:avLst/>
@@ -4103,7 +5186,7 @@
             </a:r>
             <a:r>
               <a:rPr lang="en-US" dirty="0"/>
-              <a:t>Now have a look at your output. What strikes you in the data your </a:t>
+              <a:t>What do you notice about the bigrams in your </a:t>
             </a:r>
             <a:r>
               <a:rPr lang="en-US" dirty="0" err="1"/>
@@ -4111,7 +5194,7 @@
             </a:r>
             <a:r>
               <a:rPr lang="en-US" dirty="0"/>
-              <a:t> presents?</a:t>
+              <a:t>?</a:t>
             </a:r>
             <a:endParaRPr lang="nl-NL" dirty="0"/>
           </a:p>
@@ -4120,7 +5203,7 @@
     </p:spTree>
     <p:extLst>
       <p:ext uri="{BB962C8B-B14F-4D97-AF65-F5344CB8AC3E}">
-        <p14:creationId xmlns:p14="http://schemas.microsoft.com/office/powerpoint/2010/main" val="1197632519"/>
+        <p14:creationId xmlns:p14="http://schemas.microsoft.com/office/powerpoint/2010/main" val="3413793162"/>
       </p:ext>
     </p:extLst>
   </p:cSld>
@@ -4152,7 +5235,7 @@
           <p:cNvPr id="2" name="Title 1">
             <a:extLst>
               <a:ext uri="{FF2B5EF4-FFF2-40B4-BE49-F238E27FC236}">
-                <a16:creationId xmlns:a16="http://schemas.microsoft.com/office/drawing/2014/main" id="{7030F1D6-5709-4F69-A16D-09C4A35378C2}"/>
+                <a16:creationId xmlns:a16="http://schemas.microsoft.com/office/drawing/2014/main" id="{7C9EE551-BACD-424D-89B9-52B099EFF365}"/>
               </a:ext>
             </a:extLst>
           </p:cNvPr>
@@ -4169,10 +5252,37 @@
           <a:lstStyle/>
           <a:p>
             <a:r>
-              <a:rPr lang="en-US" dirty="0"/>
-              <a:t>Term frequency in Austen’s novels III</a:t>
-            </a:r>
-            <a:endParaRPr lang="nl-NL" dirty="0"/>
+              <a:rPr lang="nl-NL" dirty="0" err="1"/>
+              <a:t>Tokenizing</a:t>
+            </a:r>
+            <a:r>
+              <a:rPr lang="nl-NL" dirty="0"/>
+              <a:t> </a:t>
+            </a:r>
+            <a:r>
+              <a:rPr lang="nl-NL" dirty="0" err="1"/>
+              <a:t>Austen’s</a:t>
+            </a:r>
+            <a:r>
+              <a:rPr lang="nl-NL" dirty="0"/>
+              <a:t> </a:t>
+            </a:r>
+            <a:r>
+              <a:rPr lang="nl-NL" dirty="0" err="1"/>
+              <a:t>novels</a:t>
+            </a:r>
+            <a:r>
+              <a:rPr lang="nl-NL" dirty="0"/>
+              <a:t> </a:t>
+            </a:r>
+            <a:r>
+              <a:rPr lang="nl-NL" dirty="0" err="1"/>
+              <a:t>by</a:t>
+            </a:r>
+            <a:r>
+              <a:rPr lang="nl-NL" dirty="0"/>
+              <a:t> n-gram III</a:t>
+            </a:r>
           </a:p>
         </p:txBody>
       </p:sp>
@@ -4181,7 +5291,7 @@
           <p:cNvPr id="3" name="Content Placeholder 2">
             <a:extLst>
               <a:ext uri="{FF2B5EF4-FFF2-40B4-BE49-F238E27FC236}">
-                <a16:creationId xmlns:a16="http://schemas.microsoft.com/office/drawing/2014/main" id="{CEFAD899-1694-4265-8EE4-1A41D548FBA8}"/>
+                <a16:creationId xmlns:a16="http://schemas.microsoft.com/office/drawing/2014/main" id="{988ADB80-27EC-48A3-BD1D-25FF1048BB9E}"/>
               </a:ext>
             </a:extLst>
           </p:cNvPr>
@@ -4195,7 +5305,7 @@
         <p:spPr/>
         <p:txBody>
           <a:bodyPr>
-            <a:normAutofit fontScale="92500" lnSpcReduction="10000"/>
+            <a:normAutofit/>
           </a:bodyPr>
           <a:lstStyle/>
           <a:p>
@@ -4204,235 +5314,128 @@
             </a:pPr>
             <a:r>
               <a:rPr lang="en-US" dirty="0"/>
-              <a:t>10b. Now let’s plot the distribution of n/total = the number of times a word is used in a book/the total words in that book. Do you remember what package to call on to plot this distribution?</a:t>
-            </a:r>
-          </a:p>
-          <a:p>
-            <a:pPr marL="0" indent="0">
-              <a:buNone/>
-            </a:pPr>
-            <a:endParaRPr lang="en-US" dirty="0"/>
-          </a:p>
-          <a:p>
-            <a:pPr marL="0" indent="0">
-              <a:buNone/>
-            </a:pPr>
-            <a:r>
-              <a:rPr lang="nl-NL" dirty="0" err="1"/>
-              <a:t>library</a:t>
-            </a:r>
-            <a:r>
-              <a:rPr lang="nl-NL" dirty="0"/>
-              <a:t>(</a:t>
-            </a:r>
-            <a:r>
-              <a:rPr lang="nl-NL" b="1" dirty="0">
-                <a:solidFill>
-                  <a:srgbClr val="FF0000"/>
-                </a:solidFill>
-              </a:rPr>
-              <a:t>???</a:t>
-            </a:r>
-            <a:r>
-              <a:rPr lang="nl-NL" dirty="0"/>
-              <a:t>)</a:t>
-            </a:r>
-          </a:p>
-          <a:p>
-            <a:pPr marL="0" indent="0">
-              <a:buNone/>
-            </a:pPr>
-            <a:endParaRPr lang="nl-NL" dirty="0"/>
-          </a:p>
-          <a:p>
-            <a:pPr marL="0" indent="0">
-              <a:buNone/>
-            </a:pPr>
-            <a:r>
-              <a:rPr lang="nl-NL" dirty="0" err="1"/>
-              <a:t>ggplot</a:t>
-            </a:r>
-            <a:r>
-              <a:rPr lang="nl-NL" dirty="0"/>
-              <a:t>(</a:t>
-            </a:r>
-            <a:r>
-              <a:rPr lang="nl-NL" dirty="0" err="1"/>
-              <a:t>book_words</a:t>
-            </a:r>
-            <a:r>
-              <a:rPr lang="nl-NL" dirty="0"/>
-              <a:t>, </a:t>
-            </a:r>
-            <a:r>
-              <a:rPr lang="nl-NL" dirty="0" err="1"/>
-              <a:t>aes</a:t>
-            </a:r>
-            <a:r>
-              <a:rPr lang="nl-NL" dirty="0"/>
-              <a:t>(n/</a:t>
-            </a:r>
-            <a:r>
-              <a:rPr lang="nl-NL" dirty="0" err="1"/>
-              <a:t>total</a:t>
-            </a:r>
-            <a:r>
-              <a:rPr lang="nl-NL" dirty="0"/>
-              <a:t>, </a:t>
-            </a:r>
-            <a:r>
-              <a:rPr lang="nl-NL" dirty="0" err="1"/>
-              <a:t>fill</a:t>
-            </a:r>
-            <a:r>
-              <a:rPr lang="nl-NL" dirty="0"/>
-              <a:t> = </a:t>
-            </a:r>
-            <a:r>
-              <a:rPr lang="nl-NL" dirty="0" err="1"/>
-              <a:t>book</a:t>
-            </a:r>
-            <a:r>
-              <a:rPr lang="nl-NL" dirty="0"/>
-              <a:t>)) +</a:t>
-            </a:r>
-          </a:p>
-          <a:p>
-            <a:pPr marL="0" indent="0">
-              <a:buNone/>
-            </a:pPr>
-            <a:r>
-              <a:rPr lang="nl-NL" dirty="0"/>
-              <a:t>  </a:t>
-            </a:r>
-            <a:r>
-              <a:rPr lang="nl-NL" dirty="0" err="1"/>
-              <a:t>geom_histogram</a:t>
-            </a:r>
-            <a:r>
-              <a:rPr lang="nl-NL" dirty="0"/>
-              <a:t>(</a:t>
-            </a:r>
-            <a:r>
-              <a:rPr lang="nl-NL" dirty="0" err="1"/>
-              <a:t>show.legend</a:t>
-            </a:r>
-            <a:r>
-              <a:rPr lang="nl-NL" dirty="0"/>
-              <a:t> = FALSE) +</a:t>
-            </a:r>
-          </a:p>
-          <a:p>
-            <a:pPr marL="0" indent="0">
-              <a:buNone/>
-            </a:pPr>
-            <a:r>
-              <a:rPr lang="nl-NL" dirty="0"/>
-              <a:t>  </a:t>
-            </a:r>
-            <a:r>
-              <a:rPr lang="nl-NL" dirty="0" err="1"/>
-              <a:t>xlim</a:t>
-            </a:r>
-            <a:r>
-              <a:rPr lang="nl-NL" dirty="0"/>
-              <a:t>(NA, 0.0009) +</a:t>
-            </a:r>
-          </a:p>
-          <a:p>
-            <a:pPr marL="0" indent="0">
-              <a:buNone/>
-            </a:pPr>
-            <a:r>
-              <a:rPr lang="nl-NL" dirty="0"/>
-              <a:t>  </a:t>
-            </a:r>
-            <a:r>
-              <a:rPr lang="nl-NL" dirty="0" err="1"/>
-              <a:t>facet_wrap</a:t>
-            </a:r>
-            <a:r>
-              <a:rPr lang="nl-NL" dirty="0"/>
-              <a:t>(~</a:t>
-            </a:r>
-            <a:r>
-              <a:rPr lang="nl-NL" dirty="0" err="1"/>
-              <a:t>book</a:t>
-            </a:r>
-            <a:r>
-              <a:rPr lang="nl-NL" dirty="0"/>
-              <a:t>, </a:t>
-            </a:r>
-            <a:r>
-              <a:rPr lang="nl-NL" dirty="0" err="1"/>
-              <a:t>ncol</a:t>
-            </a:r>
-            <a:r>
-              <a:rPr lang="nl-NL" dirty="0"/>
-              <a:t> = 2, </a:t>
-            </a:r>
-            <a:r>
-              <a:rPr lang="nl-NL" dirty="0" err="1"/>
-              <a:t>scales</a:t>
-            </a:r>
-            <a:r>
-              <a:rPr lang="nl-NL" dirty="0"/>
-              <a:t> = "</a:t>
-            </a:r>
-            <a:r>
-              <a:rPr lang="nl-NL" dirty="0" err="1"/>
-              <a:t>free_y</a:t>
-            </a:r>
-            <a:r>
-              <a:rPr lang="nl-NL" dirty="0"/>
-              <a:t>")</a:t>
-            </a:r>
-          </a:p>
-        </p:txBody>
-      </p:sp>
-      <p:sp>
-        <p:nvSpPr>
-          <p:cNvPr id="4" name="TextBox 3">
-            <a:extLst>
-              <a:ext uri="{FF2B5EF4-FFF2-40B4-BE49-F238E27FC236}">
-                <a16:creationId xmlns:a16="http://schemas.microsoft.com/office/drawing/2014/main" id="{02B9B293-F7C4-4E0B-82F3-601443D87DCA}"/>
-              </a:ext>
-            </a:extLst>
-          </p:cNvPr>
-          <p:cNvSpPr txBox="1"/>
-          <p:nvPr/>
-        </p:nvSpPr>
-        <p:spPr>
-          <a:xfrm>
-            <a:off x="8194040" y="3591640"/>
-            <a:ext cx="1818640" cy="2585323"/>
-          </a:xfrm>
-          <a:prstGeom prst="rect">
-            <a:avLst/>
-          </a:prstGeom>
-          <a:noFill/>
-          <a:ln w="28575">
-            <a:solidFill>
-              <a:srgbClr val="00B0F0"/>
-            </a:solidFill>
-          </a:ln>
-        </p:spPr>
-        <p:txBody>
-          <a:bodyPr wrap="square" rtlCol="0">
-            <a:spAutoFit/>
-          </a:bodyPr>
-          <a:lstStyle/>
-          <a:p>
+              <a:t>11b. When we count our bigrams using </a:t>
+            </a:r>
+            <a:r>
+              <a:rPr lang="en-US" dirty="0" err="1"/>
+              <a:t>dlpyr’s</a:t>
+            </a:r>
+            <a:r>
+              <a:rPr lang="en-US" dirty="0"/>
+              <a:t> </a:t>
+            </a:r>
+            <a:r>
+              <a:rPr lang="en-US" sz="2400" dirty="0"/>
+              <a:t>count(), </a:t>
+            </a:r>
+            <a:r>
+              <a:rPr lang="en-US" dirty="0"/>
+              <a:t>we see that a lot of the most common bigrams are pairs of common words, like stop words. Run this code and you’ll see…</a:t>
+            </a:r>
+          </a:p>
+          <a:p>
+            <a:pPr marL="0" indent="0">
+              <a:buNone/>
+            </a:pPr>
+            <a:r>
+              <a:rPr lang="en-US" sz="1800" dirty="0" err="1"/>
+              <a:t>austen_bigrams</a:t>
+            </a:r>
+            <a:r>
+              <a:rPr lang="en-US" sz="1800" dirty="0"/>
+              <a:t> %&gt;%</a:t>
+            </a:r>
+          </a:p>
+          <a:p>
+            <a:pPr marL="0" indent="0">
+              <a:buNone/>
+            </a:pPr>
+            <a:r>
+              <a:rPr lang="en-US" sz="1800" dirty="0"/>
+              <a:t>  count(bigram, sort = TRUE)</a:t>
+            </a:r>
+          </a:p>
+          <a:p>
+            <a:pPr marL="0" indent="0">
+              <a:buNone/>
+            </a:pPr>
+            <a:endParaRPr lang="en-US" sz="1800" dirty="0"/>
+          </a:p>
+          <a:p>
+            <a:pPr marL="0" indent="0">
+              <a:buNone/>
+            </a:pPr>
+            <a:r>
+              <a:rPr lang="en-US" dirty="0"/>
+              <a:t>We are of course not only interested in the stop word bigrams. So let’s filter our n-grams with </a:t>
+            </a:r>
+            <a:r>
+              <a:rPr lang="en-US" dirty="0" err="1"/>
+              <a:t>tidyr’s</a:t>
+            </a:r>
+            <a:r>
+              <a:rPr lang="en-US" dirty="0"/>
+              <a:t> </a:t>
+            </a:r>
+            <a:r>
+              <a:rPr lang="en-US" sz="2400" dirty="0"/>
+              <a:t>separate() </a:t>
+            </a:r>
+            <a:r>
+              <a:rPr lang="en-US" dirty="0"/>
+              <a:t>and remove cases where either word is a stop word. </a:t>
+            </a:r>
+          </a:p>
+          <a:p>
+            <a:pPr marL="0" indent="0" algn="r">
+              <a:buNone/>
+            </a:pPr>
+            <a:r>
+              <a:rPr lang="en-US" dirty="0"/>
+              <a:t>Run it! </a:t>
+            </a:r>
             <a:r>
               <a:rPr lang="en-US" dirty="0">
                 <a:sym typeface="Wingdings" panose="05000000000000000000" pitchFamily="2" charset="2"/>
               </a:rPr>
-              <a:t> </a:t>
-            </a:r>
-            <a:r>
-              <a:rPr lang="en-US" dirty="0"/>
-              <a:t>Does the distribution of term frequency differ greatly per novel or is it quite similar? How would you interpret the plots?</a:t>
-            </a:r>
+              <a:t></a:t>
+            </a:r>
+            <a:endParaRPr lang="en-US" dirty="0"/>
+          </a:p>
+          <a:p>
+            <a:pPr marL="0" indent="0">
+              <a:buNone/>
+            </a:pPr>
+            <a:endParaRPr lang="en-US" dirty="0"/>
+          </a:p>
+          <a:p>
+            <a:pPr marL="0" indent="0">
+              <a:buNone/>
+            </a:pPr>
+            <a:endParaRPr lang="en-US" dirty="0"/>
+          </a:p>
+          <a:p>
+            <a:pPr marL="0" indent="0">
+              <a:buNone/>
+            </a:pPr>
+            <a:endParaRPr lang="en-US" sz="1800" dirty="0"/>
+          </a:p>
+          <a:p>
+            <a:pPr marL="0" indent="0">
+              <a:buNone/>
+            </a:pPr>
+            <a:endParaRPr lang="en-US" sz="1800" dirty="0"/>
+          </a:p>
+          <a:p>
+            <a:pPr marL="0" indent="0">
+              <a:buNone/>
+            </a:pPr>
+            <a:endParaRPr lang="en-US" sz="1800" dirty="0"/>
+          </a:p>
+          <a:p>
+            <a:pPr marL="0" indent="0">
+              <a:buNone/>
+            </a:pPr>
             <a:endParaRPr lang="nl-NL" dirty="0"/>
           </a:p>
         </p:txBody>
@@ -4440,7 +5443,7 @@
     </p:spTree>
     <p:extLst>
       <p:ext uri="{BB962C8B-B14F-4D97-AF65-F5344CB8AC3E}">
-        <p14:creationId xmlns:p14="http://schemas.microsoft.com/office/powerpoint/2010/main" val="21575505"/>
+        <p14:creationId xmlns:p14="http://schemas.microsoft.com/office/powerpoint/2010/main" val="1545764936"/>
       </p:ext>
     </p:extLst>
   </p:cSld>
@@ -4472,7 +5475,7 @@
           <p:cNvPr id="2" name="Title 1">
             <a:extLst>
               <a:ext uri="{FF2B5EF4-FFF2-40B4-BE49-F238E27FC236}">
-                <a16:creationId xmlns:a16="http://schemas.microsoft.com/office/drawing/2014/main" id="{ADE64838-4E84-462D-9C17-C76C5ACCBC61}"/>
+                <a16:creationId xmlns:a16="http://schemas.microsoft.com/office/drawing/2014/main" id="{67E81465-DAAF-4BA3-A2D1-5E8D88235ED3}"/>
               </a:ext>
             </a:extLst>
           </p:cNvPr>
@@ -4482,291 +5485,270 @@
           <p:nvPr>
             <p:ph type="title"/>
           </p:nvPr>
+        </p:nvSpPr>
+        <p:spPr/>
+        <p:txBody>
+          <a:bodyPr/>
+          <a:lstStyle/>
+          <a:p>
+            <a:r>
+              <a:rPr lang="nl-NL" dirty="0" err="1"/>
+              <a:t>Tokenizing</a:t>
+            </a:r>
+            <a:r>
+              <a:rPr lang="nl-NL" dirty="0"/>
+              <a:t> </a:t>
+            </a:r>
+            <a:r>
+              <a:rPr lang="nl-NL" dirty="0" err="1"/>
+              <a:t>Austen’s</a:t>
+            </a:r>
+            <a:r>
+              <a:rPr lang="nl-NL" dirty="0"/>
+              <a:t> </a:t>
+            </a:r>
+            <a:r>
+              <a:rPr lang="nl-NL" dirty="0" err="1"/>
+              <a:t>novels</a:t>
+            </a:r>
+            <a:r>
+              <a:rPr lang="nl-NL" dirty="0"/>
+              <a:t> </a:t>
+            </a:r>
+            <a:r>
+              <a:rPr lang="nl-NL" dirty="0" err="1"/>
+              <a:t>by</a:t>
+            </a:r>
+            <a:r>
+              <a:rPr lang="nl-NL" dirty="0"/>
+              <a:t> n-gram IV</a:t>
+            </a:r>
+          </a:p>
+        </p:txBody>
+      </p:sp>
+      <p:sp>
+        <p:nvSpPr>
+          <p:cNvPr id="3" name="Content Placeholder 2">
+            <a:extLst>
+              <a:ext uri="{FF2B5EF4-FFF2-40B4-BE49-F238E27FC236}">
+                <a16:creationId xmlns:a16="http://schemas.microsoft.com/office/drawing/2014/main" id="{547BEF91-22D1-47CA-BDEA-8FFCA1F3DF19}"/>
+              </a:ext>
+            </a:extLst>
+          </p:cNvPr>
+          <p:cNvSpPr>
+            <a:spLocks noGrp="1"/>
+          </p:cNvSpPr>
+          <p:nvPr>
+            <p:ph idx="1"/>
+          </p:nvPr>
+        </p:nvSpPr>
+        <p:spPr/>
+        <p:txBody>
+          <a:bodyPr>
+            <a:normAutofit fontScale="55000" lnSpcReduction="20000"/>
+          </a:bodyPr>
+          <a:lstStyle/>
+          <a:p>
+            <a:pPr marL="0" indent="0">
+              <a:buNone/>
+            </a:pPr>
+            <a:r>
+              <a:rPr lang="en-US" dirty="0"/>
+              <a:t>library(</a:t>
+            </a:r>
+            <a:r>
+              <a:rPr lang="en-US" dirty="0" err="1"/>
+              <a:t>tidyr</a:t>
+            </a:r>
+            <a:r>
+              <a:rPr lang="en-US" dirty="0"/>
+              <a:t>)</a:t>
+            </a:r>
+          </a:p>
+          <a:p>
+            <a:pPr marL="0" indent="0">
+              <a:buNone/>
+            </a:pPr>
+            <a:endParaRPr lang="en-US" dirty="0"/>
+          </a:p>
+          <a:p>
+            <a:pPr marL="0" indent="0">
+              <a:buNone/>
+            </a:pPr>
+            <a:r>
+              <a:rPr lang="en-US" dirty="0" err="1"/>
+              <a:t>bigrams_separated</a:t>
+            </a:r>
+            <a:r>
+              <a:rPr lang="en-US" dirty="0"/>
+              <a:t> &lt;- </a:t>
+            </a:r>
+            <a:r>
+              <a:rPr lang="en-US" dirty="0" err="1"/>
+              <a:t>austen_bigrams</a:t>
+            </a:r>
+            <a:r>
+              <a:rPr lang="en-US" dirty="0"/>
+              <a:t> %&gt;%</a:t>
+            </a:r>
+          </a:p>
+          <a:p>
+            <a:pPr marL="0" indent="0">
+              <a:buNone/>
+            </a:pPr>
+            <a:r>
+              <a:rPr lang="en-US" dirty="0"/>
+              <a:t>  separate(bigram, c("word1", "word2"), </a:t>
+            </a:r>
+            <a:r>
+              <a:rPr lang="en-US" dirty="0" err="1"/>
+              <a:t>sep</a:t>
+            </a:r>
+            <a:r>
+              <a:rPr lang="en-US" dirty="0"/>
+              <a:t> = " ")</a:t>
+            </a:r>
+          </a:p>
+          <a:p>
+            <a:pPr marL="0" indent="0">
+              <a:buNone/>
+            </a:pPr>
+            <a:endParaRPr lang="en-US" dirty="0"/>
+          </a:p>
+          <a:p>
+            <a:pPr marL="0" indent="0">
+              <a:buNone/>
+            </a:pPr>
+            <a:r>
+              <a:rPr lang="en-US" dirty="0" err="1"/>
+              <a:t>bigrams_filtered</a:t>
+            </a:r>
+            <a:r>
+              <a:rPr lang="en-US" dirty="0"/>
+              <a:t> &lt;- </a:t>
+            </a:r>
+            <a:r>
+              <a:rPr lang="en-US" dirty="0" err="1"/>
+              <a:t>bigrams_separated</a:t>
+            </a:r>
+            <a:r>
+              <a:rPr lang="en-US" dirty="0"/>
+              <a:t> %&gt;%</a:t>
+            </a:r>
+          </a:p>
+          <a:p>
+            <a:pPr marL="0" indent="0">
+              <a:buNone/>
+            </a:pPr>
+            <a:r>
+              <a:rPr lang="en-US" dirty="0"/>
+              <a:t>  filter(!word1 %in% </a:t>
+            </a:r>
+            <a:r>
+              <a:rPr lang="en-US" dirty="0" err="1"/>
+              <a:t>stop_words$word</a:t>
+            </a:r>
+            <a:r>
+              <a:rPr lang="en-US" dirty="0"/>
+              <a:t>) %&gt;%</a:t>
+            </a:r>
+          </a:p>
+          <a:p>
+            <a:pPr marL="0" indent="0">
+              <a:buNone/>
+            </a:pPr>
+            <a:r>
+              <a:rPr lang="en-US" dirty="0"/>
+              <a:t>  filter(!word2 %in% </a:t>
+            </a:r>
+            <a:r>
+              <a:rPr lang="en-US" dirty="0" err="1"/>
+              <a:t>stop_words$word</a:t>
+            </a:r>
+            <a:r>
+              <a:rPr lang="en-US" dirty="0"/>
+              <a:t>)</a:t>
+            </a:r>
+          </a:p>
+          <a:p>
+            <a:pPr marL="0" indent="0">
+              <a:buNone/>
+            </a:pPr>
+            <a:endParaRPr lang="en-US" dirty="0"/>
+          </a:p>
+          <a:p>
+            <a:pPr marL="0" indent="0">
+              <a:buNone/>
+            </a:pPr>
+            <a:r>
+              <a:rPr lang="en-US" dirty="0"/>
+              <a:t># new bigram counts:</a:t>
+            </a:r>
+          </a:p>
+          <a:p>
+            <a:pPr marL="0" indent="0">
+              <a:buNone/>
+            </a:pPr>
+            <a:r>
+              <a:rPr lang="en-US" dirty="0" err="1"/>
+              <a:t>bigram_counts</a:t>
+            </a:r>
+            <a:r>
+              <a:rPr lang="en-US" dirty="0"/>
+              <a:t> &lt;- </a:t>
+            </a:r>
+            <a:r>
+              <a:rPr lang="en-US" dirty="0" err="1"/>
+              <a:t>bigrams_filtered</a:t>
+            </a:r>
+            <a:r>
+              <a:rPr lang="en-US" dirty="0"/>
+              <a:t> %&gt;% </a:t>
+            </a:r>
+          </a:p>
+          <a:p>
+            <a:pPr marL="0" indent="0">
+              <a:buNone/>
+            </a:pPr>
+            <a:r>
+              <a:rPr lang="en-US" dirty="0"/>
+              <a:t>  count(word1, word2, sort = TRUE)</a:t>
+            </a:r>
+          </a:p>
+          <a:p>
+            <a:pPr marL="0" indent="0">
+              <a:buNone/>
+            </a:pPr>
+            <a:endParaRPr lang="en-US" dirty="0"/>
+          </a:p>
+          <a:p>
+            <a:pPr marL="0" indent="0">
+              <a:buNone/>
+            </a:pPr>
+            <a:r>
+              <a:rPr lang="en-US" dirty="0" err="1"/>
+              <a:t>bigram_counts</a:t>
+            </a:r>
+            <a:endParaRPr lang="nl-NL" dirty="0"/>
+          </a:p>
+        </p:txBody>
+      </p:sp>
+      <p:sp>
+        <p:nvSpPr>
+          <p:cNvPr id="4" name="TextBox 3">
+            <a:extLst>
+              <a:ext uri="{FF2B5EF4-FFF2-40B4-BE49-F238E27FC236}">
+                <a16:creationId xmlns:a16="http://schemas.microsoft.com/office/drawing/2014/main" id="{277652E0-17AC-4462-ACCB-EF27BE715B88}"/>
+              </a:ext>
+            </a:extLst>
+          </p:cNvPr>
+          <p:cNvSpPr txBox="1"/>
+          <p:nvPr/>
         </p:nvSpPr>
         <p:spPr>
           <a:xfrm>
-            <a:off x="838200" y="202565"/>
-            <a:ext cx="10515600" cy="1325563"/>
-          </a:xfrm>
-        </p:spPr>
-        <p:txBody>
-          <a:bodyPr/>
-          <a:lstStyle/>
-          <a:p>
-            <a:r>
-              <a:rPr lang="en-US" dirty="0"/>
-              <a:t>Inverse document frequency in Austen’s novels I</a:t>
-            </a:r>
-            <a:endParaRPr lang="nl-NL" dirty="0"/>
-          </a:p>
-        </p:txBody>
-      </p:sp>
-      <p:sp>
-        <p:nvSpPr>
-          <p:cNvPr id="3" name="Content Placeholder 2">
-            <a:extLst>
-              <a:ext uri="{FF2B5EF4-FFF2-40B4-BE49-F238E27FC236}">
-                <a16:creationId xmlns:a16="http://schemas.microsoft.com/office/drawing/2014/main" id="{7A347370-F4A1-4BBA-BE72-2486DEDEFEC5}"/>
-              </a:ext>
-            </a:extLst>
-          </p:cNvPr>
-          <p:cNvSpPr>
-            <a:spLocks noGrp="1"/>
-          </p:cNvSpPr>
-          <p:nvPr>
-            <p:ph idx="1"/>
-          </p:nvPr>
-        </p:nvSpPr>
-        <p:spPr>
-          <a:xfrm>
-            <a:off x="838200" y="1690688"/>
-            <a:ext cx="10515600" cy="5055552"/>
-          </a:xfrm>
-        </p:spPr>
-        <p:txBody>
-          <a:bodyPr>
-            <a:normAutofit fontScale="25000" lnSpcReduction="20000"/>
-          </a:bodyPr>
-          <a:lstStyle/>
-          <a:p>
-            <a:pPr marL="0" indent="0">
-              <a:buNone/>
-            </a:pPr>
-            <a:r>
-              <a:rPr lang="en-US" sz="9600" dirty="0"/>
-              <a:t>10c. Let’s move on from term frequency to calculating </a:t>
-            </a:r>
-            <a:r>
-              <a:rPr lang="en-US" sz="9600" dirty="0" err="1"/>
-              <a:t>tf-idf</a:t>
-            </a:r>
-            <a:r>
-              <a:rPr lang="en-US" sz="9600" dirty="0"/>
-              <a:t> and attempt to find the words with high </a:t>
-            </a:r>
-            <a:r>
-              <a:rPr lang="en-US" sz="9600" dirty="0" err="1"/>
-              <a:t>tf-idf</a:t>
-            </a:r>
-            <a:r>
-              <a:rPr lang="en-US" sz="9600" dirty="0"/>
-              <a:t> (so high relative frequency). The </a:t>
-            </a:r>
-            <a:r>
-              <a:rPr lang="en-US" sz="8000" dirty="0" err="1"/>
-              <a:t>bind_tf_idf</a:t>
-            </a:r>
-            <a:r>
-              <a:rPr lang="en-US" sz="8000" dirty="0"/>
-              <a:t>() </a:t>
-            </a:r>
-            <a:r>
-              <a:rPr lang="en-US" sz="9600" dirty="0"/>
-              <a:t>function in the </a:t>
-            </a:r>
-            <a:r>
-              <a:rPr lang="en-US" sz="9600" dirty="0" err="1"/>
-              <a:t>tidytext</a:t>
-            </a:r>
-            <a:r>
-              <a:rPr lang="en-US" sz="9600" dirty="0"/>
-              <a:t> package takes a tidy text dataset as input with one row per token (term), per document. </a:t>
-            </a:r>
-          </a:p>
-          <a:p>
-            <a:pPr marL="0" indent="0">
-              <a:buNone/>
-            </a:pPr>
-            <a:r>
-              <a:rPr lang="en-US" sz="9600" dirty="0"/>
-              <a:t>	- The </a:t>
-            </a:r>
-            <a:r>
-              <a:rPr lang="en-US" sz="9600" b="1" dirty="0"/>
-              <a:t>word</a:t>
-            </a:r>
-            <a:r>
-              <a:rPr lang="en-US" sz="9600" dirty="0"/>
-              <a:t> column contains the terms/tokens</a:t>
-            </a:r>
-          </a:p>
-          <a:p>
-            <a:pPr marL="0" indent="0">
-              <a:buNone/>
-            </a:pPr>
-            <a:r>
-              <a:rPr lang="en-US" sz="9600" dirty="0"/>
-              <a:t>	- The </a:t>
-            </a:r>
-            <a:r>
-              <a:rPr lang="en-US" sz="9600" b="1" dirty="0"/>
-              <a:t>book</a:t>
-            </a:r>
-            <a:r>
-              <a:rPr lang="en-US" sz="9600" dirty="0"/>
-              <a:t> column contains the documents</a:t>
-            </a:r>
-          </a:p>
-          <a:p>
-            <a:pPr marL="0" indent="0">
-              <a:buNone/>
-            </a:pPr>
-            <a:r>
-              <a:rPr lang="en-US" sz="9600" dirty="0"/>
-              <a:t>	- The </a:t>
-            </a:r>
-            <a:r>
-              <a:rPr lang="en-US" sz="9600" b="1" dirty="0"/>
-              <a:t>n</a:t>
-            </a:r>
-            <a:r>
-              <a:rPr lang="en-US" sz="9600" dirty="0"/>
-              <a:t> column contains how many times each document contains each 		term</a:t>
-            </a:r>
-          </a:p>
-          <a:p>
-            <a:pPr marL="0" indent="0">
-              <a:buNone/>
-            </a:pPr>
-            <a:r>
-              <a:rPr lang="en-US" sz="9600" dirty="0"/>
-              <a:t>Based on those column headers, can you fill in the code below and calculate </a:t>
-            </a:r>
-            <a:r>
-              <a:rPr lang="en-US" sz="9600" dirty="0" err="1"/>
-              <a:t>tf-idf</a:t>
-            </a:r>
-            <a:r>
-              <a:rPr lang="en-US" sz="9600" dirty="0"/>
-              <a:t>?</a:t>
-            </a:r>
-          </a:p>
-          <a:p>
-            <a:pPr marL="0" indent="0">
-              <a:buNone/>
-            </a:pPr>
-            <a:endParaRPr lang="en-US" dirty="0"/>
-          </a:p>
-          <a:p>
-            <a:pPr marL="0" indent="0">
-              <a:buNone/>
-            </a:pPr>
-            <a:endParaRPr lang="en-US" sz="6400" dirty="0"/>
-          </a:p>
-          <a:p>
-            <a:pPr marL="0" indent="0">
-              <a:buNone/>
-            </a:pPr>
-            <a:r>
-              <a:rPr lang="en-US" sz="6400" dirty="0" err="1"/>
-              <a:t>book_tf_idf</a:t>
-            </a:r>
-            <a:r>
-              <a:rPr lang="en-US" sz="6400" dirty="0"/>
-              <a:t> &lt;- </a:t>
-            </a:r>
-            <a:r>
-              <a:rPr lang="en-US" sz="6400" dirty="0" err="1"/>
-              <a:t>book_words</a:t>
-            </a:r>
-            <a:r>
-              <a:rPr lang="en-US" sz="6400" dirty="0"/>
-              <a:t> %&gt;%</a:t>
-            </a:r>
-          </a:p>
-          <a:p>
-            <a:pPr marL="0" indent="0">
-              <a:buNone/>
-            </a:pPr>
-            <a:r>
-              <a:rPr lang="en-US" sz="6400" dirty="0"/>
-              <a:t>  </a:t>
-            </a:r>
-            <a:r>
-              <a:rPr lang="en-US" sz="6400" dirty="0" err="1"/>
-              <a:t>bind_tf_idf</a:t>
-            </a:r>
-            <a:r>
-              <a:rPr lang="en-US" sz="6400" dirty="0"/>
-              <a:t>(</a:t>
-            </a:r>
-            <a:r>
-              <a:rPr lang="en-US" sz="6400" b="1" dirty="0">
-                <a:solidFill>
-                  <a:srgbClr val="FF0000"/>
-                </a:solidFill>
-              </a:rPr>
-              <a:t>???, ???, ???</a:t>
-            </a:r>
-            <a:r>
-              <a:rPr lang="en-US" sz="6400" dirty="0"/>
-              <a:t>)</a:t>
-            </a:r>
-          </a:p>
-          <a:p>
-            <a:pPr marL="0" indent="0">
-              <a:buNone/>
-            </a:pPr>
-            <a:endParaRPr lang="en-US" sz="6400" dirty="0"/>
-          </a:p>
-          <a:p>
-            <a:pPr marL="0" indent="0">
-              <a:buNone/>
-            </a:pPr>
-            <a:r>
-              <a:rPr lang="en-US" sz="6400" dirty="0" err="1"/>
-              <a:t>book_tf_idf</a:t>
-            </a:r>
-            <a:r>
-              <a:rPr lang="en-US" sz="6400" dirty="0"/>
-              <a:t> %&gt;%</a:t>
-            </a:r>
-          </a:p>
-          <a:p>
-            <a:pPr marL="0" indent="0">
-              <a:buNone/>
-            </a:pPr>
-            <a:r>
-              <a:rPr lang="en-US" sz="6400" dirty="0"/>
-              <a:t>  select(-total) %&gt;%</a:t>
-            </a:r>
-          </a:p>
-          <a:p>
-            <a:pPr marL="0" indent="0">
-              <a:buNone/>
-            </a:pPr>
-            <a:r>
-              <a:rPr lang="en-US" sz="6400" dirty="0"/>
-              <a:t>  arrange(desc(</a:t>
-            </a:r>
-            <a:r>
-              <a:rPr lang="en-US" sz="6400" dirty="0" err="1"/>
-              <a:t>tf_idf</a:t>
-            </a:r>
-            <a:r>
-              <a:rPr lang="en-US" sz="6400" dirty="0"/>
-              <a:t>))</a:t>
-            </a:r>
-            <a:endParaRPr lang="nl-NL" sz="6400" dirty="0"/>
-          </a:p>
-        </p:txBody>
-      </p:sp>
-      <p:sp>
-        <p:nvSpPr>
-          <p:cNvPr id="4" name="TextBox 3">
-            <a:extLst>
-              <a:ext uri="{FF2B5EF4-FFF2-40B4-BE49-F238E27FC236}">
-                <a16:creationId xmlns:a16="http://schemas.microsoft.com/office/drawing/2014/main" id="{BFA060E4-94CD-431F-BB14-281A8C52AC0E}"/>
-              </a:ext>
-            </a:extLst>
-          </p:cNvPr>
-          <p:cNvSpPr txBox="1"/>
-          <p:nvPr/>
-        </p:nvSpPr>
-        <p:spPr>
-          <a:xfrm>
-            <a:off x="4257040" y="5167312"/>
-            <a:ext cx="1838960" cy="923330"/>
+            <a:off x="5943600" y="1940242"/>
+            <a:ext cx="4165600" cy="646331"/>
           </a:xfrm>
           <a:prstGeom prst="rect">
             <a:avLst/>
@@ -4785,22 +5767,16 @@
           <a:lstStyle/>
           <a:p>
             <a:r>
-              <a:rPr lang="en-US" dirty="0">
-                <a:sym typeface="Wingdings" panose="05000000000000000000" pitchFamily="2" charset="2"/>
-              </a:rPr>
-              <a:t> </a:t>
-            </a:r>
-            <a:r>
-              <a:rPr lang="en-US" dirty="0"/>
-              <a:t>What type of words have a high </a:t>
+              <a:rPr lang="en-US" dirty="0"/>
+              <a:t>&lt;- Your </a:t>
             </a:r>
             <a:r>
               <a:rPr lang="en-US" dirty="0" err="1"/>
-              <a:t>tf-idf</a:t>
-            </a:r>
-            <a:r>
-              <a:rPr lang="en-US" dirty="0"/>
-              <a:t> score?</a:t>
+              <a:t>tibble</a:t>
+            </a:r>
+            <a:r>
+              <a:rPr lang="en-US" dirty="0"/>
+              <a:t> should look somewhat familiar at this point…</a:t>
             </a:r>
             <a:endParaRPr lang="nl-NL" dirty="0"/>
           </a:p>
@@ -4809,7 +5785,7 @@
     </p:spTree>
     <p:extLst>
       <p:ext uri="{BB962C8B-B14F-4D97-AF65-F5344CB8AC3E}">
-        <p14:creationId xmlns:p14="http://schemas.microsoft.com/office/powerpoint/2010/main" val="46344067"/>
+        <p14:creationId xmlns:p14="http://schemas.microsoft.com/office/powerpoint/2010/main" val="3870502344"/>
       </p:ext>
     </p:extLst>
   </p:cSld>
@@ -4841,7 +5817,7 @@
           <p:cNvPr id="2" name="Title 1">
             <a:extLst>
               <a:ext uri="{FF2B5EF4-FFF2-40B4-BE49-F238E27FC236}">
-                <a16:creationId xmlns:a16="http://schemas.microsoft.com/office/drawing/2014/main" id="{ECC66E18-FABF-4756-B345-B581224AAD37}"/>
+                <a16:creationId xmlns:a16="http://schemas.microsoft.com/office/drawing/2014/main" id="{2AC50481-0146-403E-BE20-24D69CD6931D}"/>
               </a:ext>
             </a:extLst>
           </p:cNvPr>
@@ -4858,10 +5834,37 @@
           <a:lstStyle/>
           <a:p>
             <a:r>
-              <a:rPr lang="en-US" dirty="0"/>
-              <a:t>Inverse document frequency in Austen’s novels II</a:t>
-            </a:r>
-            <a:endParaRPr lang="nl-NL" dirty="0"/>
+              <a:rPr lang="nl-NL" dirty="0" err="1"/>
+              <a:t>Tokenizing</a:t>
+            </a:r>
+            <a:r>
+              <a:rPr lang="nl-NL" dirty="0"/>
+              <a:t> </a:t>
+            </a:r>
+            <a:r>
+              <a:rPr lang="nl-NL" dirty="0" err="1"/>
+              <a:t>Austen’s</a:t>
+            </a:r>
+            <a:r>
+              <a:rPr lang="nl-NL" dirty="0"/>
+              <a:t> </a:t>
+            </a:r>
+            <a:r>
+              <a:rPr lang="nl-NL" dirty="0" err="1"/>
+              <a:t>novels</a:t>
+            </a:r>
+            <a:r>
+              <a:rPr lang="nl-NL" dirty="0"/>
+              <a:t> </a:t>
+            </a:r>
+            <a:r>
+              <a:rPr lang="nl-NL" dirty="0" err="1"/>
+              <a:t>by</a:t>
+            </a:r>
+            <a:r>
+              <a:rPr lang="nl-NL" dirty="0"/>
+              <a:t> n-gram V</a:t>
+            </a:r>
           </a:p>
         </p:txBody>
       </p:sp>
@@ -4870,7 +5873,7 @@
           <p:cNvPr id="3" name="Content Placeholder 2">
             <a:extLst>
               <a:ext uri="{FF2B5EF4-FFF2-40B4-BE49-F238E27FC236}">
-                <a16:creationId xmlns:a16="http://schemas.microsoft.com/office/drawing/2014/main" id="{096DCCB6-9C3E-4FBC-96CD-4ACC429DF7DA}"/>
+                <a16:creationId xmlns:a16="http://schemas.microsoft.com/office/drawing/2014/main" id="{C75A9EB6-24FE-40D5-A501-B5313BA1B7ED}"/>
               </a:ext>
             </a:extLst>
           </p:cNvPr>
@@ -4884,7 +5887,7 @@
         <p:spPr/>
         <p:txBody>
           <a:bodyPr>
-            <a:normAutofit fontScale="70000" lnSpcReduction="20000"/>
+            <a:normAutofit/>
           </a:bodyPr>
           <a:lstStyle/>
           <a:p>
@@ -4893,48 +5896,71 @@
             </a:pPr>
             <a:r>
               <a:rPr lang="en-US" dirty="0"/>
-              <a:t>10d. Since everything in life is better with graphics, let’s visualize our </a:t>
+              <a:t>11c. We will now use </a:t>
+            </a:r>
+            <a:r>
+              <a:rPr lang="en-US" sz="2400" dirty="0" err="1"/>
+              <a:t>tidyr</a:t>
             </a:r>
             <a:r>
               <a:rPr lang="en-US" dirty="0" err="1"/>
-              <a:t>tf-ifd</a:t>
-            </a:r>
-            <a:r>
-              <a:rPr lang="en-US" dirty="0"/>
-              <a:t> findings! Run the code below to plot the highest </a:t>
-            </a:r>
+              <a:t>’s</a:t>
+            </a:r>
+            <a:r>
+              <a:rPr lang="en-US" dirty="0"/>
+              <a:t> unite() function to recombine the columns into one. Using the “separate/filter/count/unite” combination lets us find the most common bigrams </a:t>
+            </a:r>
+            <a:r>
+              <a:rPr lang="en-US" i="1" dirty="0"/>
+              <a:t>not containing stop-words</a:t>
+            </a:r>
+            <a:r>
+              <a:rPr lang="en-US" dirty="0"/>
+              <a:t>. Run the code below.</a:t>
+            </a:r>
+          </a:p>
+          <a:p>
+            <a:pPr marL="0" indent="0">
+              <a:buNone/>
+            </a:pPr>
+            <a:endParaRPr lang="en-US" dirty="0"/>
+          </a:p>
+          <a:p>
+            <a:pPr marL="0" indent="0">
+              <a:buNone/>
+            </a:pPr>
             <a:r>
               <a:rPr lang="en-US" dirty="0" err="1"/>
-              <a:t>tf-idf</a:t>
-            </a:r>
-            <a:r>
-              <a:rPr lang="en-US" dirty="0"/>
-              <a:t> words in each of Austen’s novels. Can you make it so that you plot the scores per novel? And can you make sure that we see </a:t>
+              <a:t>bigrams_united</a:t>
+            </a:r>
+            <a:r>
+              <a:rPr lang="en-US" dirty="0"/>
+              <a:t> &lt;- </a:t>
             </a:r>
             <a:r>
               <a:rPr lang="en-US" dirty="0" err="1"/>
-              <a:t>tf-idf</a:t>
-            </a:r>
-            <a:r>
-              <a:rPr lang="en-US" dirty="0"/>
-              <a:t> for the tokens/terms we have been analyzing? Have a go…</a:t>
-            </a:r>
-          </a:p>
-          <a:p>
-            <a:pPr marL="0" indent="0">
-              <a:buNone/>
-            </a:pPr>
-            <a:r>
-              <a:rPr lang="en-US" dirty="0"/>
-              <a:t>library(</a:t>
+              <a:t>bigrams_filtered</a:t>
+            </a:r>
+            <a:r>
+              <a:rPr lang="en-US" dirty="0"/>
+              <a:t> %&gt;%</a:t>
+            </a:r>
+          </a:p>
+          <a:p>
+            <a:pPr marL="0" indent="0">
+              <a:buNone/>
+            </a:pPr>
+            <a:r>
+              <a:rPr lang="en-US" dirty="0"/>
+              <a:t>  unite(bigram, word1, word2, </a:t>
             </a:r>
             <a:r>
               <a:rPr lang="en-US" dirty="0" err="1"/>
-              <a:t>forcats</a:t>
-            </a:r>
-            <a:r>
-              <a:rPr lang="en-US" dirty="0"/>
-              <a:t>)</a:t>
+              <a:t>sep</a:t>
+            </a:r>
+            <a:r>
+              <a:rPr lang="en-US" dirty="0"/>
+              <a:t> = " ")</a:t>
             </a:r>
           </a:p>
           <a:p>
@@ -4949,224 +5975,30 @@
             </a:pPr>
             <a:r>
               <a:rPr lang="en-US" dirty="0" err="1"/>
-              <a:t>book_tf_idf</a:t>
-            </a:r>
-            <a:r>
-              <a:rPr lang="en-US" dirty="0"/>
-              <a:t> %&gt;%</a:t>
-            </a:r>
-          </a:p>
-          <a:p>
-            <a:pPr marL="0" indent="0">
-              <a:buNone/>
-            </a:pPr>
-            <a:r>
-              <a:rPr lang="en-US" dirty="0"/>
-              <a:t>  </a:t>
-            </a:r>
-            <a:r>
-              <a:rPr lang="en-US" dirty="0" err="1"/>
-              <a:t>group_by</a:t>
-            </a:r>
-            <a:r>
-              <a:rPr lang="en-US" dirty="0"/>
-              <a:t>(</a:t>
-            </a:r>
-            <a:r>
-              <a:rPr lang="en-US" b="1" dirty="0">
-                <a:solidFill>
-                  <a:srgbClr val="FF0000"/>
-                </a:solidFill>
-              </a:rPr>
-              <a:t>???</a:t>
-            </a:r>
-            <a:r>
-              <a:rPr lang="en-US" dirty="0"/>
-              <a:t>) %&gt;%</a:t>
-            </a:r>
-          </a:p>
-          <a:p>
-            <a:pPr marL="0" indent="0">
-              <a:buNone/>
-            </a:pPr>
-            <a:r>
-              <a:rPr lang="en-US" dirty="0"/>
-              <a:t>  </a:t>
-            </a:r>
-            <a:r>
-              <a:rPr lang="en-US" dirty="0" err="1"/>
-              <a:t>slice_max</a:t>
-            </a:r>
-            <a:r>
-              <a:rPr lang="en-US" dirty="0"/>
-              <a:t>(</a:t>
-            </a:r>
-            <a:r>
-              <a:rPr lang="en-US" dirty="0" err="1"/>
-              <a:t>tf_idf</a:t>
-            </a:r>
-            <a:r>
-              <a:rPr lang="en-US" dirty="0"/>
-              <a:t>, n = 15) %&gt;%</a:t>
-            </a:r>
-          </a:p>
-          <a:p>
-            <a:pPr marL="0" indent="0">
-              <a:buNone/>
-            </a:pPr>
-            <a:r>
-              <a:rPr lang="en-US" dirty="0"/>
-              <a:t>  ungroup() %&gt;%</a:t>
-            </a:r>
-          </a:p>
-          <a:p>
-            <a:pPr marL="0" indent="0">
-              <a:buNone/>
-            </a:pPr>
-            <a:r>
-              <a:rPr lang="en-US" dirty="0"/>
-              <a:t>  </a:t>
-            </a:r>
-            <a:r>
-              <a:rPr lang="en-US" dirty="0" err="1"/>
-              <a:t>ggplot</a:t>
-            </a:r>
-            <a:r>
-              <a:rPr lang="en-US" dirty="0"/>
-              <a:t>(</a:t>
-            </a:r>
-            <a:r>
-              <a:rPr lang="en-US" dirty="0" err="1"/>
-              <a:t>aes</a:t>
-            </a:r>
-            <a:r>
-              <a:rPr lang="en-US" dirty="0"/>
-              <a:t>(</a:t>
-            </a:r>
-            <a:r>
-              <a:rPr lang="en-US" dirty="0" err="1"/>
-              <a:t>tf_idf</a:t>
-            </a:r>
-            <a:r>
-              <a:rPr lang="en-US" dirty="0"/>
-              <a:t>, </a:t>
-            </a:r>
-            <a:r>
-              <a:rPr lang="en-US" dirty="0" err="1"/>
-              <a:t>fct_reorder</a:t>
-            </a:r>
-            <a:r>
-              <a:rPr lang="en-US" dirty="0"/>
-              <a:t>(</a:t>
-            </a:r>
-            <a:r>
-              <a:rPr lang="en-US" b="1" dirty="0">
-                <a:solidFill>
-                  <a:srgbClr val="FF0000"/>
-                </a:solidFill>
-              </a:rPr>
-              <a:t>???</a:t>
-            </a:r>
-            <a:r>
-              <a:rPr lang="en-US" dirty="0"/>
-              <a:t>, </a:t>
-            </a:r>
-            <a:r>
-              <a:rPr lang="en-US" dirty="0" err="1"/>
-              <a:t>tf_idf</a:t>
-            </a:r>
-            <a:r>
-              <a:rPr lang="en-US" dirty="0"/>
-              <a:t>), fill = book)) +</a:t>
-            </a:r>
-          </a:p>
-          <a:p>
-            <a:pPr marL="0" indent="0">
-              <a:buNone/>
-            </a:pPr>
-            <a:r>
-              <a:rPr lang="en-US" dirty="0"/>
-              <a:t>  </a:t>
-            </a:r>
-            <a:r>
-              <a:rPr lang="en-US" dirty="0" err="1"/>
-              <a:t>geom_col</a:t>
-            </a:r>
-            <a:r>
-              <a:rPr lang="en-US" dirty="0"/>
-              <a:t>(</a:t>
-            </a:r>
-            <a:r>
-              <a:rPr lang="en-US" dirty="0" err="1"/>
-              <a:t>show.legend</a:t>
-            </a:r>
-            <a:r>
-              <a:rPr lang="en-US" dirty="0"/>
-              <a:t> = FALSE) +</a:t>
-            </a:r>
-          </a:p>
-          <a:p>
-            <a:pPr marL="0" indent="0">
-              <a:buNone/>
-            </a:pPr>
-            <a:r>
-              <a:rPr lang="en-US" dirty="0"/>
-              <a:t>  </a:t>
-            </a:r>
-            <a:r>
-              <a:rPr lang="en-US" dirty="0" err="1"/>
-              <a:t>facet_wrap</a:t>
-            </a:r>
-            <a:r>
-              <a:rPr lang="en-US" dirty="0"/>
-              <a:t>(~book, </a:t>
-            </a:r>
-            <a:r>
-              <a:rPr lang="en-US" dirty="0" err="1"/>
-              <a:t>ncol</a:t>
-            </a:r>
-            <a:r>
-              <a:rPr lang="en-US" dirty="0"/>
-              <a:t> = 2, scales = "free") +</a:t>
-            </a:r>
-          </a:p>
-          <a:p>
-            <a:pPr marL="0" indent="0">
-              <a:buNone/>
-            </a:pPr>
-            <a:r>
-              <a:rPr lang="en-US" dirty="0"/>
-              <a:t>  labs(x = "</a:t>
-            </a:r>
-            <a:r>
-              <a:rPr lang="en-US" dirty="0" err="1"/>
-              <a:t>tf-idf</a:t>
-            </a:r>
-            <a:r>
-              <a:rPr lang="en-US" dirty="0"/>
-              <a:t>", y = NULL) </a:t>
-            </a:r>
-          </a:p>
-          <a:p>
-            <a:pPr marL="0" indent="0">
-              <a:buNone/>
-            </a:pPr>
+              <a:t>bigrams_united</a:t>
+            </a:r>
             <a:endParaRPr lang="en-US" dirty="0"/>
           </a:p>
           <a:p>
             <a:pPr marL="0" indent="0">
               <a:buNone/>
             </a:pPr>
-            <a:endParaRPr lang="nl-NL" dirty="0"/>
-          </a:p>
-        </p:txBody>
-      </p:sp>
-      <p:sp>
-        <p:nvSpPr>
-          <p:cNvPr id="4" name="TextBox 3">
-            <a:extLst>
-              <a:ext uri="{FF2B5EF4-FFF2-40B4-BE49-F238E27FC236}">
-                <a16:creationId xmlns:a16="http://schemas.microsoft.com/office/drawing/2014/main" id="{D0354E00-4CC8-47D1-96A2-2B325AC94FBF}"/>
+            <a:endParaRPr lang="en-US" dirty="0"/>
+          </a:p>
+          <a:p>
+            <a:pPr marL="0" indent="0">
+              <a:buNone/>
+            </a:pPr>
+            <a:endParaRPr lang="en-US" dirty="0"/>
+          </a:p>
+        </p:txBody>
+      </p:sp>
+      <p:sp>
+        <p:nvSpPr>
+          <p:cNvPr id="5" name="TextBox 4">
+            <a:extLst>
+              <a:ext uri="{FF2B5EF4-FFF2-40B4-BE49-F238E27FC236}">
+                <a16:creationId xmlns:a16="http://schemas.microsoft.com/office/drawing/2014/main" id="{BCEA5CC3-A5A2-4C60-A260-B48ECB83A0F8}"/>
               </a:ext>
             </a:extLst>
           </p:cNvPr>
@@ -5175,8 +6007,8 @@
         </p:nvSpPr>
         <p:spPr>
           <a:xfrm>
-            <a:off x="7091680" y="3429001"/>
-            <a:ext cx="3667760" cy="2308324"/>
+            <a:off x="7620000" y="3820160"/>
+            <a:ext cx="2184400" cy="1754326"/>
           </a:xfrm>
           <a:prstGeom prst="rect">
             <a:avLst/>
@@ -5194,15 +6026,23 @@
           </a:bodyPr>
           <a:lstStyle/>
           <a:p>
-            <a:pPr marL="285750" indent="-285750">
-              <a:buFont typeface="Wingdings" panose="05000000000000000000" pitchFamily="2" charset="2"/>
-              <a:buChar char="ß"/>
-            </a:pPr>
             <a:r>
               <a:rPr lang="en-US" dirty="0">
                 <a:sym typeface="Wingdings" panose="05000000000000000000" pitchFamily="2" charset="2"/>
               </a:rPr>
-              <a:t>You have calculated and visualized what type of words distinguish Austen’s novels from each other. Another slam dunk! Time for one more? We have consistently looked at unigrams (single words) in our analyses so far, but now it’s time for a change…</a:t>
+              <a:t> The </a:t>
+            </a:r>
+            <a:r>
+              <a:rPr lang="en-US" dirty="0" err="1">
+                <a:sym typeface="Wingdings" panose="05000000000000000000" pitchFamily="2" charset="2"/>
+              </a:rPr>
+              <a:t>tibble</a:t>
+            </a:r>
+            <a:r>
+              <a:rPr lang="en-US" dirty="0">
+                <a:sym typeface="Wingdings" panose="05000000000000000000" pitchFamily="2" charset="2"/>
+              </a:rPr>
+              <a:t> is now where we want it to be in order to perform the final step in our analysis… </a:t>
             </a:r>
             <a:endParaRPr lang="nl-NL" dirty="0"/>
           </a:p>
@@ -5211,7 +6051,981 @@
     </p:spTree>
     <p:extLst>
       <p:ext uri="{BB962C8B-B14F-4D97-AF65-F5344CB8AC3E}">
-        <p14:creationId xmlns:p14="http://schemas.microsoft.com/office/powerpoint/2010/main" val="1514850052"/>
+        <p14:creationId xmlns:p14="http://schemas.microsoft.com/office/powerpoint/2010/main" val="3201506356"/>
+      </p:ext>
+    </p:extLst>
+  </p:cSld>
+  <p:clrMapOvr>
+    <a:masterClrMapping/>
+  </p:clrMapOvr>
+</p:sld>
+</file>
+
+<file path=ppt/slides/slide7.xml><?xml version="1.0" encoding="utf-8"?>
+<p:sld xmlns:a="http://schemas.openxmlformats.org/drawingml/2006/main" xmlns:r="http://schemas.openxmlformats.org/officeDocument/2006/relationships" xmlns:p="http://schemas.openxmlformats.org/presentationml/2006/main">
+  <p:cSld>
+    <p:spTree>
+      <p:nvGrpSpPr>
+        <p:cNvPr id="1" name=""/>
+        <p:cNvGrpSpPr/>
+        <p:nvPr/>
+      </p:nvGrpSpPr>
+      <p:grpSpPr>
+        <a:xfrm>
+          <a:off x="0" y="0"/>
+          <a:ext cx="0" cy="0"/>
+          <a:chOff x="0" y="0"/>
+          <a:chExt cx="0" cy="0"/>
+        </a:xfrm>
+      </p:grpSpPr>
+      <p:sp>
+        <p:nvSpPr>
+          <p:cNvPr id="2" name="Title 1">
+            <a:extLst>
+              <a:ext uri="{FF2B5EF4-FFF2-40B4-BE49-F238E27FC236}">
+                <a16:creationId xmlns:a16="http://schemas.microsoft.com/office/drawing/2014/main" id="{35C74DC4-E05C-4D7B-94DE-E8A2A4D4DE4E}"/>
+              </a:ext>
+            </a:extLst>
+          </p:cNvPr>
+          <p:cNvSpPr>
+            <a:spLocks noGrp="1"/>
+          </p:cNvSpPr>
+          <p:nvPr>
+            <p:ph type="title"/>
+          </p:nvPr>
+        </p:nvSpPr>
+        <p:spPr/>
+        <p:txBody>
+          <a:bodyPr/>
+          <a:lstStyle/>
+          <a:p>
+            <a:r>
+              <a:rPr lang="nl-NL" dirty="0" err="1"/>
+              <a:t>Tokenizing</a:t>
+            </a:r>
+            <a:r>
+              <a:rPr lang="nl-NL" dirty="0"/>
+              <a:t> </a:t>
+            </a:r>
+            <a:r>
+              <a:rPr lang="nl-NL" dirty="0" err="1"/>
+              <a:t>Austen’s</a:t>
+            </a:r>
+            <a:r>
+              <a:rPr lang="nl-NL" dirty="0"/>
+              <a:t> </a:t>
+            </a:r>
+            <a:r>
+              <a:rPr lang="nl-NL" dirty="0" err="1"/>
+              <a:t>novels</a:t>
+            </a:r>
+            <a:r>
+              <a:rPr lang="nl-NL" dirty="0"/>
+              <a:t> </a:t>
+            </a:r>
+            <a:r>
+              <a:rPr lang="nl-NL" dirty="0" err="1"/>
+              <a:t>by</a:t>
+            </a:r>
+            <a:r>
+              <a:rPr lang="nl-NL" dirty="0"/>
+              <a:t> n-gram VI</a:t>
+            </a:r>
+          </a:p>
+        </p:txBody>
+      </p:sp>
+      <p:sp>
+        <p:nvSpPr>
+          <p:cNvPr id="3" name="Content Placeholder 2">
+            <a:extLst>
+              <a:ext uri="{FF2B5EF4-FFF2-40B4-BE49-F238E27FC236}">
+                <a16:creationId xmlns:a16="http://schemas.microsoft.com/office/drawing/2014/main" id="{7CA95BEF-7607-4102-8C37-E3C5DBCC34B9}"/>
+              </a:ext>
+            </a:extLst>
+          </p:cNvPr>
+          <p:cNvSpPr>
+            <a:spLocks noGrp="1"/>
+          </p:cNvSpPr>
+          <p:nvPr>
+            <p:ph idx="1"/>
+          </p:nvPr>
+        </p:nvSpPr>
+        <p:spPr/>
+        <p:txBody>
+          <a:bodyPr>
+            <a:normAutofit fontScale="77500" lnSpcReduction="20000"/>
+          </a:bodyPr>
+          <a:lstStyle/>
+          <a:p>
+            <a:pPr marL="0" indent="0">
+              <a:buNone/>
+            </a:pPr>
+            <a:r>
+              <a:rPr lang="en-US" dirty="0"/>
+              <a:t>11d. Now it’s your time to finalize this piece of code and get the results we were working towards!</a:t>
+            </a:r>
+          </a:p>
+          <a:p>
+            <a:pPr marL="0" indent="0">
+              <a:buNone/>
+            </a:pPr>
+            <a:r>
+              <a:rPr lang="en-US" dirty="0"/>
+              <a:t>A bigram can also be treated as a term in a document in the same way that we treated individual words. For example, we can look at the </a:t>
+            </a:r>
+            <a:r>
+              <a:rPr lang="en-US" dirty="0" err="1"/>
+              <a:t>tf-idf</a:t>
+            </a:r>
+            <a:r>
+              <a:rPr lang="en-US" dirty="0"/>
+              <a:t> of bigrams across Austen’s novels. Can you complete the code below and produce a </a:t>
+            </a:r>
+            <a:r>
+              <a:rPr lang="en-US" dirty="0" err="1"/>
+              <a:t>tibble</a:t>
+            </a:r>
+            <a:r>
+              <a:rPr lang="en-US" dirty="0"/>
+              <a:t> of your results?</a:t>
+            </a:r>
+            <a:endParaRPr lang="nl-NL" dirty="0"/>
+          </a:p>
+          <a:p>
+            <a:pPr marL="0" indent="0">
+              <a:buNone/>
+            </a:pPr>
+            <a:endParaRPr lang="nl-NL" dirty="0"/>
+          </a:p>
+          <a:p>
+            <a:pPr marL="0" indent="0">
+              <a:buNone/>
+            </a:pPr>
+            <a:r>
+              <a:rPr lang="nl-NL" dirty="0" err="1"/>
+              <a:t>bigram_tf_idf</a:t>
+            </a:r>
+            <a:r>
+              <a:rPr lang="nl-NL" dirty="0"/>
+              <a:t> &lt;- </a:t>
+            </a:r>
+            <a:r>
+              <a:rPr lang="nl-NL" dirty="0" err="1"/>
+              <a:t>bigrams_united</a:t>
+            </a:r>
+            <a:r>
+              <a:rPr lang="nl-NL" dirty="0"/>
+              <a:t> %&gt;%</a:t>
+            </a:r>
+          </a:p>
+          <a:p>
+            <a:pPr marL="0" indent="0">
+              <a:buNone/>
+            </a:pPr>
+            <a:r>
+              <a:rPr lang="nl-NL" dirty="0"/>
+              <a:t>  </a:t>
+            </a:r>
+            <a:r>
+              <a:rPr lang="nl-NL" dirty="0" err="1"/>
+              <a:t>count</a:t>
+            </a:r>
+            <a:r>
+              <a:rPr lang="nl-NL" dirty="0"/>
+              <a:t>(</a:t>
+            </a:r>
+            <a:r>
+              <a:rPr lang="nl-NL" dirty="0" err="1"/>
+              <a:t>book</a:t>
+            </a:r>
+            <a:r>
+              <a:rPr lang="nl-NL" dirty="0"/>
+              <a:t>, bigram) %&gt;%</a:t>
+            </a:r>
+          </a:p>
+          <a:p>
+            <a:pPr marL="0" indent="0">
+              <a:buNone/>
+            </a:pPr>
+            <a:r>
+              <a:rPr lang="nl-NL" dirty="0"/>
+              <a:t>  </a:t>
+            </a:r>
+            <a:r>
+              <a:rPr lang="nl-NL" dirty="0" err="1"/>
+              <a:t>bind_tf_idf</a:t>
+            </a:r>
+            <a:r>
+              <a:rPr lang="nl-NL" dirty="0"/>
+              <a:t>(</a:t>
+            </a:r>
+            <a:r>
+              <a:rPr lang="nl-NL" b="1" dirty="0">
+                <a:solidFill>
+                  <a:srgbClr val="FF0000"/>
+                </a:solidFill>
+              </a:rPr>
+              <a:t>???</a:t>
+            </a:r>
+            <a:r>
+              <a:rPr lang="nl-NL" dirty="0"/>
+              <a:t>, </a:t>
+            </a:r>
+            <a:r>
+              <a:rPr lang="nl-NL" dirty="0" err="1"/>
+              <a:t>book</a:t>
+            </a:r>
+            <a:r>
+              <a:rPr lang="nl-NL" dirty="0"/>
+              <a:t>, n) %&gt;%</a:t>
+            </a:r>
+          </a:p>
+          <a:p>
+            <a:pPr marL="0" indent="0">
+              <a:buNone/>
+            </a:pPr>
+            <a:r>
+              <a:rPr lang="nl-NL" dirty="0"/>
+              <a:t>  </a:t>
+            </a:r>
+            <a:r>
+              <a:rPr lang="nl-NL" dirty="0" err="1"/>
+              <a:t>arrange</a:t>
+            </a:r>
+            <a:r>
+              <a:rPr lang="nl-NL" dirty="0"/>
+              <a:t>(</a:t>
+            </a:r>
+            <a:r>
+              <a:rPr lang="nl-NL" dirty="0" err="1"/>
+              <a:t>desc</a:t>
+            </a:r>
+            <a:r>
+              <a:rPr lang="nl-NL" dirty="0"/>
+              <a:t>(</a:t>
+            </a:r>
+            <a:r>
+              <a:rPr lang="nl-NL" dirty="0" err="1"/>
+              <a:t>tf_idf</a:t>
+            </a:r>
+            <a:r>
+              <a:rPr lang="nl-NL" dirty="0"/>
+              <a:t>))</a:t>
+            </a:r>
+          </a:p>
+          <a:p>
+            <a:pPr marL="0" indent="0">
+              <a:buNone/>
+            </a:pPr>
+            <a:endParaRPr lang="nl-NL" dirty="0"/>
+          </a:p>
+          <a:p>
+            <a:pPr marL="0" indent="0">
+              <a:buNone/>
+            </a:pPr>
+            <a:r>
+              <a:rPr lang="nl-NL" dirty="0" err="1"/>
+              <a:t>bigram_tf_idf</a:t>
+            </a:r>
+            <a:endParaRPr lang="nl-NL" dirty="0"/>
+          </a:p>
+        </p:txBody>
+      </p:sp>
+      <p:sp>
+        <p:nvSpPr>
+          <p:cNvPr id="4" name="TextBox 3">
+            <a:extLst>
+              <a:ext uri="{FF2B5EF4-FFF2-40B4-BE49-F238E27FC236}">
+                <a16:creationId xmlns:a16="http://schemas.microsoft.com/office/drawing/2014/main" id="{65749094-305C-44F4-B302-DEB9FE547227}"/>
+              </a:ext>
+            </a:extLst>
+          </p:cNvPr>
+          <p:cNvSpPr txBox="1"/>
+          <p:nvPr/>
+        </p:nvSpPr>
+        <p:spPr>
+          <a:xfrm>
+            <a:off x="6918960" y="3556635"/>
+            <a:ext cx="2265680" cy="2031325"/>
+          </a:xfrm>
+          <a:prstGeom prst="rect">
+            <a:avLst/>
+          </a:prstGeom>
+          <a:noFill/>
+          <a:ln w="28575">
+            <a:solidFill>
+              <a:srgbClr val="00B0F0"/>
+            </a:solidFill>
+          </a:ln>
+        </p:spPr>
+        <p:txBody>
+          <a:bodyPr wrap="square" rtlCol="0">
+            <a:spAutoFit/>
+          </a:bodyPr>
+          <a:lstStyle/>
+          <a:p>
+            <a:r>
+              <a:rPr lang="en-US" dirty="0">
+                <a:sym typeface="Wingdings" panose="05000000000000000000" pitchFamily="2" charset="2"/>
+              </a:rPr>
+              <a:t> You have found the bigrams with the highest </a:t>
+            </a:r>
+            <a:r>
+              <a:rPr lang="en-US" dirty="0" err="1">
+                <a:sym typeface="Wingdings" panose="05000000000000000000" pitchFamily="2" charset="2"/>
+              </a:rPr>
+              <a:t>tf-idf</a:t>
+            </a:r>
+            <a:r>
+              <a:rPr lang="en-US" dirty="0">
+                <a:sym typeface="Wingdings" panose="05000000000000000000" pitchFamily="2" charset="2"/>
+              </a:rPr>
+              <a:t> from each Austen novel! The only thing left for us to do now is look at correlations…</a:t>
+            </a:r>
+            <a:endParaRPr lang="nl-NL" dirty="0"/>
+          </a:p>
+        </p:txBody>
+      </p:sp>
+    </p:spTree>
+    <p:extLst>
+      <p:ext uri="{BB962C8B-B14F-4D97-AF65-F5344CB8AC3E}">
+        <p14:creationId xmlns:p14="http://schemas.microsoft.com/office/powerpoint/2010/main" val="469722319"/>
+      </p:ext>
+    </p:extLst>
+  </p:cSld>
+  <p:clrMapOvr>
+    <a:masterClrMapping/>
+  </p:clrMapOvr>
+</p:sld>
+</file>
+
+<file path=ppt/slides/slide8.xml><?xml version="1.0" encoding="utf-8"?>
+<p:sld xmlns:a="http://schemas.openxmlformats.org/drawingml/2006/main" xmlns:r="http://schemas.openxmlformats.org/officeDocument/2006/relationships" xmlns:p="http://schemas.openxmlformats.org/presentationml/2006/main">
+  <p:cSld>
+    <p:spTree>
+      <p:nvGrpSpPr>
+        <p:cNvPr id="1" name=""/>
+        <p:cNvGrpSpPr/>
+        <p:nvPr/>
+      </p:nvGrpSpPr>
+      <p:grpSpPr>
+        <a:xfrm>
+          <a:off x="0" y="0"/>
+          <a:ext cx="0" cy="0"/>
+          <a:chOff x="0" y="0"/>
+          <a:chExt cx="0" cy="0"/>
+        </a:xfrm>
+      </p:grpSpPr>
+      <p:sp>
+        <p:nvSpPr>
+          <p:cNvPr id="2" name="Title 1">
+            <a:extLst>
+              <a:ext uri="{FF2B5EF4-FFF2-40B4-BE49-F238E27FC236}">
+                <a16:creationId xmlns:a16="http://schemas.microsoft.com/office/drawing/2014/main" id="{5B207662-3545-4EC5-A07A-A8C9EA09E92B}"/>
+              </a:ext>
+            </a:extLst>
+          </p:cNvPr>
+          <p:cNvSpPr>
+            <a:spLocks noGrp="1"/>
+          </p:cNvSpPr>
+          <p:nvPr>
+            <p:ph type="title"/>
+          </p:nvPr>
+        </p:nvSpPr>
+        <p:spPr/>
+        <p:txBody>
+          <a:bodyPr/>
+          <a:lstStyle/>
+          <a:p>
+            <a:r>
+              <a:rPr lang="en-US" dirty="0"/>
+              <a:t>Counting and correlating pairs of words</a:t>
+            </a:r>
+            <a:endParaRPr lang="nl-NL" dirty="0"/>
+          </a:p>
+        </p:txBody>
+      </p:sp>
+      <p:sp>
+        <p:nvSpPr>
+          <p:cNvPr id="3" name="Content Placeholder 2">
+            <a:extLst>
+              <a:ext uri="{FF2B5EF4-FFF2-40B4-BE49-F238E27FC236}">
+                <a16:creationId xmlns:a16="http://schemas.microsoft.com/office/drawing/2014/main" id="{836CC7EA-08DE-47C4-BC5C-B73AA4FD5B89}"/>
+              </a:ext>
+            </a:extLst>
+          </p:cNvPr>
+          <p:cNvSpPr>
+            <a:spLocks noGrp="1"/>
+          </p:cNvSpPr>
+          <p:nvPr>
+            <p:ph idx="1"/>
+          </p:nvPr>
+        </p:nvSpPr>
+        <p:spPr/>
+        <p:txBody>
+          <a:bodyPr/>
+          <a:lstStyle/>
+          <a:p>
+            <a:r>
+              <a:rPr lang="en-US" dirty="0"/>
+              <a:t>We have analyzed pairs of words in the previous exercise. However, we are also interested in words that tend to co-occur within particular documents or particular chapters, even if they don’t occur next to each other. In other words, we need to look at </a:t>
+            </a:r>
+            <a:r>
+              <a:rPr lang="en-US" i="1" dirty="0"/>
+              <a:t>correlations</a:t>
+            </a:r>
+            <a:r>
+              <a:rPr lang="en-US" dirty="0"/>
+              <a:t>.</a:t>
+            </a:r>
+          </a:p>
+          <a:p>
+            <a:r>
+              <a:rPr lang="nl-NL" dirty="0"/>
+              <a:t>The </a:t>
+            </a:r>
+            <a:r>
+              <a:rPr lang="nl-NL" sz="2400" dirty="0" err="1"/>
+              <a:t>widyr</a:t>
+            </a:r>
+            <a:r>
+              <a:rPr lang="nl-NL" dirty="0"/>
+              <a:t> package </a:t>
+            </a:r>
+            <a:r>
+              <a:rPr lang="nl-NL" dirty="0" err="1"/>
+              <a:t>allows</a:t>
+            </a:r>
+            <a:r>
+              <a:rPr lang="nl-NL" dirty="0"/>
+              <a:t> </a:t>
+            </a:r>
+            <a:r>
+              <a:rPr lang="nl-NL" dirty="0" err="1"/>
+              <a:t>us</a:t>
+            </a:r>
+            <a:r>
+              <a:rPr lang="nl-NL" dirty="0"/>
+              <a:t> </a:t>
+            </a:r>
+            <a:r>
+              <a:rPr lang="nl-NL" dirty="0" err="1"/>
+              <a:t>to</a:t>
+            </a:r>
+            <a:r>
+              <a:rPr lang="nl-NL" dirty="0"/>
+              <a:t> </a:t>
+            </a:r>
+            <a:r>
+              <a:rPr lang="nl-NL" dirty="0" err="1"/>
+              <a:t>compute</a:t>
+            </a:r>
+            <a:r>
+              <a:rPr lang="nl-NL" dirty="0"/>
+              <a:t> </a:t>
+            </a:r>
+            <a:r>
+              <a:rPr lang="nl-NL" dirty="0" err="1"/>
+              <a:t>correlations</a:t>
+            </a:r>
+            <a:r>
+              <a:rPr lang="nl-NL" dirty="0"/>
+              <a:t>. We </a:t>
+            </a:r>
+            <a:r>
+              <a:rPr lang="nl-NL" dirty="0" err="1"/>
+              <a:t>will</a:t>
+            </a:r>
+            <a:r>
+              <a:rPr lang="nl-NL" dirty="0"/>
+              <a:t> focus on </a:t>
+            </a:r>
+            <a:r>
+              <a:rPr lang="en-US" dirty="0"/>
+              <a:t>a set of functions that make pairwise comparisons between groups of observations (for example, between documents, or sections of text).</a:t>
+            </a:r>
+            <a:endParaRPr lang="nl-NL" dirty="0"/>
+          </a:p>
+        </p:txBody>
+      </p:sp>
+    </p:spTree>
+    <p:extLst>
+      <p:ext uri="{BB962C8B-B14F-4D97-AF65-F5344CB8AC3E}">
+        <p14:creationId xmlns:p14="http://schemas.microsoft.com/office/powerpoint/2010/main" val="628725127"/>
+      </p:ext>
+    </p:extLst>
+  </p:cSld>
+  <p:clrMapOvr>
+    <a:masterClrMapping/>
+  </p:clrMapOvr>
+</p:sld>
+</file>
+
+<file path=ppt/slides/slide9.xml><?xml version="1.0" encoding="utf-8"?>
+<p:sld xmlns:a="http://schemas.openxmlformats.org/drawingml/2006/main" xmlns:r="http://schemas.openxmlformats.org/officeDocument/2006/relationships" xmlns:p="http://schemas.openxmlformats.org/presentationml/2006/main">
+  <p:cSld>
+    <p:spTree>
+      <p:nvGrpSpPr>
+        <p:cNvPr id="1" name=""/>
+        <p:cNvGrpSpPr/>
+        <p:nvPr/>
+      </p:nvGrpSpPr>
+      <p:grpSpPr>
+        <a:xfrm>
+          <a:off x="0" y="0"/>
+          <a:ext cx="0" cy="0"/>
+          <a:chOff x="0" y="0"/>
+          <a:chExt cx="0" cy="0"/>
+        </a:xfrm>
+      </p:grpSpPr>
+      <p:sp>
+        <p:nvSpPr>
+          <p:cNvPr id="2" name="Title 1">
+            <a:extLst>
+              <a:ext uri="{FF2B5EF4-FFF2-40B4-BE49-F238E27FC236}">
+                <a16:creationId xmlns:a16="http://schemas.microsoft.com/office/drawing/2014/main" id="{48B51C75-6682-425B-A0B6-0DAC874DC15D}"/>
+              </a:ext>
+            </a:extLst>
+          </p:cNvPr>
+          <p:cNvSpPr>
+            <a:spLocks noGrp="1"/>
+          </p:cNvSpPr>
+          <p:nvPr>
+            <p:ph type="title"/>
+          </p:nvPr>
+        </p:nvSpPr>
+        <p:spPr/>
+        <p:txBody>
+          <a:bodyPr>
+            <a:normAutofit fontScale="90000"/>
+          </a:bodyPr>
+          <a:lstStyle/>
+          <a:p>
+            <a:r>
+              <a:rPr lang="en-US" dirty="0"/>
+              <a:t>Counting and correlating among sections: </a:t>
+            </a:r>
+            <a:r>
+              <a:rPr lang="en-US" i="1" dirty="0"/>
+              <a:t>Pride and Prejudice </a:t>
+            </a:r>
+            <a:r>
+              <a:rPr lang="en-US" dirty="0"/>
+              <a:t>I</a:t>
+            </a:r>
+            <a:br>
+              <a:rPr lang="en-US" dirty="0"/>
+            </a:br>
+            <a:endParaRPr lang="nl-NL" dirty="0"/>
+          </a:p>
+        </p:txBody>
+      </p:sp>
+      <p:sp>
+        <p:nvSpPr>
+          <p:cNvPr id="3" name="Content Placeholder 2">
+            <a:extLst>
+              <a:ext uri="{FF2B5EF4-FFF2-40B4-BE49-F238E27FC236}">
+                <a16:creationId xmlns:a16="http://schemas.microsoft.com/office/drawing/2014/main" id="{F51853E4-1CB4-4CD5-AEE8-3352CF157B65}"/>
+              </a:ext>
+            </a:extLst>
+          </p:cNvPr>
+          <p:cNvSpPr>
+            <a:spLocks noGrp="1"/>
+          </p:cNvSpPr>
+          <p:nvPr>
+            <p:ph idx="1"/>
+          </p:nvPr>
+        </p:nvSpPr>
+        <p:spPr>
+          <a:xfrm>
+            <a:off x="838200" y="1825625"/>
+            <a:ext cx="10515600" cy="4667250"/>
+          </a:xfrm>
+        </p:spPr>
+        <p:txBody>
+          <a:bodyPr>
+            <a:normAutofit fontScale="47500" lnSpcReduction="20000"/>
+          </a:bodyPr>
+          <a:lstStyle/>
+          <a:p>
+            <a:pPr marL="0" indent="0">
+              <a:buNone/>
+            </a:pPr>
+            <a:r>
+              <a:rPr lang="en-US" sz="6000" dirty="0"/>
+              <a:t>Exercise 12</a:t>
+            </a:r>
+          </a:p>
+          <a:p>
+            <a:pPr marL="0" indent="0">
+              <a:buNone/>
+            </a:pPr>
+            <a:r>
+              <a:rPr lang="nl-NL" sz="6000" dirty="0"/>
+              <a:t>12a. We want </a:t>
+            </a:r>
+            <a:r>
+              <a:rPr lang="nl-NL" sz="6000" dirty="0" err="1"/>
+              <a:t>to</a:t>
+            </a:r>
+            <a:r>
+              <a:rPr lang="nl-NL" sz="6000" dirty="0"/>
+              <a:t> </a:t>
+            </a:r>
+            <a:r>
+              <a:rPr lang="nl-NL" sz="6000" dirty="0" err="1"/>
+              <a:t>find</a:t>
+            </a:r>
+            <a:r>
+              <a:rPr lang="nl-NL" sz="6000" dirty="0"/>
+              <a:t> out </a:t>
+            </a:r>
+            <a:r>
+              <a:rPr lang="nl-NL" sz="6000" dirty="0" err="1"/>
+              <a:t>what</a:t>
+            </a:r>
+            <a:r>
+              <a:rPr lang="nl-NL" sz="6000" dirty="0"/>
+              <a:t> </a:t>
+            </a:r>
+            <a:r>
+              <a:rPr lang="nl-NL" sz="6000" dirty="0" err="1"/>
+              <a:t>words</a:t>
+            </a:r>
+            <a:r>
+              <a:rPr lang="nl-NL" sz="6000" dirty="0"/>
+              <a:t> </a:t>
+            </a:r>
+            <a:r>
+              <a:rPr lang="nl-NL" sz="6000" dirty="0" err="1"/>
+              <a:t>tend</a:t>
+            </a:r>
+            <a:r>
+              <a:rPr lang="nl-NL" sz="6000" dirty="0"/>
+              <a:t> </a:t>
+            </a:r>
+            <a:r>
+              <a:rPr lang="nl-NL" sz="6000" dirty="0" err="1"/>
+              <a:t>to</a:t>
+            </a:r>
+            <a:r>
+              <a:rPr lang="nl-NL" sz="6000" dirty="0"/>
+              <a:t> </a:t>
+            </a:r>
+            <a:r>
+              <a:rPr lang="nl-NL" sz="6000" dirty="0" err="1"/>
+              <a:t>appear</a:t>
+            </a:r>
+            <a:r>
+              <a:rPr lang="nl-NL" sz="6000" dirty="0"/>
+              <a:t> </a:t>
+            </a:r>
+            <a:r>
+              <a:rPr lang="nl-NL" sz="6000" dirty="0" err="1"/>
+              <a:t>within</a:t>
+            </a:r>
+            <a:r>
+              <a:rPr lang="nl-NL" sz="6000" dirty="0"/>
+              <a:t> </a:t>
+            </a:r>
+            <a:r>
+              <a:rPr lang="nl-NL" sz="6000" dirty="0" err="1"/>
+              <a:t>each</a:t>
+            </a:r>
+            <a:r>
+              <a:rPr lang="nl-NL" sz="6000" dirty="0"/>
+              <a:t> 10-line </a:t>
+            </a:r>
+            <a:r>
+              <a:rPr lang="nl-NL" sz="6000" dirty="0" err="1"/>
+              <a:t>section</a:t>
+            </a:r>
+            <a:r>
+              <a:rPr lang="nl-NL" sz="6000" dirty="0"/>
+              <a:t> of </a:t>
+            </a:r>
+            <a:r>
+              <a:rPr lang="nl-NL" sz="6000" dirty="0" err="1"/>
+              <a:t>Austen’s</a:t>
+            </a:r>
+            <a:r>
+              <a:rPr lang="nl-NL" sz="6000" dirty="0"/>
+              <a:t> </a:t>
+            </a:r>
+            <a:r>
+              <a:rPr lang="nl-NL" sz="6000" i="1" dirty="0" err="1"/>
+              <a:t>Pride</a:t>
+            </a:r>
+            <a:r>
+              <a:rPr lang="nl-NL" sz="6000" i="1" dirty="0"/>
+              <a:t> </a:t>
+            </a:r>
+            <a:r>
+              <a:rPr lang="nl-NL" sz="6000" i="1" dirty="0" err="1"/>
+              <a:t>and</a:t>
+            </a:r>
+            <a:r>
+              <a:rPr lang="nl-NL" sz="6000" i="1" dirty="0"/>
+              <a:t> </a:t>
+            </a:r>
+            <a:r>
+              <a:rPr lang="nl-NL" sz="6000" i="1" dirty="0" err="1"/>
+              <a:t>Prejudice</a:t>
+            </a:r>
+            <a:r>
+              <a:rPr lang="nl-NL" sz="6000" dirty="0"/>
+              <a:t>. </a:t>
+            </a:r>
+            <a:r>
+              <a:rPr lang="nl-NL" sz="6000" dirty="0" err="1"/>
+              <a:t>Let’s</a:t>
+            </a:r>
+            <a:r>
+              <a:rPr lang="nl-NL" sz="6000" dirty="0"/>
+              <a:t> first </a:t>
+            </a:r>
+            <a:r>
+              <a:rPr lang="nl-NL" sz="6000" dirty="0" err="1"/>
+              <a:t>find</a:t>
+            </a:r>
+            <a:r>
+              <a:rPr lang="nl-NL" sz="6000" dirty="0"/>
+              <a:t> </a:t>
+            </a:r>
+            <a:r>
+              <a:rPr lang="nl-NL" sz="6000" dirty="0" err="1"/>
+              <a:t>the</a:t>
+            </a:r>
+            <a:r>
+              <a:rPr lang="nl-NL" sz="6000" dirty="0"/>
+              <a:t> Most Common </a:t>
+            </a:r>
+            <a:r>
+              <a:rPr lang="nl-NL" sz="6000" dirty="0" err="1"/>
+              <a:t>Words</a:t>
+            </a:r>
+            <a:r>
+              <a:rPr lang="nl-NL" sz="6000" dirty="0"/>
+              <a:t>, filtering out stop </a:t>
+            </a:r>
+            <a:r>
+              <a:rPr lang="nl-NL" sz="6000" dirty="0" err="1"/>
+              <a:t>words</a:t>
+            </a:r>
+            <a:r>
+              <a:rPr lang="nl-NL" sz="6000" dirty="0"/>
+              <a:t>. </a:t>
+            </a:r>
+            <a:r>
+              <a:rPr lang="nl-NL" sz="6000" dirty="0" err="1"/>
+              <a:t>Can</a:t>
+            </a:r>
+            <a:r>
+              <a:rPr lang="nl-NL" sz="6000" dirty="0"/>
+              <a:t> </a:t>
+            </a:r>
+            <a:r>
+              <a:rPr lang="nl-NL" sz="6000" dirty="0" err="1"/>
+              <a:t>you</a:t>
+            </a:r>
+            <a:r>
+              <a:rPr lang="nl-NL" sz="6000" dirty="0"/>
+              <a:t> complete </a:t>
+            </a:r>
+            <a:r>
+              <a:rPr lang="nl-NL" sz="6000" dirty="0" err="1"/>
+              <a:t>the</a:t>
+            </a:r>
+            <a:r>
+              <a:rPr lang="nl-NL" sz="6000" dirty="0"/>
+              <a:t> code?</a:t>
+            </a:r>
+          </a:p>
+          <a:p>
+            <a:pPr marL="0" indent="0">
+              <a:buNone/>
+            </a:pPr>
+            <a:endParaRPr lang="nl-NL" sz="3000" dirty="0"/>
+          </a:p>
+          <a:p>
+            <a:pPr marL="0" indent="0">
+              <a:buNone/>
+            </a:pPr>
+            <a:r>
+              <a:rPr lang="en-US" sz="3000" dirty="0" err="1"/>
+              <a:t>austen_section_words</a:t>
+            </a:r>
+            <a:r>
+              <a:rPr lang="en-US" sz="3000" dirty="0"/>
+              <a:t> &lt;- </a:t>
+            </a:r>
+            <a:r>
+              <a:rPr lang="en-US" sz="3000" dirty="0" err="1"/>
+              <a:t>austen_books</a:t>
+            </a:r>
+            <a:r>
+              <a:rPr lang="en-US" sz="3000" dirty="0"/>
+              <a:t>() %&gt;%</a:t>
+            </a:r>
+          </a:p>
+          <a:p>
+            <a:pPr marL="0" indent="0">
+              <a:buNone/>
+            </a:pPr>
+            <a:r>
+              <a:rPr lang="en-US" sz="3000" dirty="0"/>
+              <a:t>  filter(book == "Pride &amp; Prejudice") %&gt;%</a:t>
+            </a:r>
+          </a:p>
+          <a:p>
+            <a:pPr marL="0" indent="0">
+              <a:buNone/>
+            </a:pPr>
+            <a:r>
+              <a:rPr lang="en-US" sz="3000" dirty="0"/>
+              <a:t>  mutate(section = </a:t>
+            </a:r>
+            <a:r>
+              <a:rPr lang="en-US" sz="3000" dirty="0" err="1"/>
+              <a:t>row_number</a:t>
+            </a:r>
+            <a:r>
+              <a:rPr lang="en-US" sz="3000" dirty="0"/>
+              <a:t>() %/% </a:t>
+            </a:r>
+            <a:r>
+              <a:rPr lang="en-US" sz="3000" b="1" dirty="0">
+                <a:solidFill>
+                  <a:srgbClr val="FF0000"/>
+                </a:solidFill>
+              </a:rPr>
+              <a:t>??</a:t>
+            </a:r>
+            <a:r>
+              <a:rPr lang="en-US" sz="3000" dirty="0"/>
+              <a:t>) %&gt;%</a:t>
+            </a:r>
+          </a:p>
+          <a:p>
+            <a:pPr marL="0" indent="0">
+              <a:buNone/>
+            </a:pPr>
+            <a:r>
+              <a:rPr lang="en-US" sz="3000" dirty="0"/>
+              <a:t>  filter(section &gt; 0) %&gt;%</a:t>
+            </a:r>
+          </a:p>
+          <a:p>
+            <a:pPr marL="0" indent="0">
+              <a:buNone/>
+            </a:pPr>
+            <a:r>
+              <a:rPr lang="en-US" sz="3000" dirty="0"/>
+              <a:t>  </a:t>
+            </a:r>
+            <a:r>
+              <a:rPr lang="en-US" sz="3000" dirty="0" err="1"/>
+              <a:t>unnest_tokens</a:t>
+            </a:r>
+            <a:r>
+              <a:rPr lang="en-US" sz="3000" dirty="0"/>
+              <a:t>(</a:t>
+            </a:r>
+            <a:r>
+              <a:rPr lang="en-US" sz="3000" b="1" dirty="0">
+                <a:solidFill>
+                  <a:srgbClr val="FF0000"/>
+                </a:solidFill>
+              </a:rPr>
+              <a:t>???</a:t>
+            </a:r>
+            <a:r>
+              <a:rPr lang="en-US" sz="3000" dirty="0"/>
+              <a:t>, text) %&gt;%</a:t>
+            </a:r>
+          </a:p>
+          <a:p>
+            <a:pPr marL="0" indent="0">
+              <a:buNone/>
+            </a:pPr>
+            <a:r>
+              <a:rPr lang="en-US" sz="3000" dirty="0"/>
+              <a:t>  filter(!word %in% </a:t>
+            </a:r>
+            <a:r>
+              <a:rPr lang="en-US" sz="3000" dirty="0" err="1"/>
+              <a:t>stop_words$word</a:t>
+            </a:r>
+            <a:r>
+              <a:rPr lang="en-US" sz="3000" dirty="0"/>
+              <a:t>)</a:t>
+            </a:r>
+          </a:p>
+          <a:p>
+            <a:pPr marL="0" indent="0">
+              <a:buNone/>
+            </a:pPr>
+            <a:endParaRPr lang="en-US" sz="3000" dirty="0"/>
+          </a:p>
+          <a:p>
+            <a:pPr marL="0" indent="0">
+              <a:buNone/>
+            </a:pPr>
+            <a:r>
+              <a:rPr lang="en-US" sz="3000" dirty="0" err="1"/>
+              <a:t>austen_section_words</a:t>
+            </a:r>
+            <a:endParaRPr lang="en-US" sz="3000" dirty="0"/>
+          </a:p>
+        </p:txBody>
+      </p:sp>
+      <p:sp>
+        <p:nvSpPr>
+          <p:cNvPr id="4" name="TextBox 3">
+            <a:extLst>
+              <a:ext uri="{FF2B5EF4-FFF2-40B4-BE49-F238E27FC236}">
+                <a16:creationId xmlns:a16="http://schemas.microsoft.com/office/drawing/2014/main" id="{23E554C6-CD90-4694-8461-A88FB5BD4E85}"/>
+              </a:ext>
+            </a:extLst>
+          </p:cNvPr>
+          <p:cNvSpPr txBox="1"/>
+          <p:nvPr/>
+        </p:nvSpPr>
+        <p:spPr>
+          <a:xfrm>
+            <a:off x="5933440" y="3837306"/>
+            <a:ext cx="1859280" cy="2308324"/>
+          </a:xfrm>
+          <a:prstGeom prst="rect">
+            <a:avLst/>
+          </a:prstGeom>
+          <a:noFill/>
+          <a:ln w="28575">
+            <a:solidFill>
+              <a:srgbClr val="00B0F0"/>
+            </a:solidFill>
+          </a:ln>
+        </p:spPr>
+        <p:txBody>
+          <a:bodyPr wrap="square" rtlCol="0">
+            <a:spAutoFit/>
+          </a:bodyPr>
+          <a:lstStyle/>
+          <a:p>
+            <a:r>
+              <a:rPr lang="en-US" dirty="0">
+                <a:sym typeface="Wingdings" panose="05000000000000000000" pitchFamily="2" charset="2"/>
+              </a:rPr>
+              <a:t> This is the basis for finding common pairs of words co-appearing within the same section. That’s our next challenge!</a:t>
+            </a:r>
+            <a:endParaRPr lang="nl-NL" dirty="0"/>
+          </a:p>
+        </p:txBody>
+      </p:sp>
+    </p:spTree>
+    <p:extLst>
+      <p:ext uri="{BB962C8B-B14F-4D97-AF65-F5344CB8AC3E}">
+        <p14:creationId xmlns:p14="http://schemas.microsoft.com/office/powerpoint/2010/main" val="4150938042"/>
       </p:ext>
     </p:extLst>
   </p:cSld>
